--- a/A Matlab toolbox for single unit analysis.pptx
+++ b/A Matlab toolbox for single unit analysis.pptx
@@ -5,16 +5,19 @@
     <p:sldMasterId id="2147483648" r:id="rId1"/>
   </p:sldMasterIdLst>
   <p:notesMasterIdLst>
-    <p:notesMasterId r:id="rId9"/>
+    <p:notesMasterId r:id="rId12"/>
   </p:notesMasterIdLst>
   <p:sldIdLst>
     <p:sldId id="256" r:id="rId2"/>
-    <p:sldId id="257" r:id="rId3"/>
-    <p:sldId id="261" r:id="rId4"/>
-    <p:sldId id="259" r:id="rId5"/>
-    <p:sldId id="262" r:id="rId6"/>
-    <p:sldId id="263" r:id="rId7"/>
-    <p:sldId id="264" r:id="rId8"/>
+    <p:sldId id="265" r:id="rId3"/>
+    <p:sldId id="259" r:id="rId4"/>
+    <p:sldId id="268" r:id="rId5"/>
+    <p:sldId id="267" r:id="rId6"/>
+    <p:sldId id="262" r:id="rId7"/>
+    <p:sldId id="257" r:id="rId8"/>
+    <p:sldId id="269" r:id="rId9"/>
+    <p:sldId id="261" r:id="rId10"/>
+    <p:sldId id="263" r:id="rId11"/>
   </p:sldIdLst>
   <p:sldSz cx="12192000" cy="6858000"/>
   <p:notesSz cx="6858000" cy="9144000"/>
@@ -214,7 +217,7 @@
           <a:p>
             <a:fld id="{53E84AA3-4E22-4653-A615-756F2878E739}" type="datetimeFigureOut">
               <a:rPr lang="en-US" smtClean="0"/>
-              <a:t>11/26/2019</a:t>
+              <a:t>12/23/2021</a:t>
             </a:fld>
             <a:endParaRPr lang="en-US"/>
           </a:p>
@@ -628,7 +631,7 @@
           <a:p>
             <a:fld id="{79EA1712-1074-419C-AA18-3D9F62A7A00E}" type="datetimeFigureOut">
               <a:rPr lang="en-US" smtClean="0"/>
-              <a:t>11/26/2019</a:t>
+              <a:t>12/23/2021</a:t>
             </a:fld>
             <a:endParaRPr lang="en-US"/>
           </a:p>
@@ -826,7 +829,7 @@
           <a:p>
             <a:fld id="{79EA1712-1074-419C-AA18-3D9F62A7A00E}" type="datetimeFigureOut">
               <a:rPr lang="en-US" smtClean="0"/>
-              <a:t>11/26/2019</a:t>
+              <a:t>12/23/2021</a:t>
             </a:fld>
             <a:endParaRPr lang="en-US"/>
           </a:p>
@@ -1034,7 +1037,7 @@
           <a:p>
             <a:fld id="{79EA1712-1074-419C-AA18-3D9F62A7A00E}" type="datetimeFigureOut">
               <a:rPr lang="en-US" smtClean="0"/>
-              <a:t>11/26/2019</a:t>
+              <a:t>12/23/2021</a:t>
             </a:fld>
             <a:endParaRPr lang="en-US"/>
           </a:p>
@@ -1232,7 +1235,7 @@
           <a:p>
             <a:fld id="{79EA1712-1074-419C-AA18-3D9F62A7A00E}" type="datetimeFigureOut">
               <a:rPr lang="en-US" smtClean="0"/>
-              <a:t>11/26/2019</a:t>
+              <a:t>12/23/2021</a:t>
             </a:fld>
             <a:endParaRPr lang="en-US"/>
           </a:p>
@@ -1507,7 +1510,7 @@
           <a:p>
             <a:fld id="{79EA1712-1074-419C-AA18-3D9F62A7A00E}" type="datetimeFigureOut">
               <a:rPr lang="en-US" smtClean="0"/>
-              <a:t>11/26/2019</a:t>
+              <a:t>12/23/2021</a:t>
             </a:fld>
             <a:endParaRPr lang="en-US"/>
           </a:p>
@@ -1772,7 +1775,7 @@
           <a:p>
             <a:fld id="{79EA1712-1074-419C-AA18-3D9F62A7A00E}" type="datetimeFigureOut">
               <a:rPr lang="en-US" smtClean="0"/>
-              <a:t>11/26/2019</a:t>
+              <a:t>12/23/2021</a:t>
             </a:fld>
             <a:endParaRPr lang="en-US"/>
           </a:p>
@@ -2184,7 +2187,7 @@
           <a:p>
             <a:fld id="{79EA1712-1074-419C-AA18-3D9F62A7A00E}" type="datetimeFigureOut">
               <a:rPr lang="en-US" smtClean="0"/>
-              <a:t>11/26/2019</a:t>
+              <a:t>12/23/2021</a:t>
             </a:fld>
             <a:endParaRPr lang="en-US"/>
           </a:p>
@@ -2325,7 +2328,7 @@
           <a:p>
             <a:fld id="{79EA1712-1074-419C-AA18-3D9F62A7A00E}" type="datetimeFigureOut">
               <a:rPr lang="en-US" smtClean="0"/>
-              <a:t>11/26/2019</a:t>
+              <a:t>12/23/2021</a:t>
             </a:fld>
             <a:endParaRPr lang="en-US"/>
           </a:p>
@@ -2438,7 +2441,7 @@
           <a:p>
             <a:fld id="{79EA1712-1074-419C-AA18-3D9F62A7A00E}" type="datetimeFigureOut">
               <a:rPr lang="en-US" smtClean="0"/>
-              <a:t>11/26/2019</a:t>
+              <a:t>12/23/2021</a:t>
             </a:fld>
             <a:endParaRPr lang="en-US"/>
           </a:p>
@@ -2749,7 +2752,7 @@
           <a:p>
             <a:fld id="{79EA1712-1074-419C-AA18-3D9F62A7A00E}" type="datetimeFigureOut">
               <a:rPr lang="en-US" smtClean="0"/>
-              <a:t>11/26/2019</a:t>
+              <a:t>12/23/2021</a:t>
             </a:fld>
             <a:endParaRPr lang="en-US"/>
           </a:p>
@@ -3037,7 +3040,7 @@
           <a:p>
             <a:fld id="{79EA1712-1074-419C-AA18-3D9F62A7A00E}" type="datetimeFigureOut">
               <a:rPr lang="en-US" smtClean="0"/>
-              <a:t>11/26/2019</a:t>
+              <a:t>12/23/2021</a:t>
             </a:fld>
             <a:endParaRPr lang="en-US"/>
           </a:p>
@@ -3278,7 +3281,7 @@
           <a:p>
             <a:fld id="{79EA1712-1074-419C-AA18-3D9F62A7A00E}" type="datetimeFigureOut">
               <a:rPr lang="en-US" smtClean="0"/>
-              <a:t>11/26/2019</a:t>
+              <a:t>12/23/2021</a:t>
             </a:fld>
             <a:endParaRPr lang="en-US"/>
           </a:p>
@@ -3713,12 +3716,18 @@
         </p:nvSpPr>
         <p:spPr/>
         <p:txBody>
-          <a:bodyPr/>
+          <a:bodyPr>
+            <a:normAutofit fontScale="90000"/>
+          </a:bodyPr>
           <a:lstStyle/>
           <a:p>
             <a:r>
+              <a:rPr lang="en-US" dirty="0" err="1"/>
+              <a:t>libtimecourse</a:t>
+            </a:r>
+            <a:r>
               <a:rPr lang="en-US" dirty="0"/>
-              <a:t>A toolbox for single unit analysis</a:t>
+              <a:t>: A Matlab toolbox for neural data analysis</a:t>
             </a:r>
           </a:p>
         </p:txBody>
@@ -3771,6 +3780,126 @@
     <p:extLst>
       <p:ext uri="{BB962C8B-B14F-4D97-AF65-F5344CB8AC3E}">
         <p14:creationId xmlns:p14="http://schemas.microsoft.com/office/powerpoint/2010/main" val="1185801518"/>
+      </p:ext>
+    </p:extLst>
+  </p:cSld>
+  <p:clrMapOvr>
+    <a:masterClrMapping/>
+  </p:clrMapOvr>
+</p:sld>
+</file>
+
+<file path=ppt/slides/slide10.xml><?xml version="1.0" encoding="utf-8"?>
+<p:sld xmlns:a="http://schemas.openxmlformats.org/drawingml/2006/main" xmlns:r="http://schemas.openxmlformats.org/officeDocument/2006/relationships" xmlns:p="http://schemas.openxmlformats.org/presentationml/2006/main">
+  <p:cSld>
+    <p:spTree>
+      <p:nvGrpSpPr>
+        <p:cNvPr id="1" name=""/>
+        <p:cNvGrpSpPr/>
+        <p:nvPr/>
+      </p:nvGrpSpPr>
+      <p:grpSpPr>
+        <a:xfrm>
+          <a:off x="0" y="0"/>
+          <a:ext cx="0" cy="0"/>
+          <a:chOff x="0" y="0"/>
+          <a:chExt cx="0" cy="0"/>
+        </a:xfrm>
+      </p:grpSpPr>
+      <p:sp>
+        <p:nvSpPr>
+          <p:cNvPr id="2" name="Title 1">
+            <a:extLst>
+              <a:ext uri="{FF2B5EF4-FFF2-40B4-BE49-F238E27FC236}">
+                <a16:creationId xmlns:a16="http://schemas.microsoft.com/office/drawing/2014/main" id="{FFE1E5A7-5416-4D8E-99DD-A54825E28448}"/>
+              </a:ext>
+            </a:extLst>
+          </p:cNvPr>
+          <p:cNvSpPr>
+            <a:spLocks noGrp="1"/>
+          </p:cNvSpPr>
+          <p:nvPr>
+            <p:ph type="title"/>
+          </p:nvPr>
+        </p:nvSpPr>
+        <p:spPr/>
+        <p:txBody>
+          <a:bodyPr/>
+          <a:lstStyle/>
+          <a:p>
+            <a:r>
+              <a:rPr lang="en-US" dirty="0"/>
+              <a:t>Population analysis</a:t>
+            </a:r>
+          </a:p>
+        </p:txBody>
+      </p:sp>
+      <p:sp>
+        <p:nvSpPr>
+          <p:cNvPr id="3" name="Content Placeholder 2">
+            <a:extLst>
+              <a:ext uri="{FF2B5EF4-FFF2-40B4-BE49-F238E27FC236}">
+                <a16:creationId xmlns:a16="http://schemas.microsoft.com/office/drawing/2014/main" id="{E7D0BC1D-3A23-4982-AF37-9CEA1C46788D}"/>
+              </a:ext>
+            </a:extLst>
+          </p:cNvPr>
+          <p:cNvSpPr>
+            <a:spLocks noGrp="1"/>
+          </p:cNvSpPr>
+          <p:nvPr>
+            <p:ph idx="1"/>
+          </p:nvPr>
+        </p:nvSpPr>
+        <p:spPr/>
+        <p:txBody>
+          <a:bodyPr/>
+          <a:lstStyle/>
+          <a:p>
+            <a:r>
+              <a:rPr lang="en-US" dirty="0"/>
+              <a:t>Extract numbers from PSTHs</a:t>
+            </a:r>
+          </a:p>
+          <a:p>
+            <a:r>
+              <a:rPr lang="en-US" dirty="0"/>
+              <a:t>Within-session analysis (across trials)</a:t>
+            </a:r>
+          </a:p>
+          <a:p>
+            <a:r>
+              <a:rPr lang="en-US" dirty="0"/>
+              <a:t>Across-session analysis (using session-average, across session)</a:t>
+            </a:r>
+          </a:p>
+          <a:p>
+            <a:r>
+              <a:rPr lang="en-US" dirty="0"/>
+              <a:t>Visualization accompanies stats</a:t>
+            </a:r>
+          </a:p>
+          <a:p>
+            <a:r>
+              <a:rPr lang="en-US" dirty="0"/>
+              <a:t>Rigorous</a:t>
+            </a:r>
+          </a:p>
+          <a:p>
+            <a:pPr lvl="1"/>
+            <a:r>
+              <a:rPr lang="en-US" dirty="0"/>
+              <a:t>N, OL</a:t>
+            </a:r>
+          </a:p>
+          <a:p>
+            <a:endParaRPr lang="en-US" dirty="0"/>
+          </a:p>
+        </p:txBody>
+      </p:sp>
+    </p:spTree>
+    <p:extLst>
+      <p:ext uri="{BB962C8B-B14F-4D97-AF65-F5344CB8AC3E}">
+        <p14:creationId xmlns:p14="http://schemas.microsoft.com/office/powerpoint/2010/main" val="3555894964"/>
       </p:ext>
     </p:extLst>
   </p:cSld>
@@ -3802,7 +3931,7 @@
           <p:cNvPr id="2" name="Title 1">
             <a:extLst>
               <a:ext uri="{FF2B5EF4-FFF2-40B4-BE49-F238E27FC236}">
-                <a16:creationId xmlns:a16="http://schemas.microsoft.com/office/drawing/2014/main" id="{7C007B39-041B-4E0E-89DC-7FF21BA4844D}"/>
+                <a16:creationId xmlns:a16="http://schemas.microsoft.com/office/drawing/2014/main" id="{5FF253A7-1BF9-48B8-98E2-A80B5720E6A5}"/>
               </a:ext>
             </a:extLst>
           </p:cNvPr>
@@ -3815,21 +3944,23 @@
         </p:nvSpPr>
         <p:spPr>
           <a:xfrm>
-            <a:off x="188686" y="118383"/>
-            <a:ext cx="11814628" cy="1325563"/>
+            <a:off x="251791" y="457891"/>
+            <a:ext cx="11688418" cy="907084"/>
           </a:xfrm>
         </p:spPr>
         <p:txBody>
-          <a:bodyPr>
-            <a:normAutofit/>
-          </a:bodyPr>
+          <a:bodyPr/>
           <a:lstStyle/>
           <a:p>
-            <a:pPr algn="ctr"/>
-            <a:r>
-              <a:rPr lang="en-US" sz="4000" dirty="0"/>
-              <a:t>Single unit and Population dynamics</a:t>
-            </a:r>
+            <a:r>
+              <a:rPr lang="en-US" dirty="0"/>
+              <a:t>In a nutshell: what you can do with </a:t>
+            </a:r>
+            <a:r>
+              <a:rPr lang="en-US" dirty="0" err="1"/>
+              <a:t>libtimecourse</a:t>
+            </a:r>
+            <a:endParaRPr lang="en-US" dirty="0"/>
           </a:p>
         </p:txBody>
       </p:sp>
@@ -3838,7 +3969,7 @@
           <p:cNvPr id="3" name="Content Placeholder 2">
             <a:extLst>
               <a:ext uri="{FF2B5EF4-FFF2-40B4-BE49-F238E27FC236}">
-                <a16:creationId xmlns:a16="http://schemas.microsoft.com/office/drawing/2014/main" id="{FF44A098-08C1-4911-B229-6500BED3EF06}"/>
+                <a16:creationId xmlns:a16="http://schemas.microsoft.com/office/drawing/2014/main" id="{15022B8E-BDF4-4C40-865C-300F6653DEA5}"/>
               </a:ext>
             </a:extLst>
           </p:cNvPr>
@@ -3858,369 +3989,10 @@
           </a:p>
         </p:txBody>
       </p:sp>
-      <p:sp>
-        <p:nvSpPr>
-          <p:cNvPr id="4" name="Rectangle 4">
-            <a:extLst>
-              <a:ext uri="{FF2B5EF4-FFF2-40B4-BE49-F238E27FC236}">
-                <a16:creationId xmlns:a16="http://schemas.microsoft.com/office/drawing/2014/main" id="{895882CD-3993-45FB-A53B-27A7915D049C}"/>
-              </a:ext>
-            </a:extLst>
-          </p:cNvPr>
-          <p:cNvSpPr>
-            <a:spLocks noChangeArrowheads="1"/>
-          </p:cNvSpPr>
-          <p:nvPr/>
-        </p:nvSpPr>
-        <p:spPr bwMode="auto">
-          <a:xfrm>
-            <a:off x="1777788" y="1600200"/>
-            <a:ext cx="3098800" cy="2286000"/>
-          </a:xfrm>
-          <a:prstGeom prst="rect">
-            <a:avLst/>
-          </a:prstGeom>
-          <a:solidFill>
-            <a:schemeClr val="accent1">
-              <a:lumMod val="20000"/>
-              <a:lumOff val="80000"/>
-            </a:schemeClr>
-          </a:solidFill>
-          <a:ln w="9525">
-            <a:solidFill>
-              <a:schemeClr val="tx1"/>
-            </a:solidFill>
-            <a:miter lim="800000"/>
-            <a:headEnd/>
-            <a:tailEnd/>
-          </a:ln>
-          <a:effectLst/>
-          <a:extLst/>
-        </p:spPr>
-        <p:txBody>
-          <a:bodyPr wrap="none" anchor="ctr"/>
-          <a:lstStyle/>
-          <a:p>
-            <a:pPr algn="ctr"/>
-            <a:r>
-              <a:rPr lang="en-US" altLang="en-US" dirty="0"/>
-              <a:t>Batch processing of</a:t>
-            </a:r>
-          </a:p>
-          <a:p>
-            <a:pPr algn="ctr"/>
-            <a:r>
-              <a:rPr lang="en-US" altLang="en-US" dirty="0"/>
-              <a:t>Single units</a:t>
-            </a:r>
-          </a:p>
-          <a:p>
-            <a:pPr algn="ctr"/>
-            <a:endParaRPr lang="en-US" altLang="en-US" dirty="0"/>
-          </a:p>
-          <a:p>
-            <a:pPr algn="ctr"/>
-            <a:endParaRPr lang="en-US" altLang="en-US" dirty="0"/>
-          </a:p>
-          <a:p>
-            <a:pPr algn="ctr"/>
-            <a:endParaRPr lang="en-US" altLang="en-US" dirty="0"/>
-          </a:p>
-          <a:p>
-            <a:pPr algn="ctr"/>
-            <a:endParaRPr lang="en-US" altLang="en-US" dirty="0"/>
-          </a:p>
-          <a:p>
-            <a:pPr algn="ctr"/>
-            <a:endParaRPr lang="en-US" altLang="en-US" dirty="0"/>
-          </a:p>
-          <a:p>
-            <a:pPr algn="ctr"/>
-            <a:endParaRPr lang="en-US" altLang="en-US" dirty="0"/>
-          </a:p>
-        </p:txBody>
-      </p:sp>
-      <p:sp>
-        <p:nvSpPr>
-          <p:cNvPr id="5" name="AutoShape 6">
-            <a:extLst>
-              <a:ext uri="{FF2B5EF4-FFF2-40B4-BE49-F238E27FC236}">
-                <a16:creationId xmlns:a16="http://schemas.microsoft.com/office/drawing/2014/main" id="{CCF05DCD-B666-4BAC-940F-D313ECD08243}"/>
-              </a:ext>
-            </a:extLst>
-          </p:cNvPr>
-          <p:cNvSpPr>
-            <a:spLocks noChangeArrowheads="1"/>
-          </p:cNvSpPr>
-          <p:nvPr/>
-        </p:nvSpPr>
-        <p:spPr bwMode="auto">
-          <a:xfrm>
-            <a:off x="2026920" y="4191000"/>
-            <a:ext cx="2286000" cy="914400"/>
-          </a:xfrm>
-          <a:prstGeom prst="flowChartMultidocument">
-            <a:avLst/>
-          </a:prstGeom>
-          <a:solidFill>
-            <a:schemeClr val="accent1">
-              <a:lumMod val="60000"/>
-              <a:lumOff val="40000"/>
-            </a:schemeClr>
-          </a:solidFill>
-          <a:ln w="9525">
-            <a:solidFill>
-              <a:schemeClr val="tx1"/>
-            </a:solidFill>
-            <a:miter lim="800000"/>
-            <a:headEnd/>
-            <a:tailEnd/>
-          </a:ln>
-          <a:effectLst/>
-          <a:extLst/>
-        </p:spPr>
-        <p:txBody>
-          <a:bodyPr wrap="none" anchor="ctr"/>
-          <a:lstStyle/>
-          <a:p>
-            <a:pPr algn="ctr"/>
-            <a:r>
-              <a:rPr lang="en-US" altLang="en-US"/>
-              <a:t>Population Data</a:t>
-            </a:r>
-          </a:p>
-        </p:txBody>
-      </p:sp>
-      <p:sp>
-        <p:nvSpPr>
-          <p:cNvPr id="6" name="AutoShape 7">
-            <a:extLst>
-              <a:ext uri="{FF2B5EF4-FFF2-40B4-BE49-F238E27FC236}">
-                <a16:creationId xmlns:a16="http://schemas.microsoft.com/office/drawing/2014/main" id="{131F0B1A-507A-4977-A5B5-B99B672B0306}"/>
-              </a:ext>
-            </a:extLst>
-          </p:cNvPr>
-          <p:cNvSpPr>
-            <a:spLocks noChangeArrowheads="1"/>
-          </p:cNvSpPr>
-          <p:nvPr/>
-        </p:nvSpPr>
-        <p:spPr bwMode="auto">
-          <a:xfrm>
-            <a:off x="2026920" y="5486400"/>
-            <a:ext cx="2133600" cy="838200"/>
-          </a:xfrm>
-          <a:prstGeom prst="flowChartProcess">
-            <a:avLst/>
-          </a:prstGeom>
-          <a:solidFill>
-            <a:schemeClr val="accent1">
-              <a:lumMod val="60000"/>
-              <a:lumOff val="40000"/>
-            </a:schemeClr>
-          </a:solidFill>
-          <a:ln w="9525">
-            <a:solidFill>
-              <a:schemeClr val="tx1"/>
-            </a:solidFill>
-            <a:miter lim="800000"/>
-            <a:headEnd/>
-            <a:tailEnd/>
-          </a:ln>
-          <a:effectLst/>
-          <a:extLst/>
-        </p:spPr>
-        <p:txBody>
-          <a:bodyPr wrap="none" anchor="ctr"/>
-          <a:lstStyle/>
-          <a:p>
-            <a:pPr algn="ctr"/>
-            <a:r>
-              <a:rPr lang="en-US" altLang="en-US"/>
-              <a:t>Population Analysis</a:t>
-            </a:r>
-          </a:p>
-        </p:txBody>
-      </p:sp>
-      <p:sp>
-        <p:nvSpPr>
-          <p:cNvPr id="8" name="Rectangle 13">
-            <a:extLst>
-              <a:ext uri="{FF2B5EF4-FFF2-40B4-BE49-F238E27FC236}">
-                <a16:creationId xmlns:a16="http://schemas.microsoft.com/office/drawing/2014/main" id="{B8E1165A-9288-488E-BF23-6242BC452469}"/>
-              </a:ext>
-            </a:extLst>
-          </p:cNvPr>
-          <p:cNvSpPr>
-            <a:spLocks noChangeArrowheads="1"/>
-          </p:cNvSpPr>
-          <p:nvPr/>
-        </p:nvSpPr>
-        <p:spPr bwMode="auto">
-          <a:xfrm>
-            <a:off x="1884255" y="2378076"/>
-            <a:ext cx="2885866" cy="1279524"/>
-          </a:xfrm>
-          <a:prstGeom prst="rect">
-            <a:avLst/>
-          </a:prstGeom>
-          <a:solidFill>
-            <a:schemeClr val="accent1">
-              <a:lumMod val="60000"/>
-              <a:lumOff val="40000"/>
-            </a:schemeClr>
-          </a:solidFill>
-          <a:ln w="9525">
-            <a:solidFill>
-              <a:schemeClr val="tx1"/>
-            </a:solidFill>
-            <a:miter lim="800000"/>
-            <a:headEnd/>
-            <a:tailEnd/>
-          </a:ln>
-          <a:effectLst/>
-          <a:extLst/>
-        </p:spPr>
-        <p:txBody>
-          <a:bodyPr wrap="none" anchor="ctr"/>
-          <a:lstStyle/>
-          <a:p>
-            <a:pPr algn="ctr"/>
-            <a:r>
-              <a:rPr lang="en-US" altLang="en-US" dirty="0"/>
-              <a:t>Load data</a:t>
-            </a:r>
-          </a:p>
-          <a:p>
-            <a:pPr algn="ctr"/>
-            <a:r>
-              <a:rPr lang="en-US" altLang="en-US" dirty="0"/>
-              <a:t>Analyze (e.g., orientation </a:t>
-            </a:r>
-          </a:p>
-          <a:p>
-            <a:pPr algn="ctr"/>
-            <a:r>
-              <a:rPr lang="en-US" altLang="en-US" dirty="0"/>
-              <a:t>selectivity index)</a:t>
-            </a:r>
-            <a:endParaRPr lang="en-US" altLang="ko-KR" dirty="0">
-              <a:ea typeface="굴림" panose="020B0600000101010101" pitchFamily="34" charset="-127"/>
-            </a:endParaRPr>
-          </a:p>
-          <a:p>
-            <a:pPr algn="ctr"/>
-            <a:r>
-              <a:rPr lang="en-US" altLang="ko-KR" dirty="0">
-                <a:ea typeface="굴림" panose="020B0600000101010101" pitchFamily="34" charset="-127"/>
-              </a:rPr>
-              <a:t>Save numbers</a:t>
-            </a:r>
-            <a:endParaRPr lang="en-US" altLang="en-US" dirty="0"/>
-          </a:p>
-        </p:txBody>
-      </p:sp>
-      <p:cxnSp>
-        <p:nvCxnSpPr>
-          <p:cNvPr id="9" name="AutoShape 14">
-            <a:extLst>
-              <a:ext uri="{FF2B5EF4-FFF2-40B4-BE49-F238E27FC236}">
-                <a16:creationId xmlns:a16="http://schemas.microsoft.com/office/drawing/2014/main" id="{9BCD660C-FCA4-49E2-8902-AB75AB2EF247}"/>
-              </a:ext>
-            </a:extLst>
-          </p:cNvPr>
-          <p:cNvCxnSpPr>
-            <a:cxnSpLocks noChangeShapeType="1"/>
-            <a:stCxn id="8" idx="2"/>
-            <a:endCxn id="5" idx="0"/>
-          </p:cNvCxnSpPr>
-          <p:nvPr/>
-        </p:nvCxnSpPr>
-        <p:spPr bwMode="auto">
-          <a:xfrm>
-            <a:off x="3327188" y="3657600"/>
-            <a:ext cx="0" cy="533400"/>
-          </a:xfrm>
-          <a:prstGeom prst="straightConnector1">
-            <a:avLst/>
-          </a:prstGeom>
-          <a:noFill/>
-          <a:ln w="25400">
-            <a:solidFill>
-              <a:schemeClr val="tx1"/>
-            </a:solidFill>
-            <a:round/>
-            <a:headEnd/>
-            <a:tailEnd type="triangle" w="med" len="med"/>
-          </a:ln>
-          <a:effectLst/>
-          <a:extLst>
-            <a:ext uri="{909E8E84-426E-40DD-AFC4-6F175D3DCCD1}">
-              <a14:hiddenFill xmlns:a14="http://schemas.microsoft.com/office/drawing/2010/main">
-                <a:noFill/>
-              </a14:hiddenFill>
-            </a:ext>
-            <a:ext uri="{AF507438-7753-43E0-B8FC-AC1667EBCBE1}">
-              <a14:hiddenEffects xmlns:a14="http://schemas.microsoft.com/office/drawing/2010/main">
-                <a:effectLst>
-                  <a:outerShdw dist="35921" dir="2700000" algn="ctr" rotWithShape="0">
-                    <a:schemeClr val="bg2"/>
-                  </a:outerShdw>
-                </a:effectLst>
-              </a14:hiddenEffects>
-            </a:ext>
-          </a:extLst>
-        </p:spPr>
-      </p:cxnSp>
-      <p:pic>
-        <p:nvPicPr>
-          <p:cNvPr id="1028" name="Picture 4" descr="Image result for neural response manifold dynamics">
-            <a:extLst>
-              <a:ext uri="{FF2B5EF4-FFF2-40B4-BE49-F238E27FC236}">
-                <a16:creationId xmlns:a16="http://schemas.microsoft.com/office/drawing/2014/main" id="{2B7BC5E0-E065-4226-AE64-E8453670299C}"/>
-              </a:ext>
-            </a:extLst>
-          </p:cNvPr>
-          <p:cNvPicPr>
-            <a:picLocks noChangeAspect="1" noChangeArrowheads="1"/>
-          </p:cNvPicPr>
-          <p:nvPr/>
-        </p:nvPicPr>
-        <p:blipFill rotWithShape="1">
-          <a:blip r:embed="rId2">
-            <a:extLst>
-              <a:ext uri="{28A0092B-C50C-407E-A947-70E740481C1C}">
-                <a14:useLocalDpi xmlns:a14="http://schemas.microsoft.com/office/drawing/2010/main" val="0"/>
-              </a:ext>
-            </a:extLst>
-          </a:blip>
-          <a:srcRect l="51602" t="8322"/>
-          <a:stretch/>
-        </p:blipFill>
-        <p:spPr bwMode="auto">
-          <a:xfrm>
-            <a:off x="5958840" y="2015618"/>
-            <a:ext cx="5218430" cy="4235163"/>
-          </a:xfrm>
-          <a:prstGeom prst="rect">
-            <a:avLst/>
-          </a:prstGeom>
-          <a:noFill/>
-          <a:extLst>
-            <a:ext uri="{909E8E84-426E-40DD-AFC4-6F175D3DCCD1}">
-              <a14:hiddenFill xmlns:a14="http://schemas.microsoft.com/office/drawing/2010/main">
-                <a:solidFill>
-                  <a:srgbClr val="FFFFFF"/>
-                </a:solidFill>
-              </a14:hiddenFill>
-            </a:ext>
-          </a:extLst>
-        </p:spPr>
-      </p:pic>
     </p:spTree>
     <p:extLst>
       <p:ext uri="{BB962C8B-B14F-4D97-AF65-F5344CB8AC3E}">
-        <p14:creationId xmlns:p14="http://schemas.microsoft.com/office/powerpoint/2010/main" val="1806441089"/>
+        <p14:creationId xmlns:p14="http://schemas.microsoft.com/office/powerpoint/2010/main" val="263129588"/>
       </p:ext>
     </p:extLst>
   </p:cSld>
@@ -4252,7 +4024,7 @@
           <p:cNvPr id="2" name="Title 1">
             <a:extLst>
               <a:ext uri="{FF2B5EF4-FFF2-40B4-BE49-F238E27FC236}">
-                <a16:creationId xmlns:a16="http://schemas.microsoft.com/office/drawing/2014/main" id="{25269B0E-979D-47EA-A959-A6DEA191A616}"/>
+                <a16:creationId xmlns:a16="http://schemas.microsoft.com/office/drawing/2014/main" id="{5284F9C5-1C21-4855-9606-2B1EE526E1E6}"/>
               </a:ext>
             </a:extLst>
           </p:cNvPr>
@@ -4263,14 +4035,19 @@
             <p:ph type="title"/>
           </p:nvPr>
         </p:nvSpPr>
-        <p:spPr/>
+        <p:spPr>
+          <a:xfrm>
+            <a:off x="427384" y="-23482"/>
+            <a:ext cx="10515600" cy="935364"/>
+          </a:xfrm>
+        </p:spPr>
         <p:txBody>
           <a:bodyPr/>
           <a:lstStyle/>
           <a:p>
             <a:r>
               <a:rPr lang="en-US" dirty="0"/>
-              <a:t>Cognitive process of single-unit analysis</a:t>
+              <a:t>Data</a:t>
             </a:r>
           </a:p>
         </p:txBody>
@@ -4280,7 +4057,7 @@
           <p:cNvPr id="3" name="Content Placeholder 2">
             <a:extLst>
               <a:ext uri="{FF2B5EF4-FFF2-40B4-BE49-F238E27FC236}">
-                <a16:creationId xmlns:a16="http://schemas.microsoft.com/office/drawing/2014/main" id="{BB7B34D1-AB99-40C6-83B8-FC858AE83C6D}"/>
+                <a16:creationId xmlns:a16="http://schemas.microsoft.com/office/drawing/2014/main" id="{D9723BF7-A839-4ADD-9C9A-0BD26DD9A6E4}"/>
               </a:ext>
             </a:extLst>
           </p:cNvPr>
@@ -4293,720 +4070,7 @@
         </p:nvSpPr>
         <p:spPr>
           <a:xfrm>
-            <a:off x="838200" y="1825625"/>
-            <a:ext cx="10515600" cy="4667250"/>
-          </a:xfrm>
-        </p:spPr>
-        <p:txBody>
-          <a:bodyPr>
-            <a:normAutofit lnSpcReduction="10000"/>
-          </a:bodyPr>
-          <a:lstStyle/>
-          <a:p>
-            <a:r>
-              <a:rPr lang="en-US" dirty="0"/>
-              <a:t>Hypothesis (or just do assumption-free experiments)</a:t>
-            </a:r>
-          </a:p>
-          <a:p>
-            <a:r>
-              <a:rPr lang="en-US" dirty="0"/>
-              <a:t>Repeat until you have N conclusions (</a:t>
-            </a:r>
-            <a:r>
-              <a:rPr lang="en-US" dirty="0" err="1"/>
-              <a:t>e.i.</a:t>
-            </a:r>
-            <a:r>
-              <a:rPr lang="en-US" dirty="0"/>
-              <a:t>, figures)</a:t>
-            </a:r>
-          </a:p>
-          <a:p>
-            <a:pPr lvl="1"/>
-            <a:r>
-              <a:rPr lang="en-US" dirty="0"/>
-              <a:t>Plot results by events of interest</a:t>
-            </a:r>
-          </a:p>
-          <a:p>
-            <a:pPr lvl="1"/>
-            <a:r>
-              <a:rPr lang="en-US" dirty="0"/>
-              <a:t>Look at the results carefully</a:t>
-            </a:r>
-          </a:p>
-          <a:p>
-            <a:pPr lvl="1"/>
-            <a:r>
-              <a:rPr lang="en-US" dirty="0"/>
-              <a:t>Make a quantitatively testable hypothesis</a:t>
-            </a:r>
-          </a:p>
-          <a:p>
-            <a:pPr lvl="1"/>
-            <a:r>
-              <a:rPr lang="en-US" dirty="0"/>
-              <a:t>Quantify responses</a:t>
-            </a:r>
-          </a:p>
-          <a:p>
-            <a:pPr lvl="1"/>
-            <a:r>
-              <a:rPr lang="en-US" dirty="0"/>
-              <a:t>Population analysis</a:t>
-            </a:r>
-          </a:p>
-          <a:p>
-            <a:pPr lvl="1"/>
-            <a:r>
-              <a:rPr lang="en-US" dirty="0"/>
-              <a:t>Prove or disprove the hypothesis by statistical tests</a:t>
-            </a:r>
-          </a:p>
-          <a:p>
-            <a:pPr lvl="1"/>
-            <a:r>
-              <a:rPr lang="en-US" dirty="0"/>
-              <a:t>Do modeling if necessary</a:t>
-            </a:r>
-          </a:p>
-          <a:p>
-            <a:r>
-              <a:rPr lang="en-US" dirty="0"/>
-              <a:t>Present</a:t>
-            </a:r>
-          </a:p>
-          <a:p>
-            <a:r>
-              <a:rPr lang="en-US" dirty="0"/>
-              <a:t>Write</a:t>
-            </a:r>
-          </a:p>
-        </p:txBody>
-      </p:sp>
-      <p:sp>
-        <p:nvSpPr>
-          <p:cNvPr id="4" name="Arrow: Curved Right 3">
-            <a:extLst>
-              <a:ext uri="{FF2B5EF4-FFF2-40B4-BE49-F238E27FC236}">
-                <a16:creationId xmlns:a16="http://schemas.microsoft.com/office/drawing/2014/main" id="{C680DE44-4F4C-4760-94E3-A02FD1A58DA5}"/>
-              </a:ext>
-            </a:extLst>
-          </p:cNvPr>
-          <p:cNvSpPr/>
-          <p:nvPr/>
-        </p:nvSpPr>
-        <p:spPr>
-          <a:xfrm rot="10569937">
-            <a:off x="8316845" y="2842962"/>
-            <a:ext cx="1596571" cy="2264229"/>
-          </a:xfrm>
-          <a:prstGeom prst="curvedRightArrow">
-            <a:avLst>
-              <a:gd name="adj1" fmla="val 9897"/>
-              <a:gd name="adj2" fmla="val 19819"/>
-              <a:gd name="adj3" fmla="val 30985"/>
-            </a:avLst>
-          </a:prstGeom>
-        </p:spPr>
-        <p:style>
-          <a:lnRef idx="2">
-            <a:schemeClr val="accent1">
-              <a:shade val="50000"/>
-            </a:schemeClr>
-          </a:lnRef>
-          <a:fillRef idx="1">
-            <a:schemeClr val="accent1"/>
-          </a:fillRef>
-          <a:effectRef idx="0">
-            <a:schemeClr val="accent1"/>
-          </a:effectRef>
-          <a:fontRef idx="minor">
-            <a:schemeClr val="lt1"/>
-          </a:fontRef>
-        </p:style>
-        <p:txBody>
-          <a:bodyPr rtlCol="0" anchor="ctr"/>
-          <a:lstStyle/>
-          <a:p>
-            <a:pPr algn="ctr"/>
-            <a:endParaRPr lang="en-US">
-              <a:solidFill>
-                <a:schemeClr val="tx1"/>
-              </a:solidFill>
-            </a:endParaRPr>
-          </a:p>
-        </p:txBody>
-      </p:sp>
-      <p:sp>
-        <p:nvSpPr>
-          <p:cNvPr id="5" name="TextBox 4">
-            <a:extLst>
-              <a:ext uri="{FF2B5EF4-FFF2-40B4-BE49-F238E27FC236}">
-                <a16:creationId xmlns:a16="http://schemas.microsoft.com/office/drawing/2014/main" id="{044F9722-5BF1-4778-88E6-5FE951C8835A}"/>
-              </a:ext>
-            </a:extLst>
-          </p:cNvPr>
-          <p:cNvSpPr txBox="1"/>
-          <p:nvPr/>
-        </p:nvSpPr>
-        <p:spPr>
-          <a:xfrm>
-            <a:off x="10116377" y="3272505"/>
-            <a:ext cx="1150257" cy="830997"/>
-          </a:xfrm>
-          <a:prstGeom prst="rect">
-            <a:avLst/>
-          </a:prstGeom>
-          <a:noFill/>
-        </p:spPr>
-        <p:txBody>
-          <a:bodyPr wrap="square" rtlCol="0">
-            <a:spAutoFit/>
-          </a:bodyPr>
-          <a:lstStyle/>
-          <a:p>
-            <a:r>
-              <a:rPr lang="en-US" sz="4800" dirty="0"/>
-              <a:t>Fun</a:t>
-            </a:r>
-          </a:p>
-        </p:txBody>
-      </p:sp>
-      <p:sp>
-        <p:nvSpPr>
-          <p:cNvPr id="6" name="TextBox 5">
-            <a:extLst>
-              <a:ext uri="{FF2B5EF4-FFF2-40B4-BE49-F238E27FC236}">
-                <a16:creationId xmlns:a16="http://schemas.microsoft.com/office/drawing/2014/main" id="{A28F80EE-A62C-4C04-A091-3BCF701B7A5F}"/>
-              </a:ext>
-            </a:extLst>
-          </p:cNvPr>
-          <p:cNvSpPr txBox="1"/>
-          <p:nvPr/>
-        </p:nvSpPr>
-        <p:spPr>
-          <a:xfrm>
-            <a:off x="7576458" y="4899641"/>
-            <a:ext cx="5399314" cy="1938992"/>
-          </a:xfrm>
-          <a:prstGeom prst="rect">
-            <a:avLst/>
-          </a:prstGeom>
-          <a:noFill/>
-        </p:spPr>
-        <p:txBody>
-          <a:bodyPr wrap="square" rtlCol="0">
-            <a:spAutoFit/>
-          </a:bodyPr>
-          <a:lstStyle/>
-          <a:p>
-            <a:r>
-              <a:rPr lang="en-US" sz="2000" dirty="0"/>
-              <a:t>     IF </a:t>
-            </a:r>
-          </a:p>
-          <a:p>
-            <a:pPr marL="342900" indent="-342900">
-              <a:buFont typeface="Arial" panose="020B0604020202020204" pitchFamily="34" charset="0"/>
-              <a:buChar char="•"/>
-            </a:pPr>
-            <a:r>
-              <a:rPr lang="en-US" sz="2000" dirty="0"/>
-              <a:t>If you can look at data fast, flexibly</a:t>
-            </a:r>
-          </a:p>
-          <a:p>
-            <a:pPr marL="342900" indent="-342900">
-              <a:buFont typeface="Arial" panose="020B0604020202020204" pitchFamily="34" charset="0"/>
-              <a:buChar char="•"/>
-            </a:pPr>
-            <a:r>
-              <a:rPr lang="en-US" sz="2000" dirty="0"/>
-              <a:t>Examine population easily with stats</a:t>
-            </a:r>
-          </a:p>
-          <a:p>
-            <a:r>
-              <a:rPr lang="en-US" sz="2000" dirty="0"/>
-              <a:t>     Otherwise,</a:t>
-            </a:r>
-          </a:p>
-          <a:p>
-            <a:pPr marL="342900" indent="-342900">
-              <a:buFont typeface="Arial" panose="020B0604020202020204" pitchFamily="34" charset="0"/>
-              <a:buChar char="•"/>
-            </a:pPr>
-            <a:r>
-              <a:rPr lang="en-US" sz="2000" dirty="0"/>
-              <a:t>Projects will be delayed </a:t>
-            </a:r>
-          </a:p>
-          <a:p>
-            <a:pPr marL="342900" indent="-342900">
-              <a:buFont typeface="Arial" panose="020B0604020202020204" pitchFamily="34" charset="0"/>
-              <a:buChar char="•"/>
-            </a:pPr>
-            <a:r>
-              <a:rPr lang="en-US" sz="2000" dirty="0"/>
-              <a:t>Conclusion can be wrong</a:t>
-            </a:r>
-          </a:p>
-        </p:txBody>
-      </p:sp>
-      <p:sp>
-        <p:nvSpPr>
-          <p:cNvPr id="7" name="Star: 5 Points 6">
-            <a:extLst>
-              <a:ext uri="{FF2B5EF4-FFF2-40B4-BE49-F238E27FC236}">
-                <a16:creationId xmlns:a16="http://schemas.microsoft.com/office/drawing/2014/main" id="{BEC13943-763B-4098-A80F-C4C37C4B6E59}"/>
-              </a:ext>
-            </a:extLst>
-          </p:cNvPr>
-          <p:cNvSpPr/>
-          <p:nvPr/>
-        </p:nvSpPr>
-        <p:spPr>
-          <a:xfrm>
-            <a:off x="1290402" y="2705755"/>
-            <a:ext cx="296782" cy="266046"/>
-          </a:xfrm>
-          <a:prstGeom prst="star5">
-            <a:avLst/>
-          </a:prstGeom>
-          <a:solidFill>
-            <a:srgbClr val="FF0000"/>
-          </a:solidFill>
-          <a:ln>
-            <a:noFill/>
-          </a:ln>
-        </p:spPr>
-        <p:style>
-          <a:lnRef idx="2">
-            <a:schemeClr val="accent1">
-              <a:shade val="50000"/>
-            </a:schemeClr>
-          </a:lnRef>
-          <a:fillRef idx="1">
-            <a:schemeClr val="accent1"/>
-          </a:fillRef>
-          <a:effectRef idx="0">
-            <a:schemeClr val="accent1"/>
-          </a:effectRef>
-          <a:fontRef idx="minor">
-            <a:schemeClr val="lt1"/>
-          </a:fontRef>
-        </p:style>
-        <p:txBody>
-          <a:bodyPr rtlCol="0" anchor="ctr"/>
-          <a:lstStyle/>
-          <a:p>
-            <a:pPr algn="ctr"/>
-            <a:endParaRPr lang="en-US"/>
-          </a:p>
-        </p:txBody>
-      </p:sp>
-      <p:sp>
-        <p:nvSpPr>
-          <p:cNvPr id="8" name="Star: 5 Points 7">
-            <a:extLst>
-              <a:ext uri="{FF2B5EF4-FFF2-40B4-BE49-F238E27FC236}">
-                <a16:creationId xmlns:a16="http://schemas.microsoft.com/office/drawing/2014/main" id="{FD31AF89-56DE-4B3F-A260-4E942ABF20C6}"/>
-              </a:ext>
-            </a:extLst>
-          </p:cNvPr>
-          <p:cNvSpPr/>
-          <p:nvPr/>
-        </p:nvSpPr>
-        <p:spPr>
-          <a:xfrm>
-            <a:off x="1290402" y="3803494"/>
-            <a:ext cx="296782" cy="266046"/>
-          </a:xfrm>
-          <a:prstGeom prst="star5">
-            <a:avLst/>
-          </a:prstGeom>
-          <a:solidFill>
-            <a:srgbClr val="FF0000"/>
-          </a:solidFill>
-          <a:ln>
-            <a:noFill/>
-          </a:ln>
-        </p:spPr>
-        <p:style>
-          <a:lnRef idx="2">
-            <a:schemeClr val="accent1">
-              <a:shade val="50000"/>
-            </a:schemeClr>
-          </a:lnRef>
-          <a:fillRef idx="1">
-            <a:schemeClr val="accent1"/>
-          </a:fillRef>
-          <a:effectRef idx="0">
-            <a:schemeClr val="accent1"/>
-          </a:effectRef>
-          <a:fontRef idx="minor">
-            <a:schemeClr val="lt1"/>
-          </a:fontRef>
-        </p:style>
-        <p:txBody>
-          <a:bodyPr rtlCol="0" anchor="ctr"/>
-          <a:lstStyle/>
-          <a:p>
-            <a:pPr algn="ctr"/>
-            <a:endParaRPr lang="en-US"/>
-          </a:p>
-        </p:txBody>
-      </p:sp>
-      <p:sp>
-        <p:nvSpPr>
-          <p:cNvPr id="9" name="Star: 5 Points 8">
-            <a:extLst>
-              <a:ext uri="{FF2B5EF4-FFF2-40B4-BE49-F238E27FC236}">
-                <a16:creationId xmlns:a16="http://schemas.microsoft.com/office/drawing/2014/main" id="{B7344DE4-7748-4304-A747-7FB50A3C26BD}"/>
-              </a:ext>
-            </a:extLst>
-          </p:cNvPr>
-          <p:cNvSpPr/>
-          <p:nvPr/>
-        </p:nvSpPr>
-        <p:spPr>
-          <a:xfrm>
-            <a:off x="1290402" y="4138774"/>
-            <a:ext cx="296782" cy="266046"/>
-          </a:xfrm>
-          <a:prstGeom prst="star5">
-            <a:avLst/>
-          </a:prstGeom>
-          <a:solidFill>
-            <a:srgbClr val="FF0000"/>
-          </a:solidFill>
-          <a:ln>
-            <a:noFill/>
-          </a:ln>
-        </p:spPr>
-        <p:style>
-          <a:lnRef idx="2">
-            <a:schemeClr val="accent1">
-              <a:shade val="50000"/>
-            </a:schemeClr>
-          </a:lnRef>
-          <a:fillRef idx="1">
-            <a:schemeClr val="accent1"/>
-          </a:fillRef>
-          <a:effectRef idx="0">
-            <a:schemeClr val="accent1"/>
-          </a:effectRef>
-          <a:fontRef idx="minor">
-            <a:schemeClr val="lt1"/>
-          </a:fontRef>
-        </p:style>
-        <p:txBody>
-          <a:bodyPr rtlCol="0" anchor="ctr"/>
-          <a:lstStyle/>
-          <a:p>
-            <a:pPr algn="ctr"/>
-            <a:endParaRPr lang="en-US"/>
-          </a:p>
-        </p:txBody>
-      </p:sp>
-      <p:sp>
-        <p:nvSpPr>
-          <p:cNvPr id="10" name="Star: 5 Points 9">
-            <a:extLst>
-              <a:ext uri="{FF2B5EF4-FFF2-40B4-BE49-F238E27FC236}">
-                <a16:creationId xmlns:a16="http://schemas.microsoft.com/office/drawing/2014/main" id="{984A10C3-3AB7-42EB-9B3F-04202F8B539D}"/>
-              </a:ext>
-            </a:extLst>
-          </p:cNvPr>
-          <p:cNvSpPr/>
-          <p:nvPr/>
-        </p:nvSpPr>
-        <p:spPr>
-          <a:xfrm>
-            <a:off x="1290402" y="4496914"/>
-            <a:ext cx="296782" cy="266046"/>
-          </a:xfrm>
-          <a:prstGeom prst="star5">
-            <a:avLst/>
-          </a:prstGeom>
-          <a:solidFill>
-            <a:srgbClr val="FF0000"/>
-          </a:solidFill>
-          <a:ln>
-            <a:noFill/>
-          </a:ln>
-        </p:spPr>
-        <p:style>
-          <a:lnRef idx="2">
-            <a:schemeClr val="accent1">
-              <a:shade val="50000"/>
-            </a:schemeClr>
-          </a:lnRef>
-          <a:fillRef idx="1">
-            <a:schemeClr val="accent1"/>
-          </a:fillRef>
-          <a:effectRef idx="0">
-            <a:schemeClr val="accent1"/>
-          </a:effectRef>
-          <a:fontRef idx="minor">
-            <a:schemeClr val="lt1"/>
-          </a:fontRef>
-        </p:style>
-        <p:txBody>
-          <a:bodyPr rtlCol="0" anchor="ctr"/>
-          <a:lstStyle/>
-          <a:p>
-            <a:pPr algn="ctr"/>
-            <a:endParaRPr lang="en-US"/>
-          </a:p>
-        </p:txBody>
-      </p:sp>
-    </p:spTree>
-    <p:extLst>
-      <p:ext uri="{BB962C8B-B14F-4D97-AF65-F5344CB8AC3E}">
-        <p14:creationId xmlns:p14="http://schemas.microsoft.com/office/powerpoint/2010/main" val="1077310269"/>
-      </p:ext>
-    </p:extLst>
-  </p:cSld>
-  <p:clrMapOvr>
-    <a:masterClrMapping/>
-  </p:clrMapOvr>
-  <p:timing>
-    <p:tnLst>
-      <p:par>
-        <p:cTn id="1" dur="indefinite" restart="never" nodeType="tmRoot">
-          <p:childTnLst>
-            <p:seq concurrent="1" nextAc="seek">
-              <p:cTn id="2" dur="indefinite" nodeType="mainSeq">
-                <p:childTnLst>
-                  <p:par>
-                    <p:cTn id="3" fill="hold">
-                      <p:stCondLst>
-                        <p:cond delay="indefinite"/>
-                      </p:stCondLst>
-                      <p:childTnLst>
-                        <p:par>
-                          <p:cTn id="4" fill="hold">
-                            <p:stCondLst>
-                              <p:cond delay="0"/>
-                            </p:stCondLst>
-                            <p:childTnLst>
-                              <p:par>
-                                <p:cTn id="5" presetID="1" presetClass="entr" presetSubtype="0" fill="hold" grpId="0" nodeType="clickEffect">
-                                  <p:stCondLst>
-                                    <p:cond delay="0"/>
-                                  </p:stCondLst>
-                                  <p:childTnLst>
-                                    <p:set>
-                                      <p:cBhvr>
-                                        <p:cTn id="6" dur="1" fill="hold">
-                                          <p:stCondLst>
-                                            <p:cond delay="0"/>
-                                          </p:stCondLst>
-                                        </p:cTn>
-                                        <p:tgtEl>
-                                          <p:spTgt spid="7"/>
-                                        </p:tgtEl>
-                                        <p:attrNameLst>
-                                          <p:attrName>style.visibility</p:attrName>
-                                        </p:attrNameLst>
-                                      </p:cBhvr>
-                                      <p:to>
-                                        <p:strVal val="visible"/>
-                                      </p:to>
-                                    </p:set>
-                                  </p:childTnLst>
-                                </p:cTn>
-                              </p:par>
-                              <p:par>
-                                <p:cTn id="7" presetID="1" presetClass="entr" presetSubtype="0" fill="hold" grpId="0" nodeType="withEffect">
-                                  <p:stCondLst>
-                                    <p:cond delay="0"/>
-                                  </p:stCondLst>
-                                  <p:childTnLst>
-                                    <p:set>
-                                      <p:cBhvr>
-                                        <p:cTn id="8" dur="1" fill="hold">
-                                          <p:stCondLst>
-                                            <p:cond delay="0"/>
-                                          </p:stCondLst>
-                                        </p:cTn>
-                                        <p:tgtEl>
-                                          <p:spTgt spid="8"/>
-                                        </p:tgtEl>
-                                        <p:attrNameLst>
-                                          <p:attrName>style.visibility</p:attrName>
-                                        </p:attrNameLst>
-                                      </p:cBhvr>
-                                      <p:to>
-                                        <p:strVal val="visible"/>
-                                      </p:to>
-                                    </p:set>
-                                  </p:childTnLst>
-                                </p:cTn>
-                              </p:par>
-                              <p:par>
-                                <p:cTn id="9" presetID="1" presetClass="entr" presetSubtype="0" fill="hold" grpId="0" nodeType="withEffect">
-                                  <p:stCondLst>
-                                    <p:cond delay="0"/>
-                                  </p:stCondLst>
-                                  <p:childTnLst>
-                                    <p:set>
-                                      <p:cBhvr>
-                                        <p:cTn id="10" dur="1" fill="hold">
-                                          <p:stCondLst>
-                                            <p:cond delay="0"/>
-                                          </p:stCondLst>
-                                        </p:cTn>
-                                        <p:tgtEl>
-                                          <p:spTgt spid="9"/>
-                                        </p:tgtEl>
-                                        <p:attrNameLst>
-                                          <p:attrName>style.visibility</p:attrName>
-                                        </p:attrNameLst>
-                                      </p:cBhvr>
-                                      <p:to>
-                                        <p:strVal val="visible"/>
-                                      </p:to>
-                                    </p:set>
-                                  </p:childTnLst>
-                                </p:cTn>
-                              </p:par>
-                              <p:par>
-                                <p:cTn id="11" presetID="1" presetClass="entr" presetSubtype="0" fill="hold" grpId="0" nodeType="withEffect">
-                                  <p:stCondLst>
-                                    <p:cond delay="0"/>
-                                  </p:stCondLst>
-                                  <p:childTnLst>
-                                    <p:set>
-                                      <p:cBhvr>
-                                        <p:cTn id="12" dur="1" fill="hold">
-                                          <p:stCondLst>
-                                            <p:cond delay="0"/>
-                                          </p:stCondLst>
-                                        </p:cTn>
-                                        <p:tgtEl>
-                                          <p:spTgt spid="10"/>
-                                        </p:tgtEl>
-                                        <p:attrNameLst>
-                                          <p:attrName>style.visibility</p:attrName>
-                                        </p:attrNameLst>
-                                      </p:cBhvr>
-                                      <p:to>
-                                        <p:strVal val="visible"/>
-                                      </p:to>
-                                    </p:set>
-                                  </p:childTnLst>
-                                </p:cTn>
-                              </p:par>
-                            </p:childTnLst>
-                          </p:cTn>
-                        </p:par>
-                      </p:childTnLst>
-                    </p:cTn>
-                  </p:par>
-                </p:childTnLst>
-              </p:cTn>
-              <p:prevCondLst>
-                <p:cond evt="onPrev" delay="0">
-                  <p:tgtEl>
-                    <p:sldTgt/>
-                  </p:tgtEl>
-                </p:cond>
-              </p:prevCondLst>
-              <p:nextCondLst>
-                <p:cond evt="onNext" delay="0">
-                  <p:tgtEl>
-                    <p:sldTgt/>
-                  </p:tgtEl>
-                </p:cond>
-              </p:nextCondLst>
-            </p:seq>
-          </p:childTnLst>
-        </p:cTn>
-      </p:par>
-    </p:tnLst>
-    <p:bldLst>
-      <p:bldP spid="7" grpId="0" animBg="1"/>
-      <p:bldP spid="8" grpId="0" animBg="1"/>
-      <p:bldP spid="9" grpId="0" animBg="1"/>
-      <p:bldP spid="10" grpId="0" animBg="1"/>
-    </p:bldLst>
-  </p:timing>
-</p:sld>
-</file>
-
-<file path=ppt/slides/slide4.xml><?xml version="1.0" encoding="utf-8"?>
-<p:sld xmlns:a="http://schemas.openxmlformats.org/drawingml/2006/main" xmlns:r="http://schemas.openxmlformats.org/officeDocument/2006/relationships" xmlns:p="http://schemas.openxmlformats.org/presentationml/2006/main">
-  <p:cSld>
-    <p:spTree>
-      <p:nvGrpSpPr>
-        <p:cNvPr id="1" name=""/>
-        <p:cNvGrpSpPr/>
-        <p:nvPr/>
-      </p:nvGrpSpPr>
-      <p:grpSpPr>
-        <a:xfrm>
-          <a:off x="0" y="0"/>
-          <a:ext cx="0" cy="0"/>
-          <a:chOff x="0" y="0"/>
-          <a:chExt cx="0" cy="0"/>
-        </a:xfrm>
-      </p:grpSpPr>
-      <p:sp>
-        <p:nvSpPr>
-          <p:cNvPr id="2" name="Title 1">
-            <a:extLst>
-              <a:ext uri="{FF2B5EF4-FFF2-40B4-BE49-F238E27FC236}">
-                <a16:creationId xmlns:a16="http://schemas.microsoft.com/office/drawing/2014/main" id="{5284F9C5-1C21-4855-9606-2B1EE526E1E6}"/>
-              </a:ext>
-            </a:extLst>
-          </p:cNvPr>
-          <p:cNvSpPr>
-            <a:spLocks noGrp="1"/>
-          </p:cNvSpPr>
-          <p:nvPr>
-            <p:ph type="title"/>
-          </p:nvPr>
-        </p:nvSpPr>
-        <p:spPr>
-          <a:xfrm>
-            <a:off x="838200" y="153358"/>
-            <a:ext cx="10515600" cy="1325563"/>
-          </a:xfrm>
-        </p:spPr>
-        <p:txBody>
-          <a:bodyPr/>
-          <a:lstStyle/>
-          <a:p>
-            <a:r>
-              <a:rPr lang="en-US" dirty="0"/>
-              <a:t>Data</a:t>
-            </a:r>
-          </a:p>
-        </p:txBody>
-      </p:sp>
-      <p:sp>
-        <p:nvSpPr>
-          <p:cNvPr id="3" name="Content Placeholder 2">
-            <a:extLst>
-              <a:ext uri="{FF2B5EF4-FFF2-40B4-BE49-F238E27FC236}">
-                <a16:creationId xmlns:a16="http://schemas.microsoft.com/office/drawing/2014/main" id="{D9723BF7-A839-4ADD-9C9A-0BD26DD9A6E4}"/>
-              </a:ext>
-            </a:extLst>
-          </p:cNvPr>
-          <p:cNvSpPr>
-            <a:spLocks noGrp="1"/>
-          </p:cNvSpPr>
-          <p:nvPr>
-            <p:ph idx="1"/>
-          </p:nvPr>
-        </p:nvSpPr>
-        <p:spPr>
-          <a:xfrm>
-            <a:off x="838200" y="3470451"/>
+            <a:off x="838200" y="4281222"/>
             <a:ext cx="10515600" cy="2973889"/>
           </a:xfrm>
         </p:spPr>
@@ -5018,69 +4082,50 @@
           <a:p>
             <a:r>
               <a:rPr lang="en-US" dirty="0"/>
-              <a:t>Continuous signals </a:t>
+              <a:t>Timestamp signals</a:t>
             </a:r>
           </a:p>
           <a:p>
             <a:pPr lvl="1"/>
             <a:r>
               <a:rPr lang="en-US" dirty="0"/>
-              <a:t>1000Hz (1ms bin)</a:t>
-            </a:r>
-          </a:p>
-          <a:p>
+              <a:t>Task event (e.g., stimulus onset), behavioral events (e.g., licking) or neural activity (e.g., single unit spike)</a:t>
+            </a:r>
+          </a:p>
+          <a:p>
+            <a:pPr lvl="1"/>
             <a:r>
               <a:rPr lang="en-US" dirty="0"/>
-              <a:t>Discrete events</a:t>
+              <a:t>Time in millisecond from session start (0 </a:t>
+            </a:r>
+            <a:r>
+              <a:rPr lang="en-US" dirty="0" err="1"/>
+              <a:t>ms</a:t>
+            </a:r>
+            <a:r>
+              <a:rPr lang="en-US" dirty="0"/>
+              <a:t>)</a:t>
+            </a:r>
+          </a:p>
+          <a:p>
+            <a:r>
+              <a:rPr lang="en-US" dirty="0"/>
+              <a:t>Continuous signals</a:t>
             </a:r>
           </a:p>
           <a:p>
             <a:pPr lvl="1"/>
             <a:r>
               <a:rPr lang="en-US" dirty="0"/>
-              <a:t>One event per trial (e.g., trial onset, reward onset)</a:t>
-            </a:r>
-          </a:p>
-          <a:p>
-            <a:pPr lvl="2"/>
+              <a:t>Sampled at 1000Hz (1ms bin) from session start (0 </a:t>
+            </a:r>
+            <a:r>
+              <a:rPr lang="en-US" dirty="0" err="1"/>
+              <a:t>ms</a:t>
+            </a:r>
             <a:r>
               <a:rPr lang="en-US" dirty="0"/>
-              <a:t>2D array (</a:t>
-            </a:r>
-            <a:r>
-              <a:rPr lang="en-US" dirty="0" err="1"/>
-              <a:t>nTrial</a:t>
-            </a:r>
-            <a:r>
-              <a:rPr lang="en-US" dirty="0"/>
-              <a:t> X </a:t>
-            </a:r>
-            <a:r>
-              <a:rPr lang="en-US" dirty="0" err="1"/>
-              <a:t>nEvent</a:t>
-            </a:r>
-            <a:r>
-              <a:rPr lang="en-US" dirty="0"/>
-              <a:t>), values represent event timestamp in </a:t>
-            </a:r>
-            <a:r>
-              <a:rPr lang="en-US" dirty="0" err="1"/>
-              <a:t>milisecond</a:t>
-            </a:r>
-            <a:endParaRPr lang="en-US" dirty="0"/>
-          </a:p>
-          <a:p>
-            <a:pPr lvl="1"/>
-            <a:r>
-              <a:rPr lang="en-US" dirty="0"/>
-              <a:t>Multiple events per trial (movement onset, lick onset) </a:t>
-            </a:r>
-          </a:p>
-          <a:p>
-            <a:pPr lvl="2"/>
-            <a:r>
-              <a:rPr lang="en-US" dirty="0"/>
-              <a:t>Timestamp in millisecond (e.g., lick = [1942 1949 2029 …. ];</a:t>
+              <a:t>)</a:t>
             </a:r>
           </a:p>
         </p:txBody>
@@ -5094,13 +4139,15 @@
               </a:ext>
             </a:extLst>
           </p:cNvPr>
-          <p:cNvCxnSpPr/>
+          <p:cNvCxnSpPr>
+            <a:cxnSpLocks/>
+          </p:cNvCxnSpPr>
           <p:nvPr/>
         </p:nvCxnSpPr>
         <p:spPr>
           <a:xfrm>
-            <a:off x="838200" y="2554514"/>
-            <a:ext cx="10715171" cy="0"/>
+            <a:off x="838200" y="3854313"/>
+            <a:ext cx="9305126" cy="0"/>
           </a:xfrm>
           <a:prstGeom prst="straightConnector1">
             <a:avLst/>
@@ -5138,15 +4185,15 @@
         </p:nvSpPr>
         <p:spPr>
           <a:xfrm>
-            <a:off x="679429" y="2660424"/>
-            <a:ext cx="301686" cy="369332"/>
+            <a:off x="679429" y="3920467"/>
+            <a:ext cx="261986" cy="369332"/>
           </a:xfrm>
           <a:prstGeom prst="rect">
             <a:avLst/>
           </a:prstGeom>
         </p:spPr>
         <p:txBody>
-          <a:bodyPr wrap="none">
+          <a:bodyPr wrap="square">
             <a:spAutoFit/>
           </a:bodyPr>
           <a:lstStyle/>
@@ -5173,8 +4220,8 @@
         </p:nvSpPr>
         <p:spPr>
           <a:xfrm>
-            <a:off x="1045029" y="1629332"/>
-            <a:ext cx="10348685" cy="765526"/>
+            <a:off x="1045029" y="2271802"/>
+            <a:ext cx="8986867" cy="400032"/>
           </a:xfrm>
           <a:custGeom>
             <a:avLst/>
@@ -6131,8 +5178,162 @@
         </p:nvCxnSpPr>
         <p:spPr>
           <a:xfrm>
-            <a:off x="2496457" y="1103086"/>
-            <a:ext cx="0" cy="522514"/>
+            <a:off x="1357204" y="956409"/>
+            <a:ext cx="0" cy="371965"/>
+          </a:xfrm>
+          <a:prstGeom prst="straightConnector1">
+            <a:avLst/>
+          </a:prstGeom>
+          <a:ln>
+            <a:tailEnd type="triangle"/>
+          </a:ln>
+        </p:spPr>
+        <p:style>
+          <a:lnRef idx="1">
+            <a:schemeClr val="accent1"/>
+          </a:lnRef>
+          <a:fillRef idx="0">
+            <a:schemeClr val="accent1"/>
+          </a:fillRef>
+          <a:effectRef idx="0">
+            <a:schemeClr val="accent1"/>
+          </a:effectRef>
+          <a:fontRef idx="minor">
+            <a:schemeClr val="tx1"/>
+          </a:fontRef>
+        </p:style>
+      </p:cxnSp>
+      <p:sp>
+        <p:nvSpPr>
+          <p:cNvPr id="22" name="TextBox 21">
+            <a:extLst>
+              <a:ext uri="{FF2B5EF4-FFF2-40B4-BE49-F238E27FC236}">
+                <a16:creationId xmlns:a16="http://schemas.microsoft.com/office/drawing/2014/main" id="{3E4A24CB-D989-47FB-8048-EBC078D2158A}"/>
+              </a:ext>
+            </a:extLst>
+          </p:cNvPr>
+          <p:cNvSpPr txBox="1"/>
+          <p:nvPr/>
+        </p:nvSpPr>
+        <p:spPr>
+          <a:xfrm>
+            <a:off x="10143326" y="1757219"/>
+            <a:ext cx="821059" cy="369332"/>
+          </a:xfrm>
+          <a:prstGeom prst="rect">
+            <a:avLst/>
+          </a:prstGeom>
+          <a:noFill/>
+        </p:spPr>
+        <p:txBody>
+          <a:bodyPr wrap="none" rtlCol="0">
+            <a:spAutoFit/>
+          </a:bodyPr>
+          <a:lstStyle/>
+          <a:p>
+            <a:r>
+              <a:rPr lang="en-US" dirty="0"/>
+              <a:t>Licking</a:t>
+            </a:r>
+          </a:p>
+        </p:txBody>
+      </p:sp>
+      <p:sp>
+        <p:nvSpPr>
+          <p:cNvPr id="23" name="TextBox 22">
+            <a:extLst>
+              <a:ext uri="{FF2B5EF4-FFF2-40B4-BE49-F238E27FC236}">
+                <a16:creationId xmlns:a16="http://schemas.microsoft.com/office/drawing/2014/main" id="{AE54937A-4E12-48A4-9FDE-EB19F8B10C10}"/>
+              </a:ext>
+            </a:extLst>
+          </p:cNvPr>
+          <p:cNvSpPr txBox="1"/>
+          <p:nvPr/>
+        </p:nvSpPr>
+        <p:spPr>
+          <a:xfrm>
+            <a:off x="10143326" y="2233419"/>
+            <a:ext cx="1576072" cy="369332"/>
+          </a:xfrm>
+          <a:prstGeom prst="rect">
+            <a:avLst/>
+          </a:prstGeom>
+          <a:noFill/>
+        </p:spPr>
+        <p:txBody>
+          <a:bodyPr wrap="none" rtlCol="0">
+            <a:spAutoFit/>
+          </a:bodyPr>
+          <a:lstStyle/>
+          <a:p>
+            <a:r>
+              <a:rPr lang="en-US" dirty="0"/>
+              <a:t>Running speed</a:t>
+            </a:r>
+          </a:p>
+        </p:txBody>
+      </p:sp>
+      <p:sp>
+        <p:nvSpPr>
+          <p:cNvPr id="24" name="TextBox 23">
+            <a:extLst>
+              <a:ext uri="{FF2B5EF4-FFF2-40B4-BE49-F238E27FC236}">
+                <a16:creationId xmlns:a16="http://schemas.microsoft.com/office/drawing/2014/main" id="{AB9938B9-7D4F-4D18-BC0C-48A1561355A5}"/>
+              </a:ext>
+            </a:extLst>
+          </p:cNvPr>
+          <p:cNvSpPr txBox="1"/>
+          <p:nvPr/>
+        </p:nvSpPr>
+        <p:spPr>
+          <a:xfrm>
+            <a:off x="4702727" y="4010184"/>
+            <a:ext cx="1117614" cy="369332"/>
+          </a:xfrm>
+          <a:prstGeom prst="rect">
+            <a:avLst/>
+          </a:prstGeom>
+          <a:noFill/>
+        </p:spPr>
+        <p:txBody>
+          <a:bodyPr wrap="none" rtlCol="0">
+            <a:spAutoFit/>
+          </a:bodyPr>
+          <a:lstStyle/>
+          <a:p>
+            <a:r>
+              <a:rPr lang="en-US" dirty="0"/>
+              <a:t>Time (</a:t>
+            </a:r>
+            <a:r>
+              <a:rPr lang="en-US" dirty="0" err="1"/>
+              <a:t>ms</a:t>
+            </a:r>
+            <a:r>
+              <a:rPr lang="en-US" dirty="0"/>
+              <a:t>)</a:t>
+            </a:r>
+          </a:p>
+        </p:txBody>
+      </p:sp>
+      <p:cxnSp>
+        <p:nvCxnSpPr>
+          <p:cNvPr id="27" name="Straight Arrow Connector 26">
+            <a:extLst>
+              <a:ext uri="{FF2B5EF4-FFF2-40B4-BE49-F238E27FC236}">
+                <a16:creationId xmlns:a16="http://schemas.microsoft.com/office/drawing/2014/main" id="{587DFA0B-2686-4067-835F-5FA799A04F26}"/>
+              </a:ext>
+            </a:extLst>
+          </p:cNvPr>
+          <p:cNvCxnSpPr>
+            <a:cxnSpLocks/>
+          </p:cNvCxnSpPr>
+          <p:nvPr/>
+        </p:nvCxnSpPr>
+        <p:spPr>
+          <a:xfrm>
+            <a:off x="4444761" y="876854"/>
+            <a:ext cx="0" cy="371965"/>
           </a:xfrm>
           <a:prstGeom prst="straightConnector1">
             <a:avLst/>
@@ -6158,10 +5359,10 @@
       </p:cxnSp>
       <p:cxnSp>
         <p:nvCxnSpPr>
-          <p:cNvPr id="10" name="Straight Arrow Connector 9">
-            <a:extLst>
-              <a:ext uri="{FF2B5EF4-FFF2-40B4-BE49-F238E27FC236}">
-                <a16:creationId xmlns:a16="http://schemas.microsoft.com/office/drawing/2014/main" id="{0B885E2B-2D94-4255-82B3-B2406E78BD1E}"/>
+          <p:cNvPr id="28" name="Straight Arrow Connector 27">
+            <a:extLst>
+              <a:ext uri="{FF2B5EF4-FFF2-40B4-BE49-F238E27FC236}">
+                <a16:creationId xmlns:a16="http://schemas.microsoft.com/office/drawing/2014/main" id="{E36DD024-5DF6-48E9-B0C6-F4483AA48F97}"/>
               </a:ext>
             </a:extLst>
           </p:cNvPr>
@@ -6172,8 +5373,8 @@
         </p:nvCxnSpPr>
         <p:spPr>
           <a:xfrm>
-            <a:off x="3657600" y="1103086"/>
-            <a:ext cx="0" cy="522514"/>
+            <a:off x="6773450" y="855165"/>
+            <a:ext cx="0" cy="371965"/>
           </a:xfrm>
           <a:prstGeom prst="straightConnector1">
             <a:avLst/>
@@ -6197,12 +5398,199 @@
           </a:fontRef>
         </p:style>
       </p:cxnSp>
+      <p:sp>
+        <p:nvSpPr>
+          <p:cNvPr id="29" name="TextBox 28">
+            <a:extLst>
+              <a:ext uri="{FF2B5EF4-FFF2-40B4-BE49-F238E27FC236}">
+                <a16:creationId xmlns:a16="http://schemas.microsoft.com/office/drawing/2014/main" id="{C11EDA4D-3687-4808-866B-A88A58786870}"/>
+              </a:ext>
+            </a:extLst>
+          </p:cNvPr>
+          <p:cNvSpPr txBox="1"/>
+          <p:nvPr/>
+        </p:nvSpPr>
+        <p:spPr>
+          <a:xfrm>
+            <a:off x="10143326" y="1352840"/>
+            <a:ext cx="1476623" cy="369332"/>
+          </a:xfrm>
+          <a:prstGeom prst="rect">
+            <a:avLst/>
+          </a:prstGeom>
+          <a:noFill/>
+        </p:spPr>
+        <p:txBody>
+          <a:bodyPr wrap="none" rtlCol="0">
+            <a:spAutoFit/>
+          </a:bodyPr>
+          <a:lstStyle/>
+          <a:p>
+            <a:r>
+              <a:rPr lang="en-US" dirty="0"/>
+              <a:t>Water reward</a:t>
+            </a:r>
+          </a:p>
+        </p:txBody>
+      </p:sp>
+      <p:pic>
+        <p:nvPicPr>
+          <p:cNvPr id="33" name="Graphic 32" descr="Water">
+            <a:extLst>
+              <a:ext uri="{FF2B5EF4-FFF2-40B4-BE49-F238E27FC236}">
+                <a16:creationId xmlns:a16="http://schemas.microsoft.com/office/drawing/2014/main" id="{49B06787-B574-483A-BC83-FB757BF5386B}"/>
+              </a:ext>
+            </a:extLst>
+          </p:cNvPr>
+          <p:cNvPicPr>
+            <a:picLocks noChangeAspect="1"/>
+          </p:cNvPicPr>
+          <p:nvPr/>
+        </p:nvPicPr>
+        <p:blipFill>
+          <a:blip r:embed="rId2">
+            <a:extLst>
+              <a:ext uri="{28A0092B-C50C-407E-A947-70E740481C1C}">
+                <a14:useLocalDpi xmlns:a14="http://schemas.microsoft.com/office/drawing/2010/main" val="0"/>
+              </a:ext>
+              <a:ext uri="{96DAC541-7B7A-43D3-8B79-37D633B846F1}">
+                <asvg:svgBlip xmlns:asvg="http://schemas.microsoft.com/office/drawing/2016/SVG/main" r:embed="rId3"/>
+              </a:ext>
+            </a:extLst>
+          </a:blip>
+          <a:stretch>
+            <a:fillRect/>
+          </a:stretch>
+        </p:blipFill>
+        <p:spPr>
+          <a:xfrm>
+            <a:off x="7689869" y="1369170"/>
+            <a:ext cx="294037" cy="294037"/>
+          </a:xfrm>
+          <a:prstGeom prst="rect">
+            <a:avLst/>
+          </a:prstGeom>
+        </p:spPr>
+      </p:pic>
+      <p:pic>
+        <p:nvPicPr>
+          <p:cNvPr id="34" name="Graphic 33" descr="Water">
+            <a:extLst>
+              <a:ext uri="{FF2B5EF4-FFF2-40B4-BE49-F238E27FC236}">
+                <a16:creationId xmlns:a16="http://schemas.microsoft.com/office/drawing/2014/main" id="{E6C8D193-E2B4-46FC-A6F7-F584033C0BB8}"/>
+              </a:ext>
+            </a:extLst>
+          </p:cNvPr>
+          <p:cNvPicPr>
+            <a:picLocks noChangeAspect="1"/>
+          </p:cNvPicPr>
+          <p:nvPr/>
+        </p:nvPicPr>
+        <p:blipFill>
+          <a:blip r:embed="rId2">
+            <a:extLst>
+              <a:ext uri="{28A0092B-C50C-407E-A947-70E740481C1C}">
+                <a14:useLocalDpi xmlns:a14="http://schemas.microsoft.com/office/drawing/2010/main" val="0"/>
+              </a:ext>
+              <a:ext uri="{96DAC541-7B7A-43D3-8B79-37D633B846F1}">
+                <asvg:svgBlip xmlns:asvg="http://schemas.microsoft.com/office/drawing/2016/SVG/main" r:embed="rId3"/>
+              </a:ext>
+            </a:extLst>
+          </a:blip>
+          <a:stretch>
+            <a:fillRect/>
+          </a:stretch>
+        </p:blipFill>
+        <p:spPr>
+          <a:xfrm>
+            <a:off x="5114515" y="1407348"/>
+            <a:ext cx="294037" cy="294037"/>
+          </a:xfrm>
+          <a:prstGeom prst="rect">
+            <a:avLst/>
+          </a:prstGeom>
+        </p:spPr>
+      </p:pic>
+      <p:pic>
+        <p:nvPicPr>
+          <p:cNvPr id="36" name="Graphic 35" descr="Water">
+            <a:extLst>
+              <a:ext uri="{FF2B5EF4-FFF2-40B4-BE49-F238E27FC236}">
+                <a16:creationId xmlns:a16="http://schemas.microsoft.com/office/drawing/2014/main" id="{0E7ABED9-6615-4754-B9AF-A11D303D7DDD}"/>
+              </a:ext>
+            </a:extLst>
+          </p:cNvPr>
+          <p:cNvPicPr>
+            <a:picLocks noChangeAspect="1"/>
+          </p:cNvPicPr>
+          <p:nvPr/>
+        </p:nvPicPr>
+        <p:blipFill>
+          <a:blip r:embed="rId2">
+            <a:extLst>
+              <a:ext uri="{28A0092B-C50C-407E-A947-70E740481C1C}">
+                <a14:useLocalDpi xmlns:a14="http://schemas.microsoft.com/office/drawing/2010/main" val="0"/>
+              </a:ext>
+              <a:ext uri="{96DAC541-7B7A-43D3-8B79-37D633B846F1}">
+                <asvg:svgBlip xmlns:asvg="http://schemas.microsoft.com/office/drawing/2016/SVG/main" r:embed="rId3"/>
+              </a:ext>
+            </a:extLst>
+          </a:blip>
+          <a:stretch>
+            <a:fillRect/>
+          </a:stretch>
+        </p:blipFill>
+        <p:spPr>
+          <a:xfrm>
+            <a:off x="1789563" y="1369170"/>
+            <a:ext cx="294037" cy="294037"/>
+          </a:xfrm>
+          <a:prstGeom prst="rect">
+            <a:avLst/>
+          </a:prstGeom>
+        </p:spPr>
+      </p:pic>
+      <p:sp>
+        <p:nvSpPr>
+          <p:cNvPr id="37" name="TextBox 36">
+            <a:extLst>
+              <a:ext uri="{FF2B5EF4-FFF2-40B4-BE49-F238E27FC236}">
+                <a16:creationId xmlns:a16="http://schemas.microsoft.com/office/drawing/2014/main" id="{FE7EDA71-46FB-46A2-AC0F-6998C53381B4}"/>
+              </a:ext>
+            </a:extLst>
+          </p:cNvPr>
+          <p:cNvSpPr txBox="1"/>
+          <p:nvPr/>
+        </p:nvSpPr>
+        <p:spPr>
+          <a:xfrm>
+            <a:off x="10143326" y="933619"/>
+            <a:ext cx="1061060" cy="369332"/>
+          </a:xfrm>
+          <a:prstGeom prst="rect">
+            <a:avLst/>
+          </a:prstGeom>
+          <a:noFill/>
+        </p:spPr>
+        <p:txBody>
+          <a:bodyPr wrap="none" rtlCol="0">
+            <a:spAutoFit/>
+          </a:bodyPr>
+          <a:lstStyle/>
+          <a:p>
+            <a:r>
+              <a:rPr lang="en-US" dirty="0"/>
+              <a:t>Trial start</a:t>
+            </a:r>
+          </a:p>
+        </p:txBody>
+      </p:sp>
       <p:cxnSp>
         <p:nvCxnSpPr>
-          <p:cNvPr id="11" name="Straight Arrow Connector 10">
-            <a:extLst>
-              <a:ext uri="{FF2B5EF4-FFF2-40B4-BE49-F238E27FC236}">
-                <a16:creationId xmlns:a16="http://schemas.microsoft.com/office/drawing/2014/main" id="{2B7537CC-DB9B-4203-ADBD-2A7AAEAB2B7A}"/>
+          <p:cNvPr id="38" name="Straight Arrow Connector 37">
+            <a:extLst>
+              <a:ext uri="{FF2B5EF4-FFF2-40B4-BE49-F238E27FC236}">
+                <a16:creationId xmlns:a16="http://schemas.microsoft.com/office/drawing/2014/main" id="{43418578-4B72-4C81-A4E9-0A29962FB544}"/>
               </a:ext>
             </a:extLst>
           </p:cNvPr>
@@ -6213,14 +5601,14 @@
         </p:nvCxnSpPr>
         <p:spPr>
           <a:xfrm>
-            <a:off x="5370286" y="1103086"/>
-            <a:ext cx="0" cy="522514"/>
+            <a:off x="2301587" y="1757219"/>
+            <a:ext cx="0" cy="371965"/>
           </a:xfrm>
           <a:prstGeom prst="straightConnector1">
             <a:avLst/>
           </a:prstGeom>
           <a:ln>
-            <a:tailEnd type="triangle"/>
+            <a:tailEnd type="none"/>
           </a:ln>
         </p:spPr>
         <p:style>
@@ -6240,10 +5628,10 @@
       </p:cxnSp>
       <p:cxnSp>
         <p:nvCxnSpPr>
-          <p:cNvPr id="12" name="Straight Arrow Connector 11">
-            <a:extLst>
-              <a:ext uri="{FF2B5EF4-FFF2-40B4-BE49-F238E27FC236}">
-                <a16:creationId xmlns:a16="http://schemas.microsoft.com/office/drawing/2014/main" id="{213EB92C-4992-4FE4-AFB7-CCDF6829C69A}"/>
+          <p:cNvPr id="39" name="Straight Arrow Connector 38">
+            <a:extLst>
+              <a:ext uri="{FF2B5EF4-FFF2-40B4-BE49-F238E27FC236}">
+                <a16:creationId xmlns:a16="http://schemas.microsoft.com/office/drawing/2014/main" id="{BFD39293-0F0C-41FF-ABC3-C9707AAFADE8}"/>
               </a:ext>
             </a:extLst>
           </p:cNvPr>
@@ -6254,14 +5642,14 @@
         </p:nvCxnSpPr>
         <p:spPr>
           <a:xfrm>
-            <a:off x="7184572" y="1103086"/>
-            <a:ext cx="0" cy="522514"/>
+            <a:off x="2421509" y="1757219"/>
+            <a:ext cx="0" cy="371965"/>
           </a:xfrm>
           <a:prstGeom prst="straightConnector1">
             <a:avLst/>
           </a:prstGeom>
           <a:ln>
-            <a:tailEnd type="triangle"/>
+            <a:tailEnd type="none"/>
           </a:ln>
         </p:spPr>
         <p:style>
@@ -6281,10 +5669,10 @@
       </p:cxnSp>
       <p:cxnSp>
         <p:nvCxnSpPr>
-          <p:cNvPr id="13" name="Straight Arrow Connector 12">
-            <a:extLst>
-              <a:ext uri="{FF2B5EF4-FFF2-40B4-BE49-F238E27FC236}">
-                <a16:creationId xmlns:a16="http://schemas.microsoft.com/office/drawing/2014/main" id="{98B4BBCF-7366-4395-9492-943CD019B288}"/>
+          <p:cNvPr id="40" name="Straight Arrow Connector 39">
+            <a:extLst>
+              <a:ext uri="{FF2B5EF4-FFF2-40B4-BE49-F238E27FC236}">
+                <a16:creationId xmlns:a16="http://schemas.microsoft.com/office/drawing/2014/main" id="{1A5FCF50-253F-4FCC-8F99-3607B1BB25CC}"/>
               </a:ext>
             </a:extLst>
           </p:cNvPr>
@@ -6295,14 +5683,14 @@
         </p:nvCxnSpPr>
         <p:spPr>
           <a:xfrm>
-            <a:off x="8606972" y="1103086"/>
-            <a:ext cx="0" cy="522514"/>
+            <a:off x="2541430" y="1757219"/>
+            <a:ext cx="0" cy="371965"/>
           </a:xfrm>
           <a:prstGeom prst="straightConnector1">
             <a:avLst/>
           </a:prstGeom>
           <a:ln>
-            <a:tailEnd type="triangle"/>
+            <a:tailEnd type="none"/>
           </a:ln>
         </p:spPr>
         <p:style>
@@ -6320,10 +5708,3304 @@
           </a:fontRef>
         </p:style>
       </p:cxnSp>
+      <p:cxnSp>
+        <p:nvCxnSpPr>
+          <p:cNvPr id="41" name="Straight Arrow Connector 40">
+            <a:extLst>
+              <a:ext uri="{FF2B5EF4-FFF2-40B4-BE49-F238E27FC236}">
+                <a16:creationId xmlns:a16="http://schemas.microsoft.com/office/drawing/2014/main" id="{2445645F-A0E8-4102-935B-376FFE404ECC}"/>
+              </a:ext>
+            </a:extLst>
+          </p:cNvPr>
+          <p:cNvCxnSpPr>
+            <a:cxnSpLocks/>
+          </p:cNvCxnSpPr>
+          <p:nvPr/>
+        </p:nvCxnSpPr>
+        <p:spPr>
+          <a:xfrm>
+            <a:off x="2106716" y="1757219"/>
+            <a:ext cx="0" cy="371965"/>
+          </a:xfrm>
+          <a:prstGeom prst="straightConnector1">
+            <a:avLst/>
+          </a:prstGeom>
+          <a:ln>
+            <a:tailEnd type="none"/>
+          </a:ln>
+        </p:spPr>
+        <p:style>
+          <a:lnRef idx="1">
+            <a:schemeClr val="accent1"/>
+          </a:lnRef>
+          <a:fillRef idx="0">
+            <a:schemeClr val="accent1"/>
+          </a:fillRef>
+          <a:effectRef idx="0">
+            <a:schemeClr val="accent1"/>
+          </a:effectRef>
+          <a:fontRef idx="minor">
+            <a:schemeClr val="tx1"/>
+          </a:fontRef>
+        </p:style>
+      </p:cxnSp>
+      <p:cxnSp>
+        <p:nvCxnSpPr>
+          <p:cNvPr id="42" name="Straight Arrow Connector 41">
+            <a:extLst>
+              <a:ext uri="{FF2B5EF4-FFF2-40B4-BE49-F238E27FC236}">
+                <a16:creationId xmlns:a16="http://schemas.microsoft.com/office/drawing/2014/main" id="{47F186CA-C35B-4043-9DC0-1DAACD2A988B}"/>
+              </a:ext>
+            </a:extLst>
+          </p:cNvPr>
+          <p:cNvCxnSpPr>
+            <a:cxnSpLocks/>
+          </p:cNvCxnSpPr>
+          <p:nvPr/>
+        </p:nvCxnSpPr>
+        <p:spPr>
+          <a:xfrm>
+            <a:off x="2226637" y="1757219"/>
+            <a:ext cx="0" cy="371965"/>
+          </a:xfrm>
+          <a:prstGeom prst="straightConnector1">
+            <a:avLst/>
+          </a:prstGeom>
+          <a:ln>
+            <a:tailEnd type="none"/>
+          </a:ln>
+        </p:spPr>
+        <p:style>
+          <a:lnRef idx="1">
+            <a:schemeClr val="accent1"/>
+          </a:lnRef>
+          <a:fillRef idx="0">
+            <a:schemeClr val="accent1"/>
+          </a:fillRef>
+          <a:effectRef idx="0">
+            <a:schemeClr val="accent1"/>
+          </a:effectRef>
+          <a:fontRef idx="minor">
+            <a:schemeClr val="tx1"/>
+          </a:fontRef>
+        </p:style>
+      </p:cxnSp>
+      <p:cxnSp>
+        <p:nvCxnSpPr>
+          <p:cNvPr id="43" name="Straight Arrow Connector 42">
+            <a:extLst>
+              <a:ext uri="{FF2B5EF4-FFF2-40B4-BE49-F238E27FC236}">
+                <a16:creationId xmlns:a16="http://schemas.microsoft.com/office/drawing/2014/main" id="{297C9822-968E-46BF-B660-D499B52C18D8}"/>
+              </a:ext>
+            </a:extLst>
+          </p:cNvPr>
+          <p:cNvCxnSpPr>
+            <a:cxnSpLocks/>
+          </p:cNvCxnSpPr>
+          <p:nvPr/>
+        </p:nvCxnSpPr>
+        <p:spPr>
+          <a:xfrm>
+            <a:off x="5558453" y="1757219"/>
+            <a:ext cx="0" cy="371965"/>
+          </a:xfrm>
+          <a:prstGeom prst="straightConnector1">
+            <a:avLst/>
+          </a:prstGeom>
+          <a:ln>
+            <a:tailEnd type="none"/>
+          </a:ln>
+        </p:spPr>
+        <p:style>
+          <a:lnRef idx="1">
+            <a:schemeClr val="accent1"/>
+          </a:lnRef>
+          <a:fillRef idx="0">
+            <a:schemeClr val="accent1"/>
+          </a:fillRef>
+          <a:effectRef idx="0">
+            <a:schemeClr val="accent1"/>
+          </a:effectRef>
+          <a:fontRef idx="minor">
+            <a:schemeClr val="tx1"/>
+          </a:fontRef>
+        </p:style>
+      </p:cxnSp>
+      <p:cxnSp>
+        <p:nvCxnSpPr>
+          <p:cNvPr id="44" name="Straight Arrow Connector 43">
+            <a:extLst>
+              <a:ext uri="{FF2B5EF4-FFF2-40B4-BE49-F238E27FC236}">
+                <a16:creationId xmlns:a16="http://schemas.microsoft.com/office/drawing/2014/main" id="{2747926F-508C-4527-8A1F-B5B5AB795F69}"/>
+              </a:ext>
+            </a:extLst>
+          </p:cNvPr>
+          <p:cNvCxnSpPr>
+            <a:cxnSpLocks/>
+          </p:cNvCxnSpPr>
+          <p:nvPr/>
+        </p:nvCxnSpPr>
+        <p:spPr>
+          <a:xfrm>
+            <a:off x="5678375" y="1757219"/>
+            <a:ext cx="0" cy="371965"/>
+          </a:xfrm>
+          <a:prstGeom prst="straightConnector1">
+            <a:avLst/>
+          </a:prstGeom>
+          <a:ln>
+            <a:tailEnd type="none"/>
+          </a:ln>
+        </p:spPr>
+        <p:style>
+          <a:lnRef idx="1">
+            <a:schemeClr val="accent1"/>
+          </a:lnRef>
+          <a:fillRef idx="0">
+            <a:schemeClr val="accent1"/>
+          </a:fillRef>
+          <a:effectRef idx="0">
+            <a:schemeClr val="accent1"/>
+          </a:effectRef>
+          <a:fontRef idx="minor">
+            <a:schemeClr val="tx1"/>
+          </a:fontRef>
+        </p:style>
+      </p:cxnSp>
+      <p:cxnSp>
+        <p:nvCxnSpPr>
+          <p:cNvPr id="45" name="Straight Arrow Connector 44">
+            <a:extLst>
+              <a:ext uri="{FF2B5EF4-FFF2-40B4-BE49-F238E27FC236}">
+                <a16:creationId xmlns:a16="http://schemas.microsoft.com/office/drawing/2014/main" id="{88D65A7A-FB2F-4E56-AF68-26DD75F93CD5}"/>
+              </a:ext>
+            </a:extLst>
+          </p:cNvPr>
+          <p:cNvCxnSpPr>
+            <a:cxnSpLocks/>
+          </p:cNvCxnSpPr>
+          <p:nvPr/>
+        </p:nvCxnSpPr>
+        <p:spPr>
+          <a:xfrm>
+            <a:off x="5798296" y="1757219"/>
+            <a:ext cx="0" cy="371965"/>
+          </a:xfrm>
+          <a:prstGeom prst="straightConnector1">
+            <a:avLst/>
+          </a:prstGeom>
+          <a:ln>
+            <a:tailEnd type="none"/>
+          </a:ln>
+        </p:spPr>
+        <p:style>
+          <a:lnRef idx="1">
+            <a:schemeClr val="accent1"/>
+          </a:lnRef>
+          <a:fillRef idx="0">
+            <a:schemeClr val="accent1"/>
+          </a:fillRef>
+          <a:effectRef idx="0">
+            <a:schemeClr val="accent1"/>
+          </a:effectRef>
+          <a:fontRef idx="minor">
+            <a:schemeClr val="tx1"/>
+          </a:fontRef>
+        </p:style>
+      </p:cxnSp>
+      <p:cxnSp>
+        <p:nvCxnSpPr>
+          <p:cNvPr id="46" name="Straight Arrow Connector 45">
+            <a:extLst>
+              <a:ext uri="{FF2B5EF4-FFF2-40B4-BE49-F238E27FC236}">
+                <a16:creationId xmlns:a16="http://schemas.microsoft.com/office/drawing/2014/main" id="{17959D01-B2C8-4DF9-898A-AA084E995B57}"/>
+              </a:ext>
+            </a:extLst>
+          </p:cNvPr>
+          <p:cNvCxnSpPr>
+            <a:cxnSpLocks/>
+          </p:cNvCxnSpPr>
+          <p:nvPr/>
+        </p:nvCxnSpPr>
+        <p:spPr>
+          <a:xfrm>
+            <a:off x="5363582" y="1757219"/>
+            <a:ext cx="0" cy="371965"/>
+          </a:xfrm>
+          <a:prstGeom prst="straightConnector1">
+            <a:avLst/>
+          </a:prstGeom>
+          <a:ln>
+            <a:tailEnd type="none"/>
+          </a:ln>
+        </p:spPr>
+        <p:style>
+          <a:lnRef idx="1">
+            <a:schemeClr val="accent1"/>
+          </a:lnRef>
+          <a:fillRef idx="0">
+            <a:schemeClr val="accent1"/>
+          </a:fillRef>
+          <a:effectRef idx="0">
+            <a:schemeClr val="accent1"/>
+          </a:effectRef>
+          <a:fontRef idx="minor">
+            <a:schemeClr val="tx1"/>
+          </a:fontRef>
+        </p:style>
+      </p:cxnSp>
+      <p:cxnSp>
+        <p:nvCxnSpPr>
+          <p:cNvPr id="47" name="Straight Arrow Connector 46">
+            <a:extLst>
+              <a:ext uri="{FF2B5EF4-FFF2-40B4-BE49-F238E27FC236}">
+                <a16:creationId xmlns:a16="http://schemas.microsoft.com/office/drawing/2014/main" id="{FDCBF9D0-67C3-49DC-B56F-EA0652A45AE7}"/>
+              </a:ext>
+            </a:extLst>
+          </p:cNvPr>
+          <p:cNvCxnSpPr>
+            <a:cxnSpLocks/>
+          </p:cNvCxnSpPr>
+          <p:nvPr/>
+        </p:nvCxnSpPr>
+        <p:spPr>
+          <a:xfrm>
+            <a:off x="5483503" y="1757219"/>
+            <a:ext cx="0" cy="371965"/>
+          </a:xfrm>
+          <a:prstGeom prst="straightConnector1">
+            <a:avLst/>
+          </a:prstGeom>
+          <a:ln>
+            <a:tailEnd type="none"/>
+          </a:ln>
+        </p:spPr>
+        <p:style>
+          <a:lnRef idx="1">
+            <a:schemeClr val="accent1"/>
+          </a:lnRef>
+          <a:fillRef idx="0">
+            <a:schemeClr val="accent1"/>
+          </a:fillRef>
+          <a:effectRef idx="0">
+            <a:schemeClr val="accent1"/>
+          </a:effectRef>
+          <a:fontRef idx="minor">
+            <a:schemeClr val="tx1"/>
+          </a:fontRef>
+        </p:style>
+      </p:cxnSp>
+      <p:cxnSp>
+        <p:nvCxnSpPr>
+          <p:cNvPr id="48" name="Straight Arrow Connector 47">
+            <a:extLst>
+              <a:ext uri="{FF2B5EF4-FFF2-40B4-BE49-F238E27FC236}">
+                <a16:creationId xmlns:a16="http://schemas.microsoft.com/office/drawing/2014/main" id="{EC77B7B2-92BC-4663-83D0-4CB898AB0008}"/>
+              </a:ext>
+            </a:extLst>
+          </p:cNvPr>
+          <p:cNvCxnSpPr>
+            <a:cxnSpLocks/>
+          </p:cNvCxnSpPr>
+          <p:nvPr/>
+        </p:nvCxnSpPr>
+        <p:spPr>
+          <a:xfrm>
+            <a:off x="8136761" y="1757219"/>
+            <a:ext cx="0" cy="371965"/>
+          </a:xfrm>
+          <a:prstGeom prst="straightConnector1">
+            <a:avLst/>
+          </a:prstGeom>
+          <a:ln>
+            <a:tailEnd type="none"/>
+          </a:ln>
+        </p:spPr>
+        <p:style>
+          <a:lnRef idx="1">
+            <a:schemeClr val="accent1"/>
+          </a:lnRef>
+          <a:fillRef idx="0">
+            <a:schemeClr val="accent1"/>
+          </a:fillRef>
+          <a:effectRef idx="0">
+            <a:schemeClr val="accent1"/>
+          </a:effectRef>
+          <a:fontRef idx="minor">
+            <a:schemeClr val="tx1"/>
+          </a:fontRef>
+        </p:style>
+      </p:cxnSp>
+      <p:cxnSp>
+        <p:nvCxnSpPr>
+          <p:cNvPr id="49" name="Straight Arrow Connector 48">
+            <a:extLst>
+              <a:ext uri="{FF2B5EF4-FFF2-40B4-BE49-F238E27FC236}">
+                <a16:creationId xmlns:a16="http://schemas.microsoft.com/office/drawing/2014/main" id="{7E375F12-5CB6-4B28-AB13-0AECEFE24010}"/>
+              </a:ext>
+            </a:extLst>
+          </p:cNvPr>
+          <p:cNvCxnSpPr>
+            <a:cxnSpLocks/>
+          </p:cNvCxnSpPr>
+          <p:nvPr/>
+        </p:nvCxnSpPr>
+        <p:spPr>
+          <a:xfrm>
+            <a:off x="8256683" y="1757219"/>
+            <a:ext cx="0" cy="371965"/>
+          </a:xfrm>
+          <a:prstGeom prst="straightConnector1">
+            <a:avLst/>
+          </a:prstGeom>
+          <a:ln>
+            <a:tailEnd type="none"/>
+          </a:ln>
+        </p:spPr>
+        <p:style>
+          <a:lnRef idx="1">
+            <a:schemeClr val="accent1"/>
+          </a:lnRef>
+          <a:fillRef idx="0">
+            <a:schemeClr val="accent1"/>
+          </a:fillRef>
+          <a:effectRef idx="0">
+            <a:schemeClr val="accent1"/>
+          </a:effectRef>
+          <a:fontRef idx="minor">
+            <a:schemeClr val="tx1"/>
+          </a:fontRef>
+        </p:style>
+      </p:cxnSp>
+      <p:cxnSp>
+        <p:nvCxnSpPr>
+          <p:cNvPr id="50" name="Straight Arrow Connector 49">
+            <a:extLst>
+              <a:ext uri="{FF2B5EF4-FFF2-40B4-BE49-F238E27FC236}">
+                <a16:creationId xmlns:a16="http://schemas.microsoft.com/office/drawing/2014/main" id="{B321D452-72B0-4DFB-AF41-11BFE4C9F2E9}"/>
+              </a:ext>
+            </a:extLst>
+          </p:cNvPr>
+          <p:cNvCxnSpPr>
+            <a:cxnSpLocks/>
+          </p:cNvCxnSpPr>
+          <p:nvPr/>
+        </p:nvCxnSpPr>
+        <p:spPr>
+          <a:xfrm>
+            <a:off x="8376604" y="1757219"/>
+            <a:ext cx="0" cy="371965"/>
+          </a:xfrm>
+          <a:prstGeom prst="straightConnector1">
+            <a:avLst/>
+          </a:prstGeom>
+          <a:ln>
+            <a:tailEnd type="none"/>
+          </a:ln>
+        </p:spPr>
+        <p:style>
+          <a:lnRef idx="1">
+            <a:schemeClr val="accent1"/>
+          </a:lnRef>
+          <a:fillRef idx="0">
+            <a:schemeClr val="accent1"/>
+          </a:fillRef>
+          <a:effectRef idx="0">
+            <a:schemeClr val="accent1"/>
+          </a:effectRef>
+          <a:fontRef idx="minor">
+            <a:schemeClr val="tx1"/>
+          </a:fontRef>
+        </p:style>
+      </p:cxnSp>
+      <p:cxnSp>
+        <p:nvCxnSpPr>
+          <p:cNvPr id="51" name="Straight Arrow Connector 50">
+            <a:extLst>
+              <a:ext uri="{FF2B5EF4-FFF2-40B4-BE49-F238E27FC236}">
+                <a16:creationId xmlns:a16="http://schemas.microsoft.com/office/drawing/2014/main" id="{E3C24D3A-0FFE-449C-BB2F-5861EEB7874D}"/>
+              </a:ext>
+            </a:extLst>
+          </p:cNvPr>
+          <p:cNvCxnSpPr>
+            <a:cxnSpLocks/>
+          </p:cNvCxnSpPr>
+          <p:nvPr/>
+        </p:nvCxnSpPr>
+        <p:spPr>
+          <a:xfrm>
+            <a:off x="7941890" y="1757219"/>
+            <a:ext cx="0" cy="371965"/>
+          </a:xfrm>
+          <a:prstGeom prst="straightConnector1">
+            <a:avLst/>
+          </a:prstGeom>
+          <a:ln>
+            <a:tailEnd type="none"/>
+          </a:ln>
+        </p:spPr>
+        <p:style>
+          <a:lnRef idx="1">
+            <a:schemeClr val="accent1"/>
+          </a:lnRef>
+          <a:fillRef idx="0">
+            <a:schemeClr val="accent1"/>
+          </a:fillRef>
+          <a:effectRef idx="0">
+            <a:schemeClr val="accent1"/>
+          </a:effectRef>
+          <a:fontRef idx="minor">
+            <a:schemeClr val="tx1"/>
+          </a:fontRef>
+        </p:style>
+      </p:cxnSp>
+      <p:cxnSp>
+        <p:nvCxnSpPr>
+          <p:cNvPr id="52" name="Straight Arrow Connector 51">
+            <a:extLst>
+              <a:ext uri="{FF2B5EF4-FFF2-40B4-BE49-F238E27FC236}">
+                <a16:creationId xmlns:a16="http://schemas.microsoft.com/office/drawing/2014/main" id="{C51E0AC9-60CD-4F67-95AF-03F2C96EE870}"/>
+              </a:ext>
+            </a:extLst>
+          </p:cNvPr>
+          <p:cNvCxnSpPr>
+            <a:cxnSpLocks/>
+          </p:cNvCxnSpPr>
+          <p:nvPr/>
+        </p:nvCxnSpPr>
+        <p:spPr>
+          <a:xfrm>
+            <a:off x="8061811" y="1757219"/>
+            <a:ext cx="0" cy="371965"/>
+          </a:xfrm>
+          <a:prstGeom prst="straightConnector1">
+            <a:avLst/>
+          </a:prstGeom>
+          <a:ln>
+            <a:tailEnd type="none"/>
+          </a:ln>
+        </p:spPr>
+        <p:style>
+          <a:lnRef idx="1">
+            <a:schemeClr val="accent1"/>
+          </a:lnRef>
+          <a:fillRef idx="0">
+            <a:schemeClr val="accent1"/>
+          </a:fillRef>
+          <a:effectRef idx="0">
+            <a:schemeClr val="accent1"/>
+          </a:effectRef>
+          <a:fontRef idx="minor">
+            <a:schemeClr val="tx1"/>
+          </a:fontRef>
+        </p:style>
+      </p:cxnSp>
+      <p:sp>
+        <p:nvSpPr>
+          <p:cNvPr id="53" name="TextBox 52">
+            <a:extLst>
+              <a:ext uri="{FF2B5EF4-FFF2-40B4-BE49-F238E27FC236}">
+                <a16:creationId xmlns:a16="http://schemas.microsoft.com/office/drawing/2014/main" id="{599D6058-070E-45B0-8F72-E48F54EF8031}"/>
+              </a:ext>
+            </a:extLst>
+          </p:cNvPr>
+          <p:cNvSpPr txBox="1"/>
+          <p:nvPr/>
+        </p:nvSpPr>
+        <p:spPr>
+          <a:xfrm>
+            <a:off x="10143326" y="2741668"/>
+            <a:ext cx="1873975" cy="369332"/>
+          </a:xfrm>
+          <a:prstGeom prst="rect">
+            <a:avLst/>
+          </a:prstGeom>
+          <a:noFill/>
+        </p:spPr>
+        <p:txBody>
+          <a:bodyPr wrap="none" rtlCol="0">
+            <a:spAutoFit/>
+          </a:bodyPr>
+          <a:lstStyle/>
+          <a:p>
+            <a:r>
+              <a:rPr lang="en-US" dirty="0"/>
+              <a:t>Extracellular spike</a:t>
+            </a:r>
+          </a:p>
+        </p:txBody>
+      </p:sp>
+      <p:sp>
+        <p:nvSpPr>
+          <p:cNvPr id="54" name="TextBox 53">
+            <a:extLst>
+              <a:ext uri="{FF2B5EF4-FFF2-40B4-BE49-F238E27FC236}">
+                <a16:creationId xmlns:a16="http://schemas.microsoft.com/office/drawing/2014/main" id="{DEB02EB8-CF9C-4748-8DA2-7736ABFBB486}"/>
+              </a:ext>
+            </a:extLst>
+          </p:cNvPr>
+          <p:cNvSpPr txBox="1"/>
+          <p:nvPr/>
+        </p:nvSpPr>
+        <p:spPr>
+          <a:xfrm>
+            <a:off x="10143326" y="3174214"/>
+            <a:ext cx="1446230" cy="369332"/>
+          </a:xfrm>
+          <a:prstGeom prst="rect">
+            <a:avLst/>
+          </a:prstGeom>
+          <a:noFill/>
+        </p:spPr>
+        <p:txBody>
+          <a:bodyPr wrap="none" rtlCol="0">
+            <a:spAutoFit/>
+          </a:bodyPr>
+          <a:lstStyle/>
+          <a:p>
+            <a:r>
+              <a:rPr lang="en-US" dirty="0"/>
+              <a:t>Ca</a:t>
+            </a:r>
+            <a:r>
+              <a:rPr lang="en-US" baseline="30000" dirty="0"/>
+              <a:t>2+ </a:t>
+            </a:r>
+            <a:r>
+              <a:rPr lang="en-US" dirty="0"/>
+              <a:t>(GCaMP)</a:t>
+            </a:r>
+            <a:endParaRPr lang="en-US" baseline="30000" dirty="0"/>
+          </a:p>
+        </p:txBody>
+      </p:sp>
+      <p:cxnSp>
+        <p:nvCxnSpPr>
+          <p:cNvPr id="55" name="Straight Arrow Connector 54">
+            <a:extLst>
+              <a:ext uri="{FF2B5EF4-FFF2-40B4-BE49-F238E27FC236}">
+                <a16:creationId xmlns:a16="http://schemas.microsoft.com/office/drawing/2014/main" id="{96054C0E-A637-475F-83EE-AF4E0A3FB052}"/>
+              </a:ext>
+            </a:extLst>
+          </p:cNvPr>
+          <p:cNvCxnSpPr>
+            <a:cxnSpLocks/>
+          </p:cNvCxnSpPr>
+          <p:nvPr/>
+        </p:nvCxnSpPr>
+        <p:spPr>
+          <a:xfrm>
+            <a:off x="8976211" y="2739035"/>
+            <a:ext cx="0" cy="371965"/>
+          </a:xfrm>
+          <a:prstGeom prst="straightConnector1">
+            <a:avLst/>
+          </a:prstGeom>
+          <a:ln>
+            <a:tailEnd type="none"/>
+          </a:ln>
+        </p:spPr>
+        <p:style>
+          <a:lnRef idx="1">
+            <a:schemeClr val="accent1"/>
+          </a:lnRef>
+          <a:fillRef idx="0">
+            <a:schemeClr val="accent1"/>
+          </a:fillRef>
+          <a:effectRef idx="0">
+            <a:schemeClr val="accent1"/>
+          </a:effectRef>
+          <a:fontRef idx="minor">
+            <a:schemeClr val="tx1"/>
+          </a:fontRef>
+        </p:style>
+      </p:cxnSp>
+      <p:cxnSp>
+        <p:nvCxnSpPr>
+          <p:cNvPr id="56" name="Straight Arrow Connector 55">
+            <a:extLst>
+              <a:ext uri="{FF2B5EF4-FFF2-40B4-BE49-F238E27FC236}">
+                <a16:creationId xmlns:a16="http://schemas.microsoft.com/office/drawing/2014/main" id="{92DAF4F3-6ECA-43E3-B2EC-993225B718A7}"/>
+              </a:ext>
+            </a:extLst>
+          </p:cNvPr>
+          <p:cNvCxnSpPr>
+            <a:cxnSpLocks/>
+          </p:cNvCxnSpPr>
+          <p:nvPr/>
+        </p:nvCxnSpPr>
+        <p:spPr>
+          <a:xfrm>
+            <a:off x="5093759" y="2739035"/>
+            <a:ext cx="0" cy="371965"/>
+          </a:xfrm>
+          <a:prstGeom prst="straightConnector1">
+            <a:avLst/>
+          </a:prstGeom>
+          <a:ln>
+            <a:tailEnd type="none"/>
+          </a:ln>
+        </p:spPr>
+        <p:style>
+          <a:lnRef idx="1">
+            <a:schemeClr val="accent1"/>
+          </a:lnRef>
+          <a:fillRef idx="0">
+            <a:schemeClr val="accent1"/>
+          </a:fillRef>
+          <a:effectRef idx="0">
+            <a:schemeClr val="accent1"/>
+          </a:effectRef>
+          <a:fontRef idx="minor">
+            <a:schemeClr val="tx1"/>
+          </a:fontRef>
+        </p:style>
+      </p:cxnSp>
+      <p:cxnSp>
+        <p:nvCxnSpPr>
+          <p:cNvPr id="57" name="Straight Arrow Connector 56">
+            <a:extLst>
+              <a:ext uri="{FF2B5EF4-FFF2-40B4-BE49-F238E27FC236}">
+                <a16:creationId xmlns:a16="http://schemas.microsoft.com/office/drawing/2014/main" id="{DCFB7A72-21DA-4FF4-883A-715C487FE17A}"/>
+              </a:ext>
+            </a:extLst>
+          </p:cNvPr>
+          <p:cNvCxnSpPr>
+            <a:cxnSpLocks/>
+          </p:cNvCxnSpPr>
+          <p:nvPr/>
+        </p:nvCxnSpPr>
+        <p:spPr>
+          <a:xfrm>
+            <a:off x="7689869" y="2739035"/>
+            <a:ext cx="0" cy="371965"/>
+          </a:xfrm>
+          <a:prstGeom prst="straightConnector1">
+            <a:avLst/>
+          </a:prstGeom>
+          <a:ln>
+            <a:tailEnd type="none"/>
+          </a:ln>
+        </p:spPr>
+        <p:style>
+          <a:lnRef idx="1">
+            <a:schemeClr val="accent1"/>
+          </a:lnRef>
+          <a:fillRef idx="0">
+            <a:schemeClr val="accent1"/>
+          </a:fillRef>
+          <a:effectRef idx="0">
+            <a:schemeClr val="accent1"/>
+          </a:effectRef>
+          <a:fontRef idx="minor">
+            <a:schemeClr val="tx1"/>
+          </a:fontRef>
+        </p:style>
+      </p:cxnSp>
+      <p:cxnSp>
+        <p:nvCxnSpPr>
+          <p:cNvPr id="58" name="Straight Arrow Connector 57">
+            <a:extLst>
+              <a:ext uri="{FF2B5EF4-FFF2-40B4-BE49-F238E27FC236}">
+                <a16:creationId xmlns:a16="http://schemas.microsoft.com/office/drawing/2014/main" id="{1EE4E163-2B62-473B-9B72-A77C161831B2}"/>
+              </a:ext>
+            </a:extLst>
+          </p:cNvPr>
+          <p:cNvCxnSpPr>
+            <a:cxnSpLocks/>
+          </p:cNvCxnSpPr>
+          <p:nvPr/>
+        </p:nvCxnSpPr>
+        <p:spPr>
+          <a:xfrm>
+            <a:off x="7012501" y="2739035"/>
+            <a:ext cx="0" cy="371965"/>
+          </a:xfrm>
+          <a:prstGeom prst="straightConnector1">
+            <a:avLst/>
+          </a:prstGeom>
+          <a:ln>
+            <a:tailEnd type="none"/>
+          </a:ln>
+        </p:spPr>
+        <p:style>
+          <a:lnRef idx="1">
+            <a:schemeClr val="accent1"/>
+          </a:lnRef>
+          <a:fillRef idx="0">
+            <a:schemeClr val="accent1"/>
+          </a:fillRef>
+          <a:effectRef idx="0">
+            <a:schemeClr val="accent1"/>
+          </a:effectRef>
+          <a:fontRef idx="minor">
+            <a:schemeClr val="tx1"/>
+          </a:fontRef>
+        </p:style>
+      </p:cxnSp>
+      <p:cxnSp>
+        <p:nvCxnSpPr>
+          <p:cNvPr id="59" name="Straight Arrow Connector 58">
+            <a:extLst>
+              <a:ext uri="{FF2B5EF4-FFF2-40B4-BE49-F238E27FC236}">
+                <a16:creationId xmlns:a16="http://schemas.microsoft.com/office/drawing/2014/main" id="{B64461AC-2B77-4015-9F6D-0E370577BBB4}"/>
+              </a:ext>
+            </a:extLst>
+          </p:cNvPr>
+          <p:cNvCxnSpPr>
+            <a:cxnSpLocks/>
+          </p:cNvCxnSpPr>
+          <p:nvPr/>
+        </p:nvCxnSpPr>
+        <p:spPr>
+          <a:xfrm>
+            <a:off x="4471845" y="2739035"/>
+            <a:ext cx="0" cy="371965"/>
+          </a:xfrm>
+          <a:prstGeom prst="straightConnector1">
+            <a:avLst/>
+          </a:prstGeom>
+          <a:ln>
+            <a:tailEnd type="none"/>
+          </a:ln>
+        </p:spPr>
+        <p:style>
+          <a:lnRef idx="1">
+            <a:schemeClr val="accent1"/>
+          </a:lnRef>
+          <a:fillRef idx="0">
+            <a:schemeClr val="accent1"/>
+          </a:fillRef>
+          <a:effectRef idx="0">
+            <a:schemeClr val="accent1"/>
+          </a:effectRef>
+          <a:fontRef idx="minor">
+            <a:schemeClr val="tx1"/>
+          </a:fontRef>
+        </p:style>
+      </p:cxnSp>
+      <p:cxnSp>
+        <p:nvCxnSpPr>
+          <p:cNvPr id="60" name="Straight Arrow Connector 59">
+            <a:extLst>
+              <a:ext uri="{FF2B5EF4-FFF2-40B4-BE49-F238E27FC236}">
+                <a16:creationId xmlns:a16="http://schemas.microsoft.com/office/drawing/2014/main" id="{FD928DE6-96C6-4F9C-ABFD-D3925FE7783B}"/>
+              </a:ext>
+            </a:extLst>
+          </p:cNvPr>
+          <p:cNvCxnSpPr>
+            <a:cxnSpLocks/>
+          </p:cNvCxnSpPr>
+          <p:nvPr/>
+        </p:nvCxnSpPr>
+        <p:spPr>
+          <a:xfrm>
+            <a:off x="5672015" y="2802249"/>
+            <a:ext cx="0" cy="371965"/>
+          </a:xfrm>
+          <a:prstGeom prst="straightConnector1">
+            <a:avLst/>
+          </a:prstGeom>
+          <a:ln>
+            <a:tailEnd type="none"/>
+          </a:ln>
+        </p:spPr>
+        <p:style>
+          <a:lnRef idx="1">
+            <a:schemeClr val="accent1"/>
+          </a:lnRef>
+          <a:fillRef idx="0">
+            <a:schemeClr val="accent1"/>
+          </a:fillRef>
+          <a:effectRef idx="0">
+            <a:schemeClr val="accent1"/>
+          </a:effectRef>
+          <a:fontRef idx="minor">
+            <a:schemeClr val="tx1"/>
+          </a:fontRef>
+        </p:style>
+      </p:cxnSp>
+      <p:cxnSp>
+        <p:nvCxnSpPr>
+          <p:cNvPr id="61" name="Straight Arrow Connector 60">
+            <a:extLst>
+              <a:ext uri="{FF2B5EF4-FFF2-40B4-BE49-F238E27FC236}">
+                <a16:creationId xmlns:a16="http://schemas.microsoft.com/office/drawing/2014/main" id="{96D2281A-E962-4D1C-A4E0-B107426C66DC}"/>
+              </a:ext>
+            </a:extLst>
+          </p:cNvPr>
+          <p:cNvCxnSpPr>
+            <a:cxnSpLocks/>
+          </p:cNvCxnSpPr>
+          <p:nvPr/>
+        </p:nvCxnSpPr>
+        <p:spPr>
+          <a:xfrm>
+            <a:off x="1789563" y="2802249"/>
+            <a:ext cx="0" cy="371965"/>
+          </a:xfrm>
+          <a:prstGeom prst="straightConnector1">
+            <a:avLst/>
+          </a:prstGeom>
+          <a:ln>
+            <a:tailEnd type="none"/>
+          </a:ln>
+        </p:spPr>
+        <p:style>
+          <a:lnRef idx="1">
+            <a:schemeClr val="accent1"/>
+          </a:lnRef>
+          <a:fillRef idx="0">
+            <a:schemeClr val="accent1"/>
+          </a:fillRef>
+          <a:effectRef idx="0">
+            <a:schemeClr val="accent1"/>
+          </a:effectRef>
+          <a:fontRef idx="minor">
+            <a:schemeClr val="tx1"/>
+          </a:fontRef>
+        </p:style>
+      </p:cxnSp>
+      <p:sp>
+        <p:nvSpPr>
+          <p:cNvPr id="62" name="Freeform: Shape 61">
+            <a:extLst>
+              <a:ext uri="{FF2B5EF4-FFF2-40B4-BE49-F238E27FC236}">
+                <a16:creationId xmlns:a16="http://schemas.microsoft.com/office/drawing/2014/main" id="{6A0B4464-775A-47ED-8FDF-DE12775249A8}"/>
+              </a:ext>
+            </a:extLst>
+          </p:cNvPr>
+          <p:cNvSpPr/>
+          <p:nvPr/>
+        </p:nvSpPr>
+        <p:spPr>
+          <a:xfrm flipH="1">
+            <a:off x="1045026" y="3240144"/>
+            <a:ext cx="8986868" cy="213462"/>
+          </a:xfrm>
+          <a:custGeom>
+            <a:avLst/>
+            <a:gdLst>
+              <a:gd name="connsiteX0" fmla="*/ 0 w 10348685"/>
+              <a:gd name="connsiteY0" fmla="*/ 899885 h 1103085"/>
+              <a:gd name="connsiteX1" fmla="*/ 72571 w 10348685"/>
+              <a:gd name="connsiteY1" fmla="*/ 798285 h 1103085"/>
+              <a:gd name="connsiteX2" fmla="*/ 87085 w 10348685"/>
+              <a:gd name="connsiteY2" fmla="*/ 754742 h 1103085"/>
+              <a:gd name="connsiteX3" fmla="*/ 174171 w 10348685"/>
+              <a:gd name="connsiteY3" fmla="*/ 667657 h 1103085"/>
+              <a:gd name="connsiteX4" fmla="*/ 217714 w 10348685"/>
+              <a:gd name="connsiteY4" fmla="*/ 624114 h 1103085"/>
+              <a:gd name="connsiteX5" fmla="*/ 319314 w 10348685"/>
+              <a:gd name="connsiteY5" fmla="*/ 508000 h 1103085"/>
+              <a:gd name="connsiteX6" fmla="*/ 377371 w 10348685"/>
+              <a:gd name="connsiteY6" fmla="*/ 493485 h 1103085"/>
+              <a:gd name="connsiteX7" fmla="*/ 464457 w 10348685"/>
+              <a:gd name="connsiteY7" fmla="*/ 464457 h 1103085"/>
+              <a:gd name="connsiteX8" fmla="*/ 609600 w 10348685"/>
+              <a:gd name="connsiteY8" fmla="*/ 435428 h 1103085"/>
+              <a:gd name="connsiteX9" fmla="*/ 972457 w 10348685"/>
+              <a:gd name="connsiteY9" fmla="*/ 464457 h 1103085"/>
+              <a:gd name="connsiteX10" fmla="*/ 1132114 w 10348685"/>
+              <a:gd name="connsiteY10" fmla="*/ 537028 h 1103085"/>
+              <a:gd name="connsiteX11" fmla="*/ 1233714 w 10348685"/>
+              <a:gd name="connsiteY11" fmla="*/ 566057 h 1103085"/>
+              <a:gd name="connsiteX12" fmla="*/ 1364342 w 10348685"/>
+              <a:gd name="connsiteY12" fmla="*/ 653142 h 1103085"/>
+              <a:gd name="connsiteX13" fmla="*/ 1407885 w 10348685"/>
+              <a:gd name="connsiteY13" fmla="*/ 696685 h 1103085"/>
+              <a:gd name="connsiteX14" fmla="*/ 1465942 w 10348685"/>
+              <a:gd name="connsiteY14" fmla="*/ 725714 h 1103085"/>
+              <a:gd name="connsiteX15" fmla="*/ 1509485 w 10348685"/>
+              <a:gd name="connsiteY15" fmla="*/ 769257 h 1103085"/>
+              <a:gd name="connsiteX16" fmla="*/ 1596571 w 10348685"/>
+              <a:gd name="connsiteY16" fmla="*/ 827314 h 1103085"/>
+              <a:gd name="connsiteX17" fmla="*/ 1654628 w 10348685"/>
+              <a:gd name="connsiteY17" fmla="*/ 870857 h 1103085"/>
+              <a:gd name="connsiteX18" fmla="*/ 1770742 w 10348685"/>
+              <a:gd name="connsiteY18" fmla="*/ 914400 h 1103085"/>
+              <a:gd name="connsiteX19" fmla="*/ 1886857 w 10348685"/>
+              <a:gd name="connsiteY19" fmla="*/ 928914 h 1103085"/>
+              <a:gd name="connsiteX20" fmla="*/ 2032000 w 10348685"/>
+              <a:gd name="connsiteY20" fmla="*/ 943428 h 1103085"/>
+              <a:gd name="connsiteX21" fmla="*/ 2162628 w 10348685"/>
+              <a:gd name="connsiteY21" fmla="*/ 986971 h 1103085"/>
+              <a:gd name="connsiteX22" fmla="*/ 2598057 w 10348685"/>
+              <a:gd name="connsiteY22" fmla="*/ 957942 h 1103085"/>
+              <a:gd name="connsiteX23" fmla="*/ 2670628 w 10348685"/>
+              <a:gd name="connsiteY23" fmla="*/ 943428 h 1103085"/>
+              <a:gd name="connsiteX24" fmla="*/ 2743200 w 10348685"/>
+              <a:gd name="connsiteY24" fmla="*/ 914400 h 1103085"/>
+              <a:gd name="connsiteX25" fmla="*/ 2917371 w 10348685"/>
+              <a:gd name="connsiteY25" fmla="*/ 856342 h 1103085"/>
+              <a:gd name="connsiteX26" fmla="*/ 3004457 w 10348685"/>
+              <a:gd name="connsiteY26" fmla="*/ 812800 h 1103085"/>
+              <a:gd name="connsiteX27" fmla="*/ 3106057 w 10348685"/>
+              <a:gd name="connsiteY27" fmla="*/ 798285 h 1103085"/>
+              <a:gd name="connsiteX28" fmla="*/ 3193142 w 10348685"/>
+              <a:gd name="connsiteY28" fmla="*/ 769257 h 1103085"/>
+              <a:gd name="connsiteX29" fmla="*/ 3236685 w 10348685"/>
+              <a:gd name="connsiteY29" fmla="*/ 725714 h 1103085"/>
+              <a:gd name="connsiteX30" fmla="*/ 3367314 w 10348685"/>
+              <a:gd name="connsiteY30" fmla="*/ 682171 h 1103085"/>
+              <a:gd name="connsiteX31" fmla="*/ 3439885 w 10348685"/>
+              <a:gd name="connsiteY31" fmla="*/ 653142 h 1103085"/>
+              <a:gd name="connsiteX32" fmla="*/ 3512457 w 10348685"/>
+              <a:gd name="connsiteY32" fmla="*/ 609600 h 1103085"/>
+              <a:gd name="connsiteX33" fmla="*/ 3599542 w 10348685"/>
+              <a:gd name="connsiteY33" fmla="*/ 595085 h 1103085"/>
+              <a:gd name="connsiteX34" fmla="*/ 3744685 w 10348685"/>
+              <a:gd name="connsiteY34" fmla="*/ 522514 h 1103085"/>
+              <a:gd name="connsiteX35" fmla="*/ 3788228 w 10348685"/>
+              <a:gd name="connsiteY35" fmla="*/ 508000 h 1103085"/>
+              <a:gd name="connsiteX36" fmla="*/ 4020457 w 10348685"/>
+              <a:gd name="connsiteY36" fmla="*/ 478971 h 1103085"/>
+              <a:gd name="connsiteX37" fmla="*/ 4180114 w 10348685"/>
+              <a:gd name="connsiteY37" fmla="*/ 449942 h 1103085"/>
+              <a:gd name="connsiteX38" fmla="*/ 4383314 w 10348685"/>
+              <a:gd name="connsiteY38" fmla="*/ 478971 h 1103085"/>
+              <a:gd name="connsiteX39" fmla="*/ 4513942 w 10348685"/>
+              <a:gd name="connsiteY39" fmla="*/ 609600 h 1103085"/>
+              <a:gd name="connsiteX40" fmla="*/ 4557485 w 10348685"/>
+              <a:gd name="connsiteY40" fmla="*/ 653142 h 1103085"/>
+              <a:gd name="connsiteX41" fmla="*/ 4586514 w 10348685"/>
+              <a:gd name="connsiteY41" fmla="*/ 696685 h 1103085"/>
+              <a:gd name="connsiteX42" fmla="*/ 4673600 w 10348685"/>
+              <a:gd name="connsiteY42" fmla="*/ 754742 h 1103085"/>
+              <a:gd name="connsiteX43" fmla="*/ 4775200 w 10348685"/>
+              <a:gd name="connsiteY43" fmla="*/ 841828 h 1103085"/>
+              <a:gd name="connsiteX44" fmla="*/ 4847771 w 10348685"/>
+              <a:gd name="connsiteY44" fmla="*/ 899885 h 1103085"/>
+              <a:gd name="connsiteX45" fmla="*/ 4949371 w 10348685"/>
+              <a:gd name="connsiteY45" fmla="*/ 957942 h 1103085"/>
+              <a:gd name="connsiteX46" fmla="*/ 5065485 w 10348685"/>
+              <a:gd name="connsiteY46" fmla="*/ 1030514 h 1103085"/>
+              <a:gd name="connsiteX47" fmla="*/ 5123542 w 10348685"/>
+              <a:gd name="connsiteY47" fmla="*/ 1074057 h 1103085"/>
+              <a:gd name="connsiteX48" fmla="*/ 5225142 w 10348685"/>
+              <a:gd name="connsiteY48" fmla="*/ 1088571 h 1103085"/>
+              <a:gd name="connsiteX49" fmla="*/ 5413828 w 10348685"/>
+              <a:gd name="connsiteY49" fmla="*/ 1103085 h 1103085"/>
+              <a:gd name="connsiteX50" fmla="*/ 5820228 w 10348685"/>
+              <a:gd name="connsiteY50" fmla="*/ 1074057 h 1103085"/>
+              <a:gd name="connsiteX51" fmla="*/ 5878285 w 10348685"/>
+              <a:gd name="connsiteY51" fmla="*/ 1030514 h 1103085"/>
+              <a:gd name="connsiteX52" fmla="*/ 6168571 w 10348685"/>
+              <a:gd name="connsiteY52" fmla="*/ 972457 h 1103085"/>
+              <a:gd name="connsiteX53" fmla="*/ 6429828 w 10348685"/>
+              <a:gd name="connsiteY53" fmla="*/ 856342 h 1103085"/>
+              <a:gd name="connsiteX54" fmla="*/ 6531428 w 10348685"/>
+              <a:gd name="connsiteY54" fmla="*/ 841828 h 1103085"/>
+              <a:gd name="connsiteX55" fmla="*/ 6966857 w 10348685"/>
+              <a:gd name="connsiteY55" fmla="*/ 711200 h 1103085"/>
+              <a:gd name="connsiteX56" fmla="*/ 7126514 w 10348685"/>
+              <a:gd name="connsiteY56" fmla="*/ 609600 h 1103085"/>
+              <a:gd name="connsiteX57" fmla="*/ 7329714 w 10348685"/>
+              <a:gd name="connsiteY57" fmla="*/ 508000 h 1103085"/>
+              <a:gd name="connsiteX58" fmla="*/ 7402285 w 10348685"/>
+              <a:gd name="connsiteY58" fmla="*/ 449942 h 1103085"/>
+              <a:gd name="connsiteX59" fmla="*/ 7474857 w 10348685"/>
+              <a:gd name="connsiteY59" fmla="*/ 420914 h 1103085"/>
+              <a:gd name="connsiteX60" fmla="*/ 7576457 w 10348685"/>
+              <a:gd name="connsiteY60" fmla="*/ 348342 h 1103085"/>
+              <a:gd name="connsiteX61" fmla="*/ 7649028 w 10348685"/>
+              <a:gd name="connsiteY61" fmla="*/ 304800 h 1103085"/>
+              <a:gd name="connsiteX62" fmla="*/ 7736114 w 10348685"/>
+              <a:gd name="connsiteY62" fmla="*/ 246742 h 1103085"/>
+              <a:gd name="connsiteX63" fmla="*/ 7881257 w 10348685"/>
+              <a:gd name="connsiteY63" fmla="*/ 203200 h 1103085"/>
+              <a:gd name="connsiteX64" fmla="*/ 7982857 w 10348685"/>
+              <a:gd name="connsiteY64" fmla="*/ 145142 h 1103085"/>
+              <a:gd name="connsiteX65" fmla="*/ 8098971 w 10348685"/>
+              <a:gd name="connsiteY65" fmla="*/ 58057 h 1103085"/>
+              <a:gd name="connsiteX66" fmla="*/ 8142514 w 10348685"/>
+              <a:gd name="connsiteY66" fmla="*/ 29028 h 1103085"/>
+              <a:gd name="connsiteX67" fmla="*/ 8229600 w 10348685"/>
+              <a:gd name="connsiteY67" fmla="*/ 0 h 1103085"/>
+              <a:gd name="connsiteX68" fmla="*/ 8650514 w 10348685"/>
+              <a:gd name="connsiteY68" fmla="*/ 14514 h 1103085"/>
+              <a:gd name="connsiteX69" fmla="*/ 8694057 w 10348685"/>
+              <a:gd name="connsiteY69" fmla="*/ 43542 h 1103085"/>
+              <a:gd name="connsiteX70" fmla="*/ 8737600 w 10348685"/>
+              <a:gd name="connsiteY70" fmla="*/ 58057 h 1103085"/>
+              <a:gd name="connsiteX71" fmla="*/ 8839200 w 10348685"/>
+              <a:gd name="connsiteY71" fmla="*/ 130628 h 1103085"/>
+              <a:gd name="connsiteX72" fmla="*/ 8911771 w 10348685"/>
+              <a:gd name="connsiteY72" fmla="*/ 174171 h 1103085"/>
+              <a:gd name="connsiteX73" fmla="*/ 8969828 w 10348685"/>
+              <a:gd name="connsiteY73" fmla="*/ 203200 h 1103085"/>
+              <a:gd name="connsiteX74" fmla="*/ 9013371 w 10348685"/>
+              <a:gd name="connsiteY74" fmla="*/ 232228 h 1103085"/>
+              <a:gd name="connsiteX75" fmla="*/ 9071428 w 10348685"/>
+              <a:gd name="connsiteY75" fmla="*/ 261257 h 1103085"/>
+              <a:gd name="connsiteX76" fmla="*/ 9114971 w 10348685"/>
+              <a:gd name="connsiteY76" fmla="*/ 304800 h 1103085"/>
+              <a:gd name="connsiteX77" fmla="*/ 9187542 w 10348685"/>
+              <a:gd name="connsiteY77" fmla="*/ 362857 h 1103085"/>
+              <a:gd name="connsiteX78" fmla="*/ 9260114 w 10348685"/>
+              <a:gd name="connsiteY78" fmla="*/ 478971 h 1103085"/>
+              <a:gd name="connsiteX79" fmla="*/ 9318171 w 10348685"/>
+              <a:gd name="connsiteY79" fmla="*/ 566057 h 1103085"/>
+              <a:gd name="connsiteX80" fmla="*/ 9347200 w 10348685"/>
+              <a:gd name="connsiteY80" fmla="*/ 667657 h 1103085"/>
+              <a:gd name="connsiteX81" fmla="*/ 9405257 w 10348685"/>
+              <a:gd name="connsiteY81" fmla="*/ 783771 h 1103085"/>
+              <a:gd name="connsiteX82" fmla="*/ 9419771 w 10348685"/>
+              <a:gd name="connsiteY82" fmla="*/ 841828 h 1103085"/>
+              <a:gd name="connsiteX83" fmla="*/ 9579428 w 10348685"/>
+              <a:gd name="connsiteY83" fmla="*/ 972457 h 1103085"/>
+              <a:gd name="connsiteX84" fmla="*/ 9637485 w 10348685"/>
+              <a:gd name="connsiteY84" fmla="*/ 1016000 h 1103085"/>
+              <a:gd name="connsiteX85" fmla="*/ 9681028 w 10348685"/>
+              <a:gd name="connsiteY85" fmla="*/ 1030514 h 1103085"/>
+              <a:gd name="connsiteX86" fmla="*/ 9956800 w 10348685"/>
+              <a:gd name="connsiteY86" fmla="*/ 1016000 h 1103085"/>
+              <a:gd name="connsiteX87" fmla="*/ 10101942 w 10348685"/>
+              <a:gd name="connsiteY87" fmla="*/ 972457 h 1103085"/>
+              <a:gd name="connsiteX88" fmla="*/ 10189028 w 10348685"/>
+              <a:gd name="connsiteY88" fmla="*/ 914400 h 1103085"/>
+              <a:gd name="connsiteX89" fmla="*/ 10290628 w 10348685"/>
+              <a:gd name="connsiteY89" fmla="*/ 870857 h 1103085"/>
+              <a:gd name="connsiteX90" fmla="*/ 10348685 w 10348685"/>
+              <a:gd name="connsiteY90" fmla="*/ 812800 h 1103085"/>
+            </a:gdLst>
+            <a:ahLst/>
+            <a:cxnLst>
+              <a:cxn ang="0">
+                <a:pos x="connsiteX0" y="connsiteY0"/>
+              </a:cxn>
+              <a:cxn ang="0">
+                <a:pos x="connsiteX1" y="connsiteY1"/>
+              </a:cxn>
+              <a:cxn ang="0">
+                <a:pos x="connsiteX2" y="connsiteY2"/>
+              </a:cxn>
+              <a:cxn ang="0">
+                <a:pos x="connsiteX3" y="connsiteY3"/>
+              </a:cxn>
+              <a:cxn ang="0">
+                <a:pos x="connsiteX4" y="connsiteY4"/>
+              </a:cxn>
+              <a:cxn ang="0">
+                <a:pos x="connsiteX5" y="connsiteY5"/>
+              </a:cxn>
+              <a:cxn ang="0">
+                <a:pos x="connsiteX6" y="connsiteY6"/>
+              </a:cxn>
+              <a:cxn ang="0">
+                <a:pos x="connsiteX7" y="connsiteY7"/>
+              </a:cxn>
+              <a:cxn ang="0">
+                <a:pos x="connsiteX8" y="connsiteY8"/>
+              </a:cxn>
+              <a:cxn ang="0">
+                <a:pos x="connsiteX9" y="connsiteY9"/>
+              </a:cxn>
+              <a:cxn ang="0">
+                <a:pos x="connsiteX10" y="connsiteY10"/>
+              </a:cxn>
+              <a:cxn ang="0">
+                <a:pos x="connsiteX11" y="connsiteY11"/>
+              </a:cxn>
+              <a:cxn ang="0">
+                <a:pos x="connsiteX12" y="connsiteY12"/>
+              </a:cxn>
+              <a:cxn ang="0">
+                <a:pos x="connsiteX13" y="connsiteY13"/>
+              </a:cxn>
+              <a:cxn ang="0">
+                <a:pos x="connsiteX14" y="connsiteY14"/>
+              </a:cxn>
+              <a:cxn ang="0">
+                <a:pos x="connsiteX15" y="connsiteY15"/>
+              </a:cxn>
+              <a:cxn ang="0">
+                <a:pos x="connsiteX16" y="connsiteY16"/>
+              </a:cxn>
+              <a:cxn ang="0">
+                <a:pos x="connsiteX17" y="connsiteY17"/>
+              </a:cxn>
+              <a:cxn ang="0">
+                <a:pos x="connsiteX18" y="connsiteY18"/>
+              </a:cxn>
+              <a:cxn ang="0">
+                <a:pos x="connsiteX19" y="connsiteY19"/>
+              </a:cxn>
+              <a:cxn ang="0">
+                <a:pos x="connsiteX20" y="connsiteY20"/>
+              </a:cxn>
+              <a:cxn ang="0">
+                <a:pos x="connsiteX21" y="connsiteY21"/>
+              </a:cxn>
+              <a:cxn ang="0">
+                <a:pos x="connsiteX22" y="connsiteY22"/>
+              </a:cxn>
+              <a:cxn ang="0">
+                <a:pos x="connsiteX23" y="connsiteY23"/>
+              </a:cxn>
+              <a:cxn ang="0">
+                <a:pos x="connsiteX24" y="connsiteY24"/>
+              </a:cxn>
+              <a:cxn ang="0">
+                <a:pos x="connsiteX25" y="connsiteY25"/>
+              </a:cxn>
+              <a:cxn ang="0">
+                <a:pos x="connsiteX26" y="connsiteY26"/>
+              </a:cxn>
+              <a:cxn ang="0">
+                <a:pos x="connsiteX27" y="connsiteY27"/>
+              </a:cxn>
+              <a:cxn ang="0">
+                <a:pos x="connsiteX28" y="connsiteY28"/>
+              </a:cxn>
+              <a:cxn ang="0">
+                <a:pos x="connsiteX29" y="connsiteY29"/>
+              </a:cxn>
+              <a:cxn ang="0">
+                <a:pos x="connsiteX30" y="connsiteY30"/>
+              </a:cxn>
+              <a:cxn ang="0">
+                <a:pos x="connsiteX31" y="connsiteY31"/>
+              </a:cxn>
+              <a:cxn ang="0">
+                <a:pos x="connsiteX32" y="connsiteY32"/>
+              </a:cxn>
+              <a:cxn ang="0">
+                <a:pos x="connsiteX33" y="connsiteY33"/>
+              </a:cxn>
+              <a:cxn ang="0">
+                <a:pos x="connsiteX34" y="connsiteY34"/>
+              </a:cxn>
+              <a:cxn ang="0">
+                <a:pos x="connsiteX35" y="connsiteY35"/>
+              </a:cxn>
+              <a:cxn ang="0">
+                <a:pos x="connsiteX36" y="connsiteY36"/>
+              </a:cxn>
+              <a:cxn ang="0">
+                <a:pos x="connsiteX37" y="connsiteY37"/>
+              </a:cxn>
+              <a:cxn ang="0">
+                <a:pos x="connsiteX38" y="connsiteY38"/>
+              </a:cxn>
+              <a:cxn ang="0">
+                <a:pos x="connsiteX39" y="connsiteY39"/>
+              </a:cxn>
+              <a:cxn ang="0">
+                <a:pos x="connsiteX40" y="connsiteY40"/>
+              </a:cxn>
+              <a:cxn ang="0">
+                <a:pos x="connsiteX41" y="connsiteY41"/>
+              </a:cxn>
+              <a:cxn ang="0">
+                <a:pos x="connsiteX42" y="connsiteY42"/>
+              </a:cxn>
+              <a:cxn ang="0">
+                <a:pos x="connsiteX43" y="connsiteY43"/>
+              </a:cxn>
+              <a:cxn ang="0">
+                <a:pos x="connsiteX44" y="connsiteY44"/>
+              </a:cxn>
+              <a:cxn ang="0">
+                <a:pos x="connsiteX45" y="connsiteY45"/>
+              </a:cxn>
+              <a:cxn ang="0">
+                <a:pos x="connsiteX46" y="connsiteY46"/>
+              </a:cxn>
+              <a:cxn ang="0">
+                <a:pos x="connsiteX47" y="connsiteY47"/>
+              </a:cxn>
+              <a:cxn ang="0">
+                <a:pos x="connsiteX48" y="connsiteY48"/>
+              </a:cxn>
+              <a:cxn ang="0">
+                <a:pos x="connsiteX49" y="connsiteY49"/>
+              </a:cxn>
+              <a:cxn ang="0">
+                <a:pos x="connsiteX50" y="connsiteY50"/>
+              </a:cxn>
+              <a:cxn ang="0">
+                <a:pos x="connsiteX51" y="connsiteY51"/>
+              </a:cxn>
+              <a:cxn ang="0">
+                <a:pos x="connsiteX52" y="connsiteY52"/>
+              </a:cxn>
+              <a:cxn ang="0">
+                <a:pos x="connsiteX53" y="connsiteY53"/>
+              </a:cxn>
+              <a:cxn ang="0">
+                <a:pos x="connsiteX54" y="connsiteY54"/>
+              </a:cxn>
+              <a:cxn ang="0">
+                <a:pos x="connsiteX55" y="connsiteY55"/>
+              </a:cxn>
+              <a:cxn ang="0">
+                <a:pos x="connsiteX56" y="connsiteY56"/>
+              </a:cxn>
+              <a:cxn ang="0">
+                <a:pos x="connsiteX57" y="connsiteY57"/>
+              </a:cxn>
+              <a:cxn ang="0">
+                <a:pos x="connsiteX58" y="connsiteY58"/>
+              </a:cxn>
+              <a:cxn ang="0">
+                <a:pos x="connsiteX59" y="connsiteY59"/>
+              </a:cxn>
+              <a:cxn ang="0">
+                <a:pos x="connsiteX60" y="connsiteY60"/>
+              </a:cxn>
+              <a:cxn ang="0">
+                <a:pos x="connsiteX61" y="connsiteY61"/>
+              </a:cxn>
+              <a:cxn ang="0">
+                <a:pos x="connsiteX62" y="connsiteY62"/>
+              </a:cxn>
+              <a:cxn ang="0">
+                <a:pos x="connsiteX63" y="connsiteY63"/>
+              </a:cxn>
+              <a:cxn ang="0">
+                <a:pos x="connsiteX64" y="connsiteY64"/>
+              </a:cxn>
+              <a:cxn ang="0">
+                <a:pos x="connsiteX65" y="connsiteY65"/>
+              </a:cxn>
+              <a:cxn ang="0">
+                <a:pos x="connsiteX66" y="connsiteY66"/>
+              </a:cxn>
+              <a:cxn ang="0">
+                <a:pos x="connsiteX67" y="connsiteY67"/>
+              </a:cxn>
+              <a:cxn ang="0">
+                <a:pos x="connsiteX68" y="connsiteY68"/>
+              </a:cxn>
+              <a:cxn ang="0">
+                <a:pos x="connsiteX69" y="connsiteY69"/>
+              </a:cxn>
+              <a:cxn ang="0">
+                <a:pos x="connsiteX70" y="connsiteY70"/>
+              </a:cxn>
+              <a:cxn ang="0">
+                <a:pos x="connsiteX71" y="connsiteY71"/>
+              </a:cxn>
+              <a:cxn ang="0">
+                <a:pos x="connsiteX72" y="connsiteY72"/>
+              </a:cxn>
+              <a:cxn ang="0">
+                <a:pos x="connsiteX73" y="connsiteY73"/>
+              </a:cxn>
+              <a:cxn ang="0">
+                <a:pos x="connsiteX74" y="connsiteY74"/>
+              </a:cxn>
+              <a:cxn ang="0">
+                <a:pos x="connsiteX75" y="connsiteY75"/>
+              </a:cxn>
+              <a:cxn ang="0">
+                <a:pos x="connsiteX76" y="connsiteY76"/>
+              </a:cxn>
+              <a:cxn ang="0">
+                <a:pos x="connsiteX77" y="connsiteY77"/>
+              </a:cxn>
+              <a:cxn ang="0">
+                <a:pos x="connsiteX78" y="connsiteY78"/>
+              </a:cxn>
+              <a:cxn ang="0">
+                <a:pos x="connsiteX79" y="connsiteY79"/>
+              </a:cxn>
+              <a:cxn ang="0">
+                <a:pos x="connsiteX80" y="connsiteY80"/>
+              </a:cxn>
+              <a:cxn ang="0">
+                <a:pos x="connsiteX81" y="connsiteY81"/>
+              </a:cxn>
+              <a:cxn ang="0">
+                <a:pos x="connsiteX82" y="connsiteY82"/>
+              </a:cxn>
+              <a:cxn ang="0">
+                <a:pos x="connsiteX83" y="connsiteY83"/>
+              </a:cxn>
+              <a:cxn ang="0">
+                <a:pos x="connsiteX84" y="connsiteY84"/>
+              </a:cxn>
+              <a:cxn ang="0">
+                <a:pos x="connsiteX85" y="connsiteY85"/>
+              </a:cxn>
+              <a:cxn ang="0">
+                <a:pos x="connsiteX86" y="connsiteY86"/>
+              </a:cxn>
+              <a:cxn ang="0">
+                <a:pos x="connsiteX87" y="connsiteY87"/>
+              </a:cxn>
+              <a:cxn ang="0">
+                <a:pos x="connsiteX88" y="connsiteY88"/>
+              </a:cxn>
+              <a:cxn ang="0">
+                <a:pos x="connsiteX89" y="connsiteY89"/>
+              </a:cxn>
+              <a:cxn ang="0">
+                <a:pos x="connsiteX90" y="connsiteY90"/>
+              </a:cxn>
+            </a:cxnLst>
+            <a:rect l="l" t="t" r="r" b="b"/>
+            <a:pathLst>
+              <a:path w="10348685" h="1103085">
+                <a:moveTo>
+                  <a:pt x="0" y="899885"/>
+                </a:moveTo>
+                <a:cubicBezTo>
+                  <a:pt x="24190" y="866018"/>
+                  <a:pt x="51158" y="833973"/>
+                  <a:pt x="72571" y="798285"/>
+                </a:cubicBezTo>
+                <a:cubicBezTo>
+                  <a:pt x="80442" y="785166"/>
+                  <a:pt x="77692" y="766819"/>
+                  <a:pt x="87085" y="754742"/>
+                </a:cubicBezTo>
+                <a:cubicBezTo>
+                  <a:pt x="112289" y="722337"/>
+                  <a:pt x="145142" y="696685"/>
+                  <a:pt x="174171" y="667657"/>
+                </a:cubicBezTo>
+                <a:cubicBezTo>
+                  <a:pt x="188685" y="653143"/>
+                  <a:pt x="205398" y="640535"/>
+                  <a:pt x="217714" y="624114"/>
+                </a:cubicBezTo>
+                <a:cubicBezTo>
+                  <a:pt x="242507" y="591057"/>
+                  <a:pt x="283944" y="530107"/>
+                  <a:pt x="319314" y="508000"/>
+                </a:cubicBezTo>
+                <a:cubicBezTo>
+                  <a:pt x="336230" y="497428"/>
+                  <a:pt x="358264" y="499217"/>
+                  <a:pt x="377371" y="493485"/>
+                </a:cubicBezTo>
+                <a:cubicBezTo>
+                  <a:pt x="406679" y="484692"/>
+                  <a:pt x="434452" y="470458"/>
+                  <a:pt x="464457" y="464457"/>
+                </a:cubicBezTo>
+                <a:lnTo>
+                  <a:pt x="609600" y="435428"/>
+                </a:lnTo>
+                <a:cubicBezTo>
+                  <a:pt x="730552" y="445104"/>
+                  <a:pt x="851762" y="451971"/>
+                  <a:pt x="972457" y="464457"/>
+                </a:cubicBezTo>
+                <a:cubicBezTo>
+                  <a:pt x="1051852" y="472670"/>
+                  <a:pt x="1045465" y="499893"/>
+                  <a:pt x="1132114" y="537028"/>
+                </a:cubicBezTo>
+                <a:cubicBezTo>
+                  <a:pt x="1164488" y="550903"/>
+                  <a:pt x="1199847" y="556381"/>
+                  <a:pt x="1233714" y="566057"/>
+                </a:cubicBezTo>
+                <a:cubicBezTo>
+                  <a:pt x="1371950" y="704293"/>
+                  <a:pt x="1207570" y="555160"/>
+                  <a:pt x="1364342" y="653142"/>
+                </a:cubicBezTo>
+                <a:cubicBezTo>
+                  <a:pt x="1381748" y="664021"/>
+                  <a:pt x="1391182" y="684754"/>
+                  <a:pt x="1407885" y="696685"/>
+                </a:cubicBezTo>
+                <a:cubicBezTo>
+                  <a:pt x="1425491" y="709261"/>
+                  <a:pt x="1448336" y="713138"/>
+                  <a:pt x="1465942" y="725714"/>
+                </a:cubicBezTo>
+                <a:cubicBezTo>
+                  <a:pt x="1482645" y="737645"/>
+                  <a:pt x="1493282" y="756655"/>
+                  <a:pt x="1509485" y="769257"/>
+                </a:cubicBezTo>
+                <a:cubicBezTo>
+                  <a:pt x="1537024" y="790676"/>
+                  <a:pt x="1568661" y="806381"/>
+                  <a:pt x="1596571" y="827314"/>
+                </a:cubicBezTo>
+                <a:cubicBezTo>
+                  <a:pt x="1615923" y="841828"/>
+                  <a:pt x="1633482" y="859109"/>
+                  <a:pt x="1654628" y="870857"/>
+                </a:cubicBezTo>
+                <a:cubicBezTo>
+                  <a:pt x="1658152" y="872815"/>
+                  <a:pt x="1751370" y="910878"/>
+                  <a:pt x="1770742" y="914400"/>
+                </a:cubicBezTo>
+                <a:cubicBezTo>
+                  <a:pt x="1809119" y="921378"/>
+                  <a:pt x="1848089" y="924607"/>
+                  <a:pt x="1886857" y="928914"/>
+                </a:cubicBezTo>
+                <a:cubicBezTo>
+                  <a:pt x="1935182" y="934283"/>
+                  <a:pt x="1983619" y="938590"/>
+                  <a:pt x="2032000" y="943428"/>
+                </a:cubicBezTo>
+                <a:cubicBezTo>
+                  <a:pt x="2075543" y="957942"/>
+                  <a:pt x="2116805" y="984352"/>
+                  <a:pt x="2162628" y="986971"/>
+                </a:cubicBezTo>
+                <a:cubicBezTo>
+                  <a:pt x="2537062" y="1008368"/>
+                  <a:pt x="2421499" y="997178"/>
+                  <a:pt x="2598057" y="957942"/>
+                </a:cubicBezTo>
+                <a:cubicBezTo>
+                  <a:pt x="2622139" y="952590"/>
+                  <a:pt x="2646999" y="950517"/>
+                  <a:pt x="2670628" y="943428"/>
+                </a:cubicBezTo>
+                <a:cubicBezTo>
+                  <a:pt x="2695583" y="935942"/>
+                  <a:pt x="2718631" y="923071"/>
+                  <a:pt x="2743200" y="914400"/>
+                </a:cubicBezTo>
+                <a:cubicBezTo>
+                  <a:pt x="2800909" y="894032"/>
+                  <a:pt x="2862634" y="883710"/>
+                  <a:pt x="2917371" y="856342"/>
+                </a:cubicBezTo>
+                <a:cubicBezTo>
+                  <a:pt x="2946400" y="841828"/>
+                  <a:pt x="2973437" y="822344"/>
+                  <a:pt x="3004457" y="812800"/>
+                </a:cubicBezTo>
+                <a:cubicBezTo>
+                  <a:pt x="3037155" y="802739"/>
+                  <a:pt x="3072190" y="803123"/>
+                  <a:pt x="3106057" y="798285"/>
+                </a:cubicBezTo>
+                <a:cubicBezTo>
+                  <a:pt x="3135085" y="788609"/>
+                  <a:pt x="3171506" y="790893"/>
+                  <a:pt x="3193142" y="769257"/>
+                </a:cubicBezTo>
+                <a:cubicBezTo>
+                  <a:pt x="3207656" y="754743"/>
+                  <a:pt x="3218326" y="734894"/>
+                  <a:pt x="3236685" y="725714"/>
+                </a:cubicBezTo>
+                <a:cubicBezTo>
+                  <a:pt x="3277738" y="705188"/>
+                  <a:pt x="3324699" y="699218"/>
+                  <a:pt x="3367314" y="682171"/>
+                </a:cubicBezTo>
+                <a:cubicBezTo>
+                  <a:pt x="3391504" y="672495"/>
+                  <a:pt x="3416582" y="664794"/>
+                  <a:pt x="3439885" y="653142"/>
+                </a:cubicBezTo>
+                <a:cubicBezTo>
+                  <a:pt x="3465117" y="640526"/>
+                  <a:pt x="3485945" y="619241"/>
+                  <a:pt x="3512457" y="609600"/>
+                </a:cubicBezTo>
+                <a:cubicBezTo>
+                  <a:pt x="3540114" y="599543"/>
+                  <a:pt x="3570514" y="599923"/>
+                  <a:pt x="3599542" y="595085"/>
+                </a:cubicBezTo>
+                <a:cubicBezTo>
+                  <a:pt x="3647923" y="570895"/>
+                  <a:pt x="3695572" y="545181"/>
+                  <a:pt x="3744685" y="522514"/>
+                </a:cubicBezTo>
+                <a:cubicBezTo>
+                  <a:pt x="3758576" y="516103"/>
+                  <a:pt x="3773116" y="510386"/>
+                  <a:pt x="3788228" y="508000"/>
+                </a:cubicBezTo>
+                <a:cubicBezTo>
+                  <a:pt x="3865285" y="495833"/>
+                  <a:pt x="4020457" y="478971"/>
+                  <a:pt x="4020457" y="478971"/>
+                </a:cubicBezTo>
+                <a:cubicBezTo>
+                  <a:pt x="4066417" y="467481"/>
+                  <a:pt x="4136433" y="447862"/>
+                  <a:pt x="4180114" y="449942"/>
+                </a:cubicBezTo>
+                <a:cubicBezTo>
+                  <a:pt x="4248458" y="453196"/>
+                  <a:pt x="4315581" y="469295"/>
+                  <a:pt x="4383314" y="478971"/>
+                </a:cubicBezTo>
+                <a:lnTo>
+                  <a:pt x="4513942" y="609600"/>
+                </a:lnTo>
+                <a:cubicBezTo>
+                  <a:pt x="4528456" y="624114"/>
+                  <a:pt x="4546099" y="636063"/>
+                  <a:pt x="4557485" y="653142"/>
+                </a:cubicBezTo>
+                <a:cubicBezTo>
+                  <a:pt x="4567161" y="667656"/>
+                  <a:pt x="4573386" y="685198"/>
+                  <a:pt x="4586514" y="696685"/>
+                </a:cubicBezTo>
+                <a:cubicBezTo>
+                  <a:pt x="4612770" y="719659"/>
+                  <a:pt x="4644571" y="735390"/>
+                  <a:pt x="4673600" y="754742"/>
+                </a:cubicBezTo>
+                <a:cubicBezTo>
+                  <a:pt x="4752399" y="859810"/>
+                  <a:pt x="4675582" y="775417"/>
+                  <a:pt x="4775200" y="841828"/>
+                </a:cubicBezTo>
+                <a:cubicBezTo>
+                  <a:pt x="4800976" y="859012"/>
+                  <a:pt x="4822988" y="881298"/>
+                  <a:pt x="4847771" y="899885"/>
+                </a:cubicBezTo>
+                <a:cubicBezTo>
+                  <a:pt x="4888803" y="930659"/>
+                  <a:pt x="4901155" y="933834"/>
+                  <a:pt x="4949371" y="957942"/>
+                </a:cubicBezTo>
+                <a:cubicBezTo>
+                  <a:pt x="5036603" y="1045174"/>
+                  <a:pt x="4941785" y="961791"/>
+                  <a:pt x="5065485" y="1030514"/>
+                </a:cubicBezTo>
+                <a:cubicBezTo>
+                  <a:pt x="5086631" y="1042262"/>
+                  <a:pt x="5100808" y="1065790"/>
+                  <a:pt x="5123542" y="1074057"/>
+                </a:cubicBezTo>
+                <a:cubicBezTo>
+                  <a:pt x="5155693" y="1085748"/>
+                  <a:pt x="5191101" y="1085167"/>
+                  <a:pt x="5225142" y="1088571"/>
+                </a:cubicBezTo>
+                <a:cubicBezTo>
+                  <a:pt x="5287910" y="1094848"/>
+                  <a:pt x="5350933" y="1098247"/>
+                  <a:pt x="5413828" y="1103085"/>
+                </a:cubicBezTo>
+                <a:cubicBezTo>
+                  <a:pt x="5549295" y="1093409"/>
+                  <a:pt x="5686044" y="1095023"/>
+                  <a:pt x="5820228" y="1074057"/>
+                </a:cubicBezTo>
+                <a:cubicBezTo>
+                  <a:pt x="5844128" y="1070323"/>
+                  <a:pt x="5855062" y="1037287"/>
+                  <a:pt x="5878285" y="1030514"/>
+                </a:cubicBezTo>
+                <a:cubicBezTo>
+                  <a:pt x="5973016" y="1002884"/>
+                  <a:pt x="6072648" y="995611"/>
+                  <a:pt x="6168571" y="972457"/>
+                </a:cubicBezTo>
+                <a:cubicBezTo>
+                  <a:pt x="6436646" y="907749"/>
+                  <a:pt x="6161198" y="957079"/>
+                  <a:pt x="6429828" y="856342"/>
+                </a:cubicBezTo>
+                <a:cubicBezTo>
+                  <a:pt x="6461860" y="844330"/>
+                  <a:pt x="6498239" y="850125"/>
+                  <a:pt x="6531428" y="841828"/>
+                </a:cubicBezTo>
+                <a:cubicBezTo>
+                  <a:pt x="6730800" y="791985"/>
+                  <a:pt x="6800949" y="766501"/>
+                  <a:pt x="6966857" y="711200"/>
+                </a:cubicBezTo>
+                <a:cubicBezTo>
+                  <a:pt x="7001385" y="688181"/>
+                  <a:pt x="7085504" y="630105"/>
+                  <a:pt x="7126514" y="609600"/>
+                </a:cubicBezTo>
+                <a:cubicBezTo>
+                  <a:pt x="7279458" y="533129"/>
+                  <a:pt x="7111069" y="648558"/>
+                  <a:pt x="7329714" y="508000"/>
+                </a:cubicBezTo>
+                <a:cubicBezTo>
+                  <a:pt x="7355773" y="491248"/>
+                  <a:pt x="7375721" y="465881"/>
+                  <a:pt x="7402285" y="449942"/>
+                </a:cubicBezTo>
+                <a:cubicBezTo>
+                  <a:pt x="7424626" y="436537"/>
+                  <a:pt x="7452352" y="434042"/>
+                  <a:pt x="7474857" y="420914"/>
+                </a:cubicBezTo>
+                <a:cubicBezTo>
+                  <a:pt x="7510807" y="399943"/>
+                  <a:pt x="7541828" y="371428"/>
+                  <a:pt x="7576457" y="348342"/>
+                </a:cubicBezTo>
+                <a:cubicBezTo>
+                  <a:pt x="7599929" y="332694"/>
+                  <a:pt x="7625228" y="319945"/>
+                  <a:pt x="7649028" y="304800"/>
+                </a:cubicBezTo>
+                <a:cubicBezTo>
+                  <a:pt x="7678462" y="286069"/>
+                  <a:pt x="7704353" y="261179"/>
+                  <a:pt x="7736114" y="246742"/>
+                </a:cubicBezTo>
+                <a:cubicBezTo>
+                  <a:pt x="7942284" y="153028"/>
+                  <a:pt x="7671664" y="319639"/>
+                  <a:pt x="7881257" y="203200"/>
+                </a:cubicBezTo>
+                <a:cubicBezTo>
+                  <a:pt x="8013072" y="129970"/>
+                  <a:pt x="7877457" y="180277"/>
+                  <a:pt x="7982857" y="145142"/>
+                </a:cubicBezTo>
+                <a:cubicBezTo>
+                  <a:pt x="8021562" y="116114"/>
+                  <a:pt x="8058716" y="84894"/>
+                  <a:pt x="8098971" y="58057"/>
+                </a:cubicBezTo>
+                <a:cubicBezTo>
+                  <a:pt x="8113485" y="48381"/>
+                  <a:pt x="8126573" y="36113"/>
+                  <a:pt x="8142514" y="29028"/>
+                </a:cubicBezTo>
+                <a:cubicBezTo>
+                  <a:pt x="8170476" y="16601"/>
+                  <a:pt x="8229600" y="0"/>
+                  <a:pt x="8229600" y="0"/>
+                </a:cubicBezTo>
+                <a:cubicBezTo>
+                  <a:pt x="8369905" y="4838"/>
+                  <a:pt x="8510739" y="1410"/>
+                  <a:pt x="8650514" y="14514"/>
+                </a:cubicBezTo>
+                <a:cubicBezTo>
+                  <a:pt x="8667882" y="16142"/>
+                  <a:pt x="8678455" y="35741"/>
+                  <a:pt x="8694057" y="43542"/>
+                </a:cubicBezTo>
+                <a:cubicBezTo>
+                  <a:pt x="8707741" y="50384"/>
+                  <a:pt x="8723086" y="53219"/>
+                  <a:pt x="8737600" y="58057"/>
+                </a:cubicBezTo>
+                <a:cubicBezTo>
+                  <a:pt x="8805505" y="125963"/>
+                  <a:pt x="8753229" y="82867"/>
+                  <a:pt x="8839200" y="130628"/>
+                </a:cubicBezTo>
+                <a:cubicBezTo>
+                  <a:pt x="8863861" y="144328"/>
+                  <a:pt x="8887111" y="160471"/>
+                  <a:pt x="8911771" y="174171"/>
+                </a:cubicBezTo>
+                <a:cubicBezTo>
+                  <a:pt x="8930685" y="184679"/>
+                  <a:pt x="8951042" y="192465"/>
+                  <a:pt x="8969828" y="203200"/>
+                </a:cubicBezTo>
+                <a:cubicBezTo>
+                  <a:pt x="8984974" y="211855"/>
+                  <a:pt x="8998225" y="223573"/>
+                  <a:pt x="9013371" y="232228"/>
+                </a:cubicBezTo>
+                <a:cubicBezTo>
+                  <a:pt x="9032157" y="242963"/>
+                  <a:pt x="9053822" y="248681"/>
+                  <a:pt x="9071428" y="261257"/>
+                </a:cubicBezTo>
+                <a:cubicBezTo>
+                  <a:pt x="9088131" y="273188"/>
+                  <a:pt x="9099523" y="291283"/>
+                  <a:pt x="9114971" y="304800"/>
+                </a:cubicBezTo>
+                <a:cubicBezTo>
+                  <a:pt x="9138285" y="325200"/>
+                  <a:pt x="9165637" y="340952"/>
+                  <a:pt x="9187542" y="362857"/>
+                </a:cubicBezTo>
+                <a:cubicBezTo>
+                  <a:pt x="9238078" y="413393"/>
+                  <a:pt x="9225623" y="421486"/>
+                  <a:pt x="9260114" y="478971"/>
+                </a:cubicBezTo>
+                <a:cubicBezTo>
+                  <a:pt x="9278064" y="508887"/>
+                  <a:pt x="9298819" y="537028"/>
+                  <a:pt x="9318171" y="566057"/>
+                </a:cubicBezTo>
+                <a:cubicBezTo>
+                  <a:pt x="9327847" y="599924"/>
+                  <a:pt x="9334119" y="634954"/>
+                  <a:pt x="9347200" y="667657"/>
+                </a:cubicBezTo>
+                <a:cubicBezTo>
+                  <a:pt x="9363271" y="707835"/>
+                  <a:pt x="9405257" y="783771"/>
+                  <a:pt x="9405257" y="783771"/>
+                </a:cubicBezTo>
+                <a:cubicBezTo>
+                  <a:pt x="9410095" y="803123"/>
+                  <a:pt x="9407802" y="825870"/>
+                  <a:pt x="9419771" y="841828"/>
+                </a:cubicBezTo>
+                <a:cubicBezTo>
+                  <a:pt x="9504392" y="954656"/>
+                  <a:pt x="9495784" y="944574"/>
+                  <a:pt x="9579428" y="972457"/>
+                </a:cubicBezTo>
+                <a:cubicBezTo>
+                  <a:pt x="9598780" y="986971"/>
+                  <a:pt x="9616482" y="1003998"/>
+                  <a:pt x="9637485" y="1016000"/>
+                </a:cubicBezTo>
+                <a:cubicBezTo>
+                  <a:pt x="9650769" y="1023591"/>
+                  <a:pt x="9665729" y="1030514"/>
+                  <a:pt x="9681028" y="1030514"/>
+                </a:cubicBezTo>
+                <a:cubicBezTo>
+                  <a:pt x="9773079" y="1030514"/>
+                  <a:pt x="9864876" y="1020838"/>
+                  <a:pt x="9956800" y="1016000"/>
+                </a:cubicBezTo>
+                <a:cubicBezTo>
+                  <a:pt x="10062809" y="980663"/>
+                  <a:pt x="10014200" y="994392"/>
+                  <a:pt x="10101942" y="972457"/>
+                </a:cubicBezTo>
+                <a:cubicBezTo>
+                  <a:pt x="10130971" y="953105"/>
+                  <a:pt x="10155930" y="925433"/>
+                  <a:pt x="10189028" y="914400"/>
+                </a:cubicBezTo>
+                <a:cubicBezTo>
+                  <a:pt x="10253097" y="893043"/>
+                  <a:pt x="10218887" y="906727"/>
+                  <a:pt x="10290628" y="870857"/>
+                </a:cubicBezTo>
+                <a:lnTo>
+                  <a:pt x="10348685" y="812800"/>
+                </a:lnTo>
+              </a:path>
+            </a:pathLst>
+          </a:custGeom>
+        </p:spPr>
+        <p:style>
+          <a:lnRef idx="1">
+            <a:schemeClr val="accent1"/>
+          </a:lnRef>
+          <a:fillRef idx="0">
+            <a:schemeClr val="accent1"/>
+          </a:fillRef>
+          <a:effectRef idx="0">
+            <a:schemeClr val="accent1"/>
+          </a:effectRef>
+          <a:fontRef idx="minor">
+            <a:schemeClr val="tx1"/>
+          </a:fontRef>
+        </p:style>
+        <p:txBody>
+          <a:bodyPr rtlCol="0" anchor="ctr"/>
+          <a:lstStyle/>
+          <a:p>
+            <a:pPr algn="ctr"/>
+            <a:endParaRPr lang="en-US"/>
+          </a:p>
+        </p:txBody>
+      </p:sp>
+      <p:sp>
+        <p:nvSpPr>
+          <p:cNvPr id="63" name="Rectangle 62">
+            <a:extLst>
+              <a:ext uri="{FF2B5EF4-FFF2-40B4-BE49-F238E27FC236}">
+                <a16:creationId xmlns:a16="http://schemas.microsoft.com/office/drawing/2014/main" id="{06178CB6-E74C-4F63-A424-0568B2CAFBB6}"/>
+              </a:ext>
+            </a:extLst>
+          </p:cNvPr>
+          <p:cNvSpPr/>
+          <p:nvPr/>
+        </p:nvSpPr>
+        <p:spPr>
+          <a:xfrm>
+            <a:off x="4702727" y="1132709"/>
+            <a:ext cx="1393273" cy="2410835"/>
+          </a:xfrm>
+          <a:prstGeom prst="rect">
+            <a:avLst/>
+          </a:prstGeom>
+          <a:noFill/>
+          <a:ln>
+            <a:solidFill>
+              <a:srgbClr val="FF0000"/>
+            </a:solidFill>
+          </a:ln>
+        </p:spPr>
+        <p:style>
+          <a:lnRef idx="2">
+            <a:schemeClr val="accent1">
+              <a:shade val="50000"/>
+            </a:schemeClr>
+          </a:lnRef>
+          <a:fillRef idx="1">
+            <a:schemeClr val="accent1"/>
+          </a:fillRef>
+          <a:effectRef idx="0">
+            <a:schemeClr val="accent1"/>
+          </a:effectRef>
+          <a:fontRef idx="minor">
+            <a:schemeClr val="lt1"/>
+          </a:fontRef>
+        </p:style>
+        <p:txBody>
+          <a:bodyPr rtlCol="0" anchor="ctr"/>
+          <a:lstStyle/>
+          <a:p>
+            <a:pPr algn="ctr"/>
+            <a:endParaRPr lang="en-US"/>
+          </a:p>
+        </p:txBody>
+      </p:sp>
+      <p:sp>
+        <p:nvSpPr>
+          <p:cNvPr id="64" name="Rectangle 63">
+            <a:extLst>
+              <a:ext uri="{FF2B5EF4-FFF2-40B4-BE49-F238E27FC236}">
+                <a16:creationId xmlns:a16="http://schemas.microsoft.com/office/drawing/2014/main" id="{7C7A87A5-BA55-41CE-A2BE-E4FEF3B8EFB1}"/>
+              </a:ext>
+            </a:extLst>
+          </p:cNvPr>
+          <p:cNvSpPr/>
+          <p:nvPr/>
+        </p:nvSpPr>
+        <p:spPr>
+          <a:xfrm>
+            <a:off x="7221504" y="1132709"/>
+            <a:ext cx="1393273" cy="2410835"/>
+          </a:xfrm>
+          <a:prstGeom prst="rect">
+            <a:avLst/>
+          </a:prstGeom>
+          <a:noFill/>
+          <a:ln>
+            <a:solidFill>
+              <a:srgbClr val="FF0000"/>
+            </a:solidFill>
+          </a:ln>
+        </p:spPr>
+        <p:style>
+          <a:lnRef idx="2">
+            <a:schemeClr val="accent1">
+              <a:shade val="50000"/>
+            </a:schemeClr>
+          </a:lnRef>
+          <a:fillRef idx="1">
+            <a:schemeClr val="accent1"/>
+          </a:fillRef>
+          <a:effectRef idx="0">
+            <a:schemeClr val="accent1"/>
+          </a:effectRef>
+          <a:fontRef idx="minor">
+            <a:schemeClr val="lt1"/>
+          </a:fontRef>
+        </p:style>
+        <p:txBody>
+          <a:bodyPr rtlCol="0" anchor="ctr"/>
+          <a:lstStyle/>
+          <a:p>
+            <a:pPr algn="ctr"/>
+            <a:endParaRPr lang="en-US"/>
+          </a:p>
+        </p:txBody>
+      </p:sp>
+      <p:sp>
+        <p:nvSpPr>
+          <p:cNvPr id="67" name="Rectangle 66">
+            <a:extLst>
+              <a:ext uri="{FF2B5EF4-FFF2-40B4-BE49-F238E27FC236}">
+                <a16:creationId xmlns:a16="http://schemas.microsoft.com/office/drawing/2014/main" id="{080E7F63-0DA5-4625-B786-989D63845B30}"/>
+              </a:ext>
+            </a:extLst>
+          </p:cNvPr>
+          <p:cNvSpPr/>
+          <p:nvPr/>
+        </p:nvSpPr>
+        <p:spPr>
+          <a:xfrm>
+            <a:off x="1493913" y="1132709"/>
+            <a:ext cx="1393273" cy="2410835"/>
+          </a:xfrm>
+          <a:prstGeom prst="rect">
+            <a:avLst/>
+          </a:prstGeom>
+          <a:noFill/>
+          <a:ln>
+            <a:solidFill>
+              <a:srgbClr val="FF0000"/>
+            </a:solidFill>
+          </a:ln>
+        </p:spPr>
+        <p:style>
+          <a:lnRef idx="2">
+            <a:schemeClr val="accent1">
+              <a:shade val="50000"/>
+            </a:schemeClr>
+          </a:lnRef>
+          <a:fillRef idx="1">
+            <a:schemeClr val="accent1"/>
+          </a:fillRef>
+          <a:effectRef idx="0">
+            <a:schemeClr val="accent1"/>
+          </a:effectRef>
+          <a:fontRef idx="minor">
+            <a:schemeClr val="lt1"/>
+          </a:fontRef>
+        </p:style>
+        <p:txBody>
+          <a:bodyPr rtlCol="0" anchor="ctr"/>
+          <a:lstStyle/>
+          <a:p>
+            <a:pPr algn="ctr"/>
+            <a:endParaRPr lang="en-US"/>
+          </a:p>
+        </p:txBody>
+      </p:sp>
+      <p:sp>
+        <p:nvSpPr>
+          <p:cNvPr id="68" name="TextBox 67">
+            <a:extLst>
+              <a:ext uri="{FF2B5EF4-FFF2-40B4-BE49-F238E27FC236}">
+                <a16:creationId xmlns:a16="http://schemas.microsoft.com/office/drawing/2014/main" id="{C6EE3221-546D-4F9B-A45E-7F6416174527}"/>
+              </a:ext>
+            </a:extLst>
+          </p:cNvPr>
+          <p:cNvSpPr txBox="1"/>
+          <p:nvPr/>
+        </p:nvSpPr>
+        <p:spPr>
+          <a:xfrm>
+            <a:off x="10143326" y="3510219"/>
+            <a:ext cx="1672574" cy="369332"/>
+          </a:xfrm>
+          <a:prstGeom prst="rect">
+            <a:avLst/>
+          </a:prstGeom>
+          <a:noFill/>
+        </p:spPr>
+        <p:txBody>
+          <a:bodyPr wrap="none" rtlCol="0">
+            <a:spAutoFit/>
+          </a:bodyPr>
+          <a:lstStyle/>
+          <a:p>
+            <a:r>
+              <a:rPr lang="en-US" dirty="0"/>
+              <a:t>Intracellular </a:t>
+            </a:r>
+            <a:r>
+              <a:rPr lang="en-US" dirty="0" err="1"/>
+              <a:t>Vm</a:t>
+            </a:r>
+            <a:endParaRPr lang="en-US" baseline="30000" dirty="0"/>
+          </a:p>
+        </p:txBody>
+      </p:sp>
     </p:spTree>
     <p:extLst>
       <p:ext uri="{BB962C8B-B14F-4D97-AF65-F5344CB8AC3E}">
         <p14:creationId xmlns:p14="http://schemas.microsoft.com/office/powerpoint/2010/main" val="3825850893"/>
+      </p:ext>
+    </p:extLst>
+  </p:cSld>
+  <p:clrMapOvr>
+    <a:masterClrMapping/>
+  </p:clrMapOvr>
+  <p:timing>
+    <p:tnLst>
+      <p:par>
+        <p:cTn id="1" dur="indefinite" restart="never" nodeType="tmRoot">
+          <p:childTnLst>
+            <p:seq concurrent="1" nextAc="seek">
+              <p:cTn id="2" dur="indefinite" nodeType="mainSeq">
+                <p:childTnLst>
+                  <p:par>
+                    <p:cTn id="3" fill="hold">
+                      <p:stCondLst>
+                        <p:cond delay="indefinite"/>
+                      </p:stCondLst>
+                      <p:childTnLst>
+                        <p:par>
+                          <p:cTn id="4" fill="hold">
+                            <p:stCondLst>
+                              <p:cond delay="0"/>
+                            </p:stCondLst>
+                            <p:childTnLst>
+                              <p:par>
+                                <p:cTn id="5" presetID="1" presetClass="entr" presetSubtype="0" fill="hold" grpId="0" nodeType="clickEffect">
+                                  <p:stCondLst>
+                                    <p:cond delay="0"/>
+                                  </p:stCondLst>
+                                  <p:childTnLst>
+                                    <p:set>
+                                      <p:cBhvr>
+                                        <p:cTn id="6" dur="1" fill="hold">
+                                          <p:stCondLst>
+                                            <p:cond delay="0"/>
+                                          </p:stCondLst>
+                                        </p:cTn>
+                                        <p:tgtEl>
+                                          <p:spTgt spid="7"/>
+                                        </p:tgtEl>
+                                        <p:attrNameLst>
+                                          <p:attrName>style.visibility</p:attrName>
+                                        </p:attrNameLst>
+                                      </p:cBhvr>
+                                      <p:to>
+                                        <p:strVal val="visible"/>
+                                      </p:to>
+                                    </p:set>
+                                  </p:childTnLst>
+                                </p:cTn>
+                              </p:par>
+                              <p:par>
+                                <p:cTn id="7" presetID="1" presetClass="entr" presetSubtype="0" fill="hold" grpId="0" nodeType="withEffect">
+                                  <p:stCondLst>
+                                    <p:cond delay="0"/>
+                                  </p:stCondLst>
+                                  <p:childTnLst>
+                                    <p:set>
+                                      <p:cBhvr>
+                                        <p:cTn id="8" dur="1" fill="hold">
+                                          <p:stCondLst>
+                                            <p:cond delay="0"/>
+                                          </p:stCondLst>
+                                        </p:cTn>
+                                        <p:tgtEl>
+                                          <p:spTgt spid="22"/>
+                                        </p:tgtEl>
+                                        <p:attrNameLst>
+                                          <p:attrName>style.visibility</p:attrName>
+                                        </p:attrNameLst>
+                                      </p:cBhvr>
+                                      <p:to>
+                                        <p:strVal val="visible"/>
+                                      </p:to>
+                                    </p:set>
+                                  </p:childTnLst>
+                                </p:cTn>
+                              </p:par>
+                              <p:par>
+                                <p:cTn id="9" presetID="1" presetClass="entr" presetSubtype="0" fill="hold" grpId="0" nodeType="withEffect">
+                                  <p:stCondLst>
+                                    <p:cond delay="0"/>
+                                  </p:stCondLst>
+                                  <p:childTnLst>
+                                    <p:set>
+                                      <p:cBhvr>
+                                        <p:cTn id="10" dur="1" fill="hold">
+                                          <p:stCondLst>
+                                            <p:cond delay="0"/>
+                                          </p:stCondLst>
+                                        </p:cTn>
+                                        <p:tgtEl>
+                                          <p:spTgt spid="23"/>
+                                        </p:tgtEl>
+                                        <p:attrNameLst>
+                                          <p:attrName>style.visibility</p:attrName>
+                                        </p:attrNameLst>
+                                      </p:cBhvr>
+                                      <p:to>
+                                        <p:strVal val="visible"/>
+                                      </p:to>
+                                    </p:set>
+                                  </p:childTnLst>
+                                </p:cTn>
+                              </p:par>
+                              <p:par>
+                                <p:cTn id="11" presetID="1" presetClass="entr" presetSubtype="0" fill="hold" nodeType="withEffect">
+                                  <p:stCondLst>
+                                    <p:cond delay="0"/>
+                                  </p:stCondLst>
+                                  <p:childTnLst>
+                                    <p:set>
+                                      <p:cBhvr>
+                                        <p:cTn id="12" dur="1" fill="hold">
+                                          <p:stCondLst>
+                                            <p:cond delay="0"/>
+                                          </p:stCondLst>
+                                        </p:cTn>
+                                        <p:tgtEl>
+                                          <p:spTgt spid="38"/>
+                                        </p:tgtEl>
+                                        <p:attrNameLst>
+                                          <p:attrName>style.visibility</p:attrName>
+                                        </p:attrNameLst>
+                                      </p:cBhvr>
+                                      <p:to>
+                                        <p:strVal val="visible"/>
+                                      </p:to>
+                                    </p:set>
+                                  </p:childTnLst>
+                                </p:cTn>
+                              </p:par>
+                              <p:par>
+                                <p:cTn id="13" presetID="1" presetClass="entr" presetSubtype="0" fill="hold" nodeType="withEffect">
+                                  <p:stCondLst>
+                                    <p:cond delay="0"/>
+                                  </p:stCondLst>
+                                  <p:childTnLst>
+                                    <p:set>
+                                      <p:cBhvr>
+                                        <p:cTn id="14" dur="1" fill="hold">
+                                          <p:stCondLst>
+                                            <p:cond delay="0"/>
+                                          </p:stCondLst>
+                                        </p:cTn>
+                                        <p:tgtEl>
+                                          <p:spTgt spid="39"/>
+                                        </p:tgtEl>
+                                        <p:attrNameLst>
+                                          <p:attrName>style.visibility</p:attrName>
+                                        </p:attrNameLst>
+                                      </p:cBhvr>
+                                      <p:to>
+                                        <p:strVal val="visible"/>
+                                      </p:to>
+                                    </p:set>
+                                  </p:childTnLst>
+                                </p:cTn>
+                              </p:par>
+                              <p:par>
+                                <p:cTn id="15" presetID="1" presetClass="entr" presetSubtype="0" fill="hold" nodeType="withEffect">
+                                  <p:stCondLst>
+                                    <p:cond delay="0"/>
+                                  </p:stCondLst>
+                                  <p:childTnLst>
+                                    <p:set>
+                                      <p:cBhvr>
+                                        <p:cTn id="16" dur="1" fill="hold">
+                                          <p:stCondLst>
+                                            <p:cond delay="0"/>
+                                          </p:stCondLst>
+                                        </p:cTn>
+                                        <p:tgtEl>
+                                          <p:spTgt spid="40"/>
+                                        </p:tgtEl>
+                                        <p:attrNameLst>
+                                          <p:attrName>style.visibility</p:attrName>
+                                        </p:attrNameLst>
+                                      </p:cBhvr>
+                                      <p:to>
+                                        <p:strVal val="visible"/>
+                                      </p:to>
+                                    </p:set>
+                                  </p:childTnLst>
+                                </p:cTn>
+                              </p:par>
+                              <p:par>
+                                <p:cTn id="17" presetID="1" presetClass="entr" presetSubtype="0" fill="hold" nodeType="withEffect">
+                                  <p:stCondLst>
+                                    <p:cond delay="0"/>
+                                  </p:stCondLst>
+                                  <p:childTnLst>
+                                    <p:set>
+                                      <p:cBhvr>
+                                        <p:cTn id="18" dur="1" fill="hold">
+                                          <p:stCondLst>
+                                            <p:cond delay="0"/>
+                                          </p:stCondLst>
+                                        </p:cTn>
+                                        <p:tgtEl>
+                                          <p:spTgt spid="41"/>
+                                        </p:tgtEl>
+                                        <p:attrNameLst>
+                                          <p:attrName>style.visibility</p:attrName>
+                                        </p:attrNameLst>
+                                      </p:cBhvr>
+                                      <p:to>
+                                        <p:strVal val="visible"/>
+                                      </p:to>
+                                    </p:set>
+                                  </p:childTnLst>
+                                </p:cTn>
+                              </p:par>
+                              <p:par>
+                                <p:cTn id="19" presetID="1" presetClass="entr" presetSubtype="0" fill="hold" nodeType="withEffect">
+                                  <p:stCondLst>
+                                    <p:cond delay="0"/>
+                                  </p:stCondLst>
+                                  <p:childTnLst>
+                                    <p:set>
+                                      <p:cBhvr>
+                                        <p:cTn id="20" dur="1" fill="hold">
+                                          <p:stCondLst>
+                                            <p:cond delay="0"/>
+                                          </p:stCondLst>
+                                        </p:cTn>
+                                        <p:tgtEl>
+                                          <p:spTgt spid="42"/>
+                                        </p:tgtEl>
+                                        <p:attrNameLst>
+                                          <p:attrName>style.visibility</p:attrName>
+                                        </p:attrNameLst>
+                                      </p:cBhvr>
+                                      <p:to>
+                                        <p:strVal val="visible"/>
+                                      </p:to>
+                                    </p:set>
+                                  </p:childTnLst>
+                                </p:cTn>
+                              </p:par>
+                              <p:par>
+                                <p:cTn id="21" presetID="1" presetClass="entr" presetSubtype="0" fill="hold" nodeType="withEffect">
+                                  <p:stCondLst>
+                                    <p:cond delay="0"/>
+                                  </p:stCondLst>
+                                  <p:childTnLst>
+                                    <p:set>
+                                      <p:cBhvr>
+                                        <p:cTn id="22" dur="1" fill="hold">
+                                          <p:stCondLst>
+                                            <p:cond delay="0"/>
+                                          </p:stCondLst>
+                                        </p:cTn>
+                                        <p:tgtEl>
+                                          <p:spTgt spid="43"/>
+                                        </p:tgtEl>
+                                        <p:attrNameLst>
+                                          <p:attrName>style.visibility</p:attrName>
+                                        </p:attrNameLst>
+                                      </p:cBhvr>
+                                      <p:to>
+                                        <p:strVal val="visible"/>
+                                      </p:to>
+                                    </p:set>
+                                  </p:childTnLst>
+                                </p:cTn>
+                              </p:par>
+                              <p:par>
+                                <p:cTn id="23" presetID="1" presetClass="entr" presetSubtype="0" fill="hold" nodeType="withEffect">
+                                  <p:stCondLst>
+                                    <p:cond delay="0"/>
+                                  </p:stCondLst>
+                                  <p:childTnLst>
+                                    <p:set>
+                                      <p:cBhvr>
+                                        <p:cTn id="24" dur="1" fill="hold">
+                                          <p:stCondLst>
+                                            <p:cond delay="0"/>
+                                          </p:stCondLst>
+                                        </p:cTn>
+                                        <p:tgtEl>
+                                          <p:spTgt spid="44"/>
+                                        </p:tgtEl>
+                                        <p:attrNameLst>
+                                          <p:attrName>style.visibility</p:attrName>
+                                        </p:attrNameLst>
+                                      </p:cBhvr>
+                                      <p:to>
+                                        <p:strVal val="visible"/>
+                                      </p:to>
+                                    </p:set>
+                                  </p:childTnLst>
+                                </p:cTn>
+                              </p:par>
+                              <p:par>
+                                <p:cTn id="25" presetID="1" presetClass="entr" presetSubtype="0" fill="hold" nodeType="withEffect">
+                                  <p:stCondLst>
+                                    <p:cond delay="0"/>
+                                  </p:stCondLst>
+                                  <p:childTnLst>
+                                    <p:set>
+                                      <p:cBhvr>
+                                        <p:cTn id="26" dur="1" fill="hold">
+                                          <p:stCondLst>
+                                            <p:cond delay="0"/>
+                                          </p:stCondLst>
+                                        </p:cTn>
+                                        <p:tgtEl>
+                                          <p:spTgt spid="45"/>
+                                        </p:tgtEl>
+                                        <p:attrNameLst>
+                                          <p:attrName>style.visibility</p:attrName>
+                                        </p:attrNameLst>
+                                      </p:cBhvr>
+                                      <p:to>
+                                        <p:strVal val="visible"/>
+                                      </p:to>
+                                    </p:set>
+                                  </p:childTnLst>
+                                </p:cTn>
+                              </p:par>
+                              <p:par>
+                                <p:cTn id="27" presetID="1" presetClass="entr" presetSubtype="0" fill="hold" nodeType="withEffect">
+                                  <p:stCondLst>
+                                    <p:cond delay="0"/>
+                                  </p:stCondLst>
+                                  <p:childTnLst>
+                                    <p:set>
+                                      <p:cBhvr>
+                                        <p:cTn id="28" dur="1" fill="hold">
+                                          <p:stCondLst>
+                                            <p:cond delay="0"/>
+                                          </p:stCondLst>
+                                        </p:cTn>
+                                        <p:tgtEl>
+                                          <p:spTgt spid="46"/>
+                                        </p:tgtEl>
+                                        <p:attrNameLst>
+                                          <p:attrName>style.visibility</p:attrName>
+                                        </p:attrNameLst>
+                                      </p:cBhvr>
+                                      <p:to>
+                                        <p:strVal val="visible"/>
+                                      </p:to>
+                                    </p:set>
+                                  </p:childTnLst>
+                                </p:cTn>
+                              </p:par>
+                              <p:par>
+                                <p:cTn id="29" presetID="1" presetClass="entr" presetSubtype="0" fill="hold" nodeType="withEffect">
+                                  <p:stCondLst>
+                                    <p:cond delay="0"/>
+                                  </p:stCondLst>
+                                  <p:childTnLst>
+                                    <p:set>
+                                      <p:cBhvr>
+                                        <p:cTn id="30" dur="1" fill="hold">
+                                          <p:stCondLst>
+                                            <p:cond delay="0"/>
+                                          </p:stCondLst>
+                                        </p:cTn>
+                                        <p:tgtEl>
+                                          <p:spTgt spid="47"/>
+                                        </p:tgtEl>
+                                        <p:attrNameLst>
+                                          <p:attrName>style.visibility</p:attrName>
+                                        </p:attrNameLst>
+                                      </p:cBhvr>
+                                      <p:to>
+                                        <p:strVal val="visible"/>
+                                      </p:to>
+                                    </p:set>
+                                  </p:childTnLst>
+                                </p:cTn>
+                              </p:par>
+                              <p:par>
+                                <p:cTn id="31" presetID="1" presetClass="entr" presetSubtype="0" fill="hold" nodeType="withEffect">
+                                  <p:stCondLst>
+                                    <p:cond delay="0"/>
+                                  </p:stCondLst>
+                                  <p:childTnLst>
+                                    <p:set>
+                                      <p:cBhvr>
+                                        <p:cTn id="32" dur="1" fill="hold">
+                                          <p:stCondLst>
+                                            <p:cond delay="0"/>
+                                          </p:stCondLst>
+                                        </p:cTn>
+                                        <p:tgtEl>
+                                          <p:spTgt spid="48"/>
+                                        </p:tgtEl>
+                                        <p:attrNameLst>
+                                          <p:attrName>style.visibility</p:attrName>
+                                        </p:attrNameLst>
+                                      </p:cBhvr>
+                                      <p:to>
+                                        <p:strVal val="visible"/>
+                                      </p:to>
+                                    </p:set>
+                                  </p:childTnLst>
+                                </p:cTn>
+                              </p:par>
+                              <p:par>
+                                <p:cTn id="33" presetID="1" presetClass="entr" presetSubtype="0" fill="hold" nodeType="withEffect">
+                                  <p:stCondLst>
+                                    <p:cond delay="0"/>
+                                  </p:stCondLst>
+                                  <p:childTnLst>
+                                    <p:set>
+                                      <p:cBhvr>
+                                        <p:cTn id="34" dur="1" fill="hold">
+                                          <p:stCondLst>
+                                            <p:cond delay="0"/>
+                                          </p:stCondLst>
+                                        </p:cTn>
+                                        <p:tgtEl>
+                                          <p:spTgt spid="49"/>
+                                        </p:tgtEl>
+                                        <p:attrNameLst>
+                                          <p:attrName>style.visibility</p:attrName>
+                                        </p:attrNameLst>
+                                      </p:cBhvr>
+                                      <p:to>
+                                        <p:strVal val="visible"/>
+                                      </p:to>
+                                    </p:set>
+                                  </p:childTnLst>
+                                </p:cTn>
+                              </p:par>
+                              <p:par>
+                                <p:cTn id="35" presetID="1" presetClass="entr" presetSubtype="0" fill="hold" nodeType="withEffect">
+                                  <p:stCondLst>
+                                    <p:cond delay="0"/>
+                                  </p:stCondLst>
+                                  <p:childTnLst>
+                                    <p:set>
+                                      <p:cBhvr>
+                                        <p:cTn id="36" dur="1" fill="hold">
+                                          <p:stCondLst>
+                                            <p:cond delay="0"/>
+                                          </p:stCondLst>
+                                        </p:cTn>
+                                        <p:tgtEl>
+                                          <p:spTgt spid="50"/>
+                                        </p:tgtEl>
+                                        <p:attrNameLst>
+                                          <p:attrName>style.visibility</p:attrName>
+                                        </p:attrNameLst>
+                                      </p:cBhvr>
+                                      <p:to>
+                                        <p:strVal val="visible"/>
+                                      </p:to>
+                                    </p:set>
+                                  </p:childTnLst>
+                                </p:cTn>
+                              </p:par>
+                              <p:par>
+                                <p:cTn id="37" presetID="1" presetClass="entr" presetSubtype="0" fill="hold" nodeType="withEffect">
+                                  <p:stCondLst>
+                                    <p:cond delay="0"/>
+                                  </p:stCondLst>
+                                  <p:childTnLst>
+                                    <p:set>
+                                      <p:cBhvr>
+                                        <p:cTn id="38" dur="1" fill="hold">
+                                          <p:stCondLst>
+                                            <p:cond delay="0"/>
+                                          </p:stCondLst>
+                                        </p:cTn>
+                                        <p:tgtEl>
+                                          <p:spTgt spid="51"/>
+                                        </p:tgtEl>
+                                        <p:attrNameLst>
+                                          <p:attrName>style.visibility</p:attrName>
+                                        </p:attrNameLst>
+                                      </p:cBhvr>
+                                      <p:to>
+                                        <p:strVal val="visible"/>
+                                      </p:to>
+                                    </p:set>
+                                  </p:childTnLst>
+                                </p:cTn>
+                              </p:par>
+                              <p:par>
+                                <p:cTn id="39" presetID="1" presetClass="entr" presetSubtype="0" fill="hold" nodeType="withEffect">
+                                  <p:stCondLst>
+                                    <p:cond delay="0"/>
+                                  </p:stCondLst>
+                                  <p:childTnLst>
+                                    <p:set>
+                                      <p:cBhvr>
+                                        <p:cTn id="40" dur="1" fill="hold">
+                                          <p:stCondLst>
+                                            <p:cond delay="0"/>
+                                          </p:stCondLst>
+                                        </p:cTn>
+                                        <p:tgtEl>
+                                          <p:spTgt spid="52"/>
+                                        </p:tgtEl>
+                                        <p:attrNameLst>
+                                          <p:attrName>style.visibility</p:attrName>
+                                        </p:attrNameLst>
+                                      </p:cBhvr>
+                                      <p:to>
+                                        <p:strVal val="visible"/>
+                                      </p:to>
+                                    </p:set>
+                                  </p:childTnLst>
+                                </p:cTn>
+                              </p:par>
+                            </p:childTnLst>
+                          </p:cTn>
+                        </p:par>
+                      </p:childTnLst>
+                    </p:cTn>
+                  </p:par>
+                  <p:par>
+                    <p:cTn id="41" fill="hold">
+                      <p:stCondLst>
+                        <p:cond delay="indefinite"/>
+                      </p:stCondLst>
+                      <p:childTnLst>
+                        <p:par>
+                          <p:cTn id="42" fill="hold">
+                            <p:stCondLst>
+                              <p:cond delay="0"/>
+                            </p:stCondLst>
+                            <p:childTnLst>
+                              <p:par>
+                                <p:cTn id="43" presetID="1" presetClass="entr" presetSubtype="0" fill="hold" grpId="0" nodeType="clickEffect">
+                                  <p:stCondLst>
+                                    <p:cond delay="0"/>
+                                  </p:stCondLst>
+                                  <p:childTnLst>
+                                    <p:set>
+                                      <p:cBhvr>
+                                        <p:cTn id="44" dur="1" fill="hold">
+                                          <p:stCondLst>
+                                            <p:cond delay="0"/>
+                                          </p:stCondLst>
+                                        </p:cTn>
+                                        <p:tgtEl>
+                                          <p:spTgt spid="53"/>
+                                        </p:tgtEl>
+                                        <p:attrNameLst>
+                                          <p:attrName>style.visibility</p:attrName>
+                                        </p:attrNameLst>
+                                      </p:cBhvr>
+                                      <p:to>
+                                        <p:strVal val="visible"/>
+                                      </p:to>
+                                    </p:set>
+                                  </p:childTnLst>
+                                </p:cTn>
+                              </p:par>
+                              <p:par>
+                                <p:cTn id="45" presetID="1" presetClass="entr" presetSubtype="0" fill="hold" grpId="0" nodeType="withEffect">
+                                  <p:stCondLst>
+                                    <p:cond delay="0"/>
+                                  </p:stCondLst>
+                                  <p:childTnLst>
+                                    <p:set>
+                                      <p:cBhvr>
+                                        <p:cTn id="46" dur="1" fill="hold">
+                                          <p:stCondLst>
+                                            <p:cond delay="0"/>
+                                          </p:stCondLst>
+                                        </p:cTn>
+                                        <p:tgtEl>
+                                          <p:spTgt spid="54"/>
+                                        </p:tgtEl>
+                                        <p:attrNameLst>
+                                          <p:attrName>style.visibility</p:attrName>
+                                        </p:attrNameLst>
+                                      </p:cBhvr>
+                                      <p:to>
+                                        <p:strVal val="visible"/>
+                                      </p:to>
+                                    </p:set>
+                                  </p:childTnLst>
+                                </p:cTn>
+                              </p:par>
+                              <p:par>
+                                <p:cTn id="47" presetID="1" presetClass="entr" presetSubtype="0" fill="hold" nodeType="withEffect">
+                                  <p:stCondLst>
+                                    <p:cond delay="0"/>
+                                  </p:stCondLst>
+                                  <p:childTnLst>
+                                    <p:set>
+                                      <p:cBhvr>
+                                        <p:cTn id="48" dur="1" fill="hold">
+                                          <p:stCondLst>
+                                            <p:cond delay="0"/>
+                                          </p:stCondLst>
+                                        </p:cTn>
+                                        <p:tgtEl>
+                                          <p:spTgt spid="55"/>
+                                        </p:tgtEl>
+                                        <p:attrNameLst>
+                                          <p:attrName>style.visibility</p:attrName>
+                                        </p:attrNameLst>
+                                      </p:cBhvr>
+                                      <p:to>
+                                        <p:strVal val="visible"/>
+                                      </p:to>
+                                    </p:set>
+                                  </p:childTnLst>
+                                </p:cTn>
+                              </p:par>
+                              <p:par>
+                                <p:cTn id="49" presetID="1" presetClass="entr" presetSubtype="0" fill="hold" nodeType="withEffect">
+                                  <p:stCondLst>
+                                    <p:cond delay="0"/>
+                                  </p:stCondLst>
+                                  <p:childTnLst>
+                                    <p:set>
+                                      <p:cBhvr>
+                                        <p:cTn id="50" dur="1" fill="hold">
+                                          <p:stCondLst>
+                                            <p:cond delay="0"/>
+                                          </p:stCondLst>
+                                        </p:cTn>
+                                        <p:tgtEl>
+                                          <p:spTgt spid="56"/>
+                                        </p:tgtEl>
+                                        <p:attrNameLst>
+                                          <p:attrName>style.visibility</p:attrName>
+                                        </p:attrNameLst>
+                                      </p:cBhvr>
+                                      <p:to>
+                                        <p:strVal val="visible"/>
+                                      </p:to>
+                                    </p:set>
+                                  </p:childTnLst>
+                                </p:cTn>
+                              </p:par>
+                              <p:par>
+                                <p:cTn id="51" presetID="1" presetClass="entr" presetSubtype="0" fill="hold" nodeType="withEffect">
+                                  <p:stCondLst>
+                                    <p:cond delay="0"/>
+                                  </p:stCondLst>
+                                  <p:childTnLst>
+                                    <p:set>
+                                      <p:cBhvr>
+                                        <p:cTn id="52" dur="1" fill="hold">
+                                          <p:stCondLst>
+                                            <p:cond delay="0"/>
+                                          </p:stCondLst>
+                                        </p:cTn>
+                                        <p:tgtEl>
+                                          <p:spTgt spid="57"/>
+                                        </p:tgtEl>
+                                        <p:attrNameLst>
+                                          <p:attrName>style.visibility</p:attrName>
+                                        </p:attrNameLst>
+                                      </p:cBhvr>
+                                      <p:to>
+                                        <p:strVal val="visible"/>
+                                      </p:to>
+                                    </p:set>
+                                  </p:childTnLst>
+                                </p:cTn>
+                              </p:par>
+                              <p:par>
+                                <p:cTn id="53" presetID="1" presetClass="entr" presetSubtype="0" fill="hold" nodeType="withEffect">
+                                  <p:stCondLst>
+                                    <p:cond delay="0"/>
+                                  </p:stCondLst>
+                                  <p:childTnLst>
+                                    <p:set>
+                                      <p:cBhvr>
+                                        <p:cTn id="54" dur="1" fill="hold">
+                                          <p:stCondLst>
+                                            <p:cond delay="0"/>
+                                          </p:stCondLst>
+                                        </p:cTn>
+                                        <p:tgtEl>
+                                          <p:spTgt spid="58"/>
+                                        </p:tgtEl>
+                                        <p:attrNameLst>
+                                          <p:attrName>style.visibility</p:attrName>
+                                        </p:attrNameLst>
+                                      </p:cBhvr>
+                                      <p:to>
+                                        <p:strVal val="visible"/>
+                                      </p:to>
+                                    </p:set>
+                                  </p:childTnLst>
+                                </p:cTn>
+                              </p:par>
+                              <p:par>
+                                <p:cTn id="55" presetID="1" presetClass="entr" presetSubtype="0" fill="hold" nodeType="withEffect">
+                                  <p:stCondLst>
+                                    <p:cond delay="0"/>
+                                  </p:stCondLst>
+                                  <p:childTnLst>
+                                    <p:set>
+                                      <p:cBhvr>
+                                        <p:cTn id="56" dur="1" fill="hold">
+                                          <p:stCondLst>
+                                            <p:cond delay="0"/>
+                                          </p:stCondLst>
+                                        </p:cTn>
+                                        <p:tgtEl>
+                                          <p:spTgt spid="59"/>
+                                        </p:tgtEl>
+                                        <p:attrNameLst>
+                                          <p:attrName>style.visibility</p:attrName>
+                                        </p:attrNameLst>
+                                      </p:cBhvr>
+                                      <p:to>
+                                        <p:strVal val="visible"/>
+                                      </p:to>
+                                    </p:set>
+                                  </p:childTnLst>
+                                </p:cTn>
+                              </p:par>
+                              <p:par>
+                                <p:cTn id="57" presetID="1" presetClass="entr" presetSubtype="0" fill="hold" nodeType="withEffect">
+                                  <p:stCondLst>
+                                    <p:cond delay="0"/>
+                                  </p:stCondLst>
+                                  <p:childTnLst>
+                                    <p:set>
+                                      <p:cBhvr>
+                                        <p:cTn id="58" dur="1" fill="hold">
+                                          <p:stCondLst>
+                                            <p:cond delay="0"/>
+                                          </p:stCondLst>
+                                        </p:cTn>
+                                        <p:tgtEl>
+                                          <p:spTgt spid="60"/>
+                                        </p:tgtEl>
+                                        <p:attrNameLst>
+                                          <p:attrName>style.visibility</p:attrName>
+                                        </p:attrNameLst>
+                                      </p:cBhvr>
+                                      <p:to>
+                                        <p:strVal val="visible"/>
+                                      </p:to>
+                                    </p:set>
+                                  </p:childTnLst>
+                                </p:cTn>
+                              </p:par>
+                              <p:par>
+                                <p:cTn id="59" presetID="1" presetClass="entr" presetSubtype="0" fill="hold" nodeType="withEffect">
+                                  <p:stCondLst>
+                                    <p:cond delay="0"/>
+                                  </p:stCondLst>
+                                  <p:childTnLst>
+                                    <p:set>
+                                      <p:cBhvr>
+                                        <p:cTn id="60" dur="1" fill="hold">
+                                          <p:stCondLst>
+                                            <p:cond delay="0"/>
+                                          </p:stCondLst>
+                                        </p:cTn>
+                                        <p:tgtEl>
+                                          <p:spTgt spid="61"/>
+                                        </p:tgtEl>
+                                        <p:attrNameLst>
+                                          <p:attrName>style.visibility</p:attrName>
+                                        </p:attrNameLst>
+                                      </p:cBhvr>
+                                      <p:to>
+                                        <p:strVal val="visible"/>
+                                      </p:to>
+                                    </p:set>
+                                  </p:childTnLst>
+                                </p:cTn>
+                              </p:par>
+                              <p:par>
+                                <p:cTn id="61" presetID="1" presetClass="entr" presetSubtype="0" fill="hold" grpId="0" nodeType="withEffect">
+                                  <p:stCondLst>
+                                    <p:cond delay="0"/>
+                                  </p:stCondLst>
+                                  <p:childTnLst>
+                                    <p:set>
+                                      <p:cBhvr>
+                                        <p:cTn id="62" dur="1" fill="hold">
+                                          <p:stCondLst>
+                                            <p:cond delay="0"/>
+                                          </p:stCondLst>
+                                        </p:cTn>
+                                        <p:tgtEl>
+                                          <p:spTgt spid="62"/>
+                                        </p:tgtEl>
+                                        <p:attrNameLst>
+                                          <p:attrName>style.visibility</p:attrName>
+                                        </p:attrNameLst>
+                                      </p:cBhvr>
+                                      <p:to>
+                                        <p:strVal val="visible"/>
+                                      </p:to>
+                                    </p:set>
+                                  </p:childTnLst>
+                                </p:cTn>
+                              </p:par>
+                              <p:par>
+                                <p:cTn id="63" presetID="1" presetClass="entr" presetSubtype="0" fill="hold" grpId="0" nodeType="withEffect">
+                                  <p:stCondLst>
+                                    <p:cond delay="0"/>
+                                  </p:stCondLst>
+                                  <p:childTnLst>
+                                    <p:set>
+                                      <p:cBhvr>
+                                        <p:cTn id="64" dur="1" fill="hold">
+                                          <p:stCondLst>
+                                            <p:cond delay="0"/>
+                                          </p:stCondLst>
+                                        </p:cTn>
+                                        <p:tgtEl>
+                                          <p:spTgt spid="68"/>
+                                        </p:tgtEl>
+                                        <p:attrNameLst>
+                                          <p:attrName>style.visibility</p:attrName>
+                                        </p:attrNameLst>
+                                      </p:cBhvr>
+                                      <p:to>
+                                        <p:strVal val="visible"/>
+                                      </p:to>
+                                    </p:set>
+                                  </p:childTnLst>
+                                </p:cTn>
+                              </p:par>
+                            </p:childTnLst>
+                          </p:cTn>
+                        </p:par>
+                      </p:childTnLst>
+                    </p:cTn>
+                  </p:par>
+                  <p:par>
+                    <p:cTn id="65" fill="hold">
+                      <p:stCondLst>
+                        <p:cond delay="indefinite"/>
+                      </p:stCondLst>
+                      <p:childTnLst>
+                        <p:par>
+                          <p:cTn id="66" fill="hold">
+                            <p:stCondLst>
+                              <p:cond delay="0"/>
+                            </p:stCondLst>
+                            <p:childTnLst>
+                              <p:par>
+                                <p:cTn id="67" presetID="1" presetClass="entr" presetSubtype="0" fill="hold" nodeType="clickEffect">
+                                  <p:stCondLst>
+                                    <p:cond delay="0"/>
+                                  </p:stCondLst>
+                                  <p:childTnLst>
+                                    <p:set>
+                                      <p:cBhvr>
+                                        <p:cTn id="68" dur="1" fill="hold">
+                                          <p:stCondLst>
+                                            <p:cond delay="0"/>
+                                          </p:stCondLst>
+                                        </p:cTn>
+                                        <p:tgtEl>
+                                          <p:spTgt spid="3">
+                                            <p:txEl>
+                                              <p:pRg st="0" end="0"/>
+                                            </p:txEl>
+                                          </p:spTgt>
+                                        </p:tgtEl>
+                                        <p:attrNameLst>
+                                          <p:attrName>style.visibility</p:attrName>
+                                        </p:attrNameLst>
+                                      </p:cBhvr>
+                                      <p:to>
+                                        <p:strVal val="visible"/>
+                                      </p:to>
+                                    </p:set>
+                                  </p:childTnLst>
+                                </p:cTn>
+                              </p:par>
+                              <p:par>
+                                <p:cTn id="69" presetID="1" presetClass="entr" presetSubtype="0" fill="hold" nodeType="withEffect">
+                                  <p:stCondLst>
+                                    <p:cond delay="0"/>
+                                  </p:stCondLst>
+                                  <p:childTnLst>
+                                    <p:set>
+                                      <p:cBhvr>
+                                        <p:cTn id="70" dur="1" fill="hold">
+                                          <p:stCondLst>
+                                            <p:cond delay="0"/>
+                                          </p:stCondLst>
+                                        </p:cTn>
+                                        <p:tgtEl>
+                                          <p:spTgt spid="3">
+                                            <p:txEl>
+                                              <p:pRg st="1" end="1"/>
+                                            </p:txEl>
+                                          </p:spTgt>
+                                        </p:tgtEl>
+                                        <p:attrNameLst>
+                                          <p:attrName>style.visibility</p:attrName>
+                                        </p:attrNameLst>
+                                      </p:cBhvr>
+                                      <p:to>
+                                        <p:strVal val="visible"/>
+                                      </p:to>
+                                    </p:set>
+                                  </p:childTnLst>
+                                </p:cTn>
+                              </p:par>
+                              <p:par>
+                                <p:cTn id="71" presetID="1" presetClass="entr" presetSubtype="0" fill="hold" nodeType="withEffect">
+                                  <p:stCondLst>
+                                    <p:cond delay="0"/>
+                                  </p:stCondLst>
+                                  <p:childTnLst>
+                                    <p:set>
+                                      <p:cBhvr>
+                                        <p:cTn id="72" dur="1" fill="hold">
+                                          <p:stCondLst>
+                                            <p:cond delay="0"/>
+                                          </p:stCondLst>
+                                        </p:cTn>
+                                        <p:tgtEl>
+                                          <p:spTgt spid="3">
+                                            <p:txEl>
+                                              <p:pRg st="2" end="2"/>
+                                            </p:txEl>
+                                          </p:spTgt>
+                                        </p:tgtEl>
+                                        <p:attrNameLst>
+                                          <p:attrName>style.visibility</p:attrName>
+                                        </p:attrNameLst>
+                                      </p:cBhvr>
+                                      <p:to>
+                                        <p:strVal val="visible"/>
+                                      </p:to>
+                                    </p:set>
+                                  </p:childTnLst>
+                                </p:cTn>
+                              </p:par>
+                            </p:childTnLst>
+                          </p:cTn>
+                        </p:par>
+                      </p:childTnLst>
+                    </p:cTn>
+                  </p:par>
+                  <p:par>
+                    <p:cTn id="73" fill="hold">
+                      <p:stCondLst>
+                        <p:cond delay="indefinite"/>
+                      </p:stCondLst>
+                      <p:childTnLst>
+                        <p:par>
+                          <p:cTn id="74" fill="hold">
+                            <p:stCondLst>
+                              <p:cond delay="0"/>
+                            </p:stCondLst>
+                            <p:childTnLst>
+                              <p:par>
+                                <p:cTn id="75" presetID="1" presetClass="entr" presetSubtype="0" fill="hold" nodeType="clickEffect">
+                                  <p:stCondLst>
+                                    <p:cond delay="0"/>
+                                  </p:stCondLst>
+                                  <p:childTnLst>
+                                    <p:set>
+                                      <p:cBhvr>
+                                        <p:cTn id="76" dur="1" fill="hold">
+                                          <p:stCondLst>
+                                            <p:cond delay="0"/>
+                                          </p:stCondLst>
+                                        </p:cTn>
+                                        <p:tgtEl>
+                                          <p:spTgt spid="3">
+                                            <p:txEl>
+                                              <p:pRg st="3" end="3"/>
+                                            </p:txEl>
+                                          </p:spTgt>
+                                        </p:tgtEl>
+                                        <p:attrNameLst>
+                                          <p:attrName>style.visibility</p:attrName>
+                                        </p:attrNameLst>
+                                      </p:cBhvr>
+                                      <p:to>
+                                        <p:strVal val="visible"/>
+                                      </p:to>
+                                    </p:set>
+                                  </p:childTnLst>
+                                </p:cTn>
+                              </p:par>
+                              <p:par>
+                                <p:cTn id="77" presetID="1" presetClass="entr" presetSubtype="0" fill="hold" nodeType="withEffect">
+                                  <p:stCondLst>
+                                    <p:cond delay="0"/>
+                                  </p:stCondLst>
+                                  <p:childTnLst>
+                                    <p:set>
+                                      <p:cBhvr>
+                                        <p:cTn id="78" dur="1" fill="hold">
+                                          <p:stCondLst>
+                                            <p:cond delay="0"/>
+                                          </p:stCondLst>
+                                        </p:cTn>
+                                        <p:tgtEl>
+                                          <p:spTgt spid="3">
+                                            <p:txEl>
+                                              <p:pRg st="4" end="4"/>
+                                            </p:txEl>
+                                          </p:spTgt>
+                                        </p:tgtEl>
+                                        <p:attrNameLst>
+                                          <p:attrName>style.visibility</p:attrName>
+                                        </p:attrNameLst>
+                                      </p:cBhvr>
+                                      <p:to>
+                                        <p:strVal val="visible"/>
+                                      </p:to>
+                                    </p:set>
+                                  </p:childTnLst>
+                                </p:cTn>
+                              </p:par>
+                            </p:childTnLst>
+                          </p:cTn>
+                        </p:par>
+                      </p:childTnLst>
+                    </p:cTn>
+                  </p:par>
+                  <p:par>
+                    <p:cTn id="79" fill="hold">
+                      <p:stCondLst>
+                        <p:cond delay="indefinite"/>
+                      </p:stCondLst>
+                      <p:childTnLst>
+                        <p:par>
+                          <p:cTn id="80" fill="hold">
+                            <p:stCondLst>
+                              <p:cond delay="0"/>
+                            </p:stCondLst>
+                            <p:childTnLst>
+                              <p:par>
+                                <p:cTn id="81" presetID="1" presetClass="entr" presetSubtype="0" fill="hold" grpId="0" nodeType="clickEffect">
+                                  <p:stCondLst>
+                                    <p:cond delay="0"/>
+                                  </p:stCondLst>
+                                  <p:childTnLst>
+                                    <p:set>
+                                      <p:cBhvr>
+                                        <p:cTn id="82" dur="1" fill="hold">
+                                          <p:stCondLst>
+                                            <p:cond delay="0"/>
+                                          </p:stCondLst>
+                                        </p:cTn>
+                                        <p:tgtEl>
+                                          <p:spTgt spid="67"/>
+                                        </p:tgtEl>
+                                        <p:attrNameLst>
+                                          <p:attrName>style.visibility</p:attrName>
+                                        </p:attrNameLst>
+                                      </p:cBhvr>
+                                      <p:to>
+                                        <p:strVal val="visible"/>
+                                      </p:to>
+                                    </p:set>
+                                  </p:childTnLst>
+                                </p:cTn>
+                              </p:par>
+                              <p:par>
+                                <p:cTn id="83" presetID="1" presetClass="entr" presetSubtype="0" fill="hold" grpId="0" nodeType="withEffect">
+                                  <p:stCondLst>
+                                    <p:cond delay="0"/>
+                                  </p:stCondLst>
+                                  <p:childTnLst>
+                                    <p:set>
+                                      <p:cBhvr>
+                                        <p:cTn id="84" dur="1" fill="hold">
+                                          <p:stCondLst>
+                                            <p:cond delay="0"/>
+                                          </p:stCondLst>
+                                        </p:cTn>
+                                        <p:tgtEl>
+                                          <p:spTgt spid="63"/>
+                                        </p:tgtEl>
+                                        <p:attrNameLst>
+                                          <p:attrName>style.visibility</p:attrName>
+                                        </p:attrNameLst>
+                                      </p:cBhvr>
+                                      <p:to>
+                                        <p:strVal val="visible"/>
+                                      </p:to>
+                                    </p:set>
+                                  </p:childTnLst>
+                                </p:cTn>
+                              </p:par>
+                              <p:par>
+                                <p:cTn id="85" presetID="1" presetClass="entr" presetSubtype="0" fill="hold" grpId="0" nodeType="withEffect">
+                                  <p:stCondLst>
+                                    <p:cond delay="0"/>
+                                  </p:stCondLst>
+                                  <p:childTnLst>
+                                    <p:set>
+                                      <p:cBhvr>
+                                        <p:cTn id="86" dur="1" fill="hold">
+                                          <p:stCondLst>
+                                            <p:cond delay="0"/>
+                                          </p:stCondLst>
+                                        </p:cTn>
+                                        <p:tgtEl>
+                                          <p:spTgt spid="64"/>
+                                        </p:tgtEl>
+                                        <p:attrNameLst>
+                                          <p:attrName>style.visibility</p:attrName>
+                                        </p:attrNameLst>
+                                      </p:cBhvr>
+                                      <p:to>
+                                        <p:strVal val="visible"/>
+                                      </p:to>
+                                    </p:set>
+                                  </p:childTnLst>
+                                </p:cTn>
+                              </p:par>
+                            </p:childTnLst>
+                          </p:cTn>
+                        </p:par>
+                      </p:childTnLst>
+                    </p:cTn>
+                  </p:par>
+                </p:childTnLst>
+              </p:cTn>
+              <p:prevCondLst>
+                <p:cond evt="onPrev" delay="0">
+                  <p:tgtEl>
+                    <p:sldTgt/>
+                  </p:tgtEl>
+                </p:cond>
+              </p:prevCondLst>
+              <p:nextCondLst>
+                <p:cond evt="onNext" delay="0">
+                  <p:tgtEl>
+                    <p:sldTgt/>
+                  </p:tgtEl>
+                </p:cond>
+              </p:nextCondLst>
+            </p:seq>
+          </p:childTnLst>
+        </p:cTn>
+      </p:par>
+    </p:tnLst>
+    <p:bldLst>
+      <p:bldP spid="7" grpId="0" animBg="1"/>
+      <p:bldP spid="22" grpId="0"/>
+      <p:bldP spid="23" grpId="0"/>
+      <p:bldP spid="53" grpId="0"/>
+      <p:bldP spid="54" grpId="0"/>
+      <p:bldP spid="62" grpId="0" animBg="1"/>
+      <p:bldP spid="63" grpId="0" animBg="1"/>
+      <p:bldP spid="64" grpId="0" animBg="1"/>
+      <p:bldP spid="67" grpId="0" animBg="1"/>
+      <p:bldP spid="68" grpId="0"/>
+    </p:bldLst>
+  </p:timing>
+</p:sld>
+</file>
+
+<file path=ppt/slides/slide4.xml><?xml version="1.0" encoding="utf-8"?>
+<p:sld xmlns:a="http://schemas.openxmlformats.org/drawingml/2006/main" xmlns:r="http://schemas.openxmlformats.org/officeDocument/2006/relationships" xmlns:p="http://schemas.openxmlformats.org/presentationml/2006/main">
+  <p:cSld>
+    <p:spTree>
+      <p:nvGrpSpPr>
+        <p:cNvPr id="1" name=""/>
+        <p:cNvGrpSpPr/>
+        <p:nvPr/>
+      </p:nvGrpSpPr>
+      <p:grpSpPr>
+        <a:xfrm>
+          <a:off x="0" y="0"/>
+          <a:ext cx="0" cy="0"/>
+          <a:chOff x="0" y="0"/>
+          <a:chExt cx="0" cy="0"/>
+        </a:xfrm>
+      </p:grpSpPr>
+      <p:sp>
+        <p:nvSpPr>
+          <p:cNvPr id="2" name="Title 1">
+            <a:extLst>
+              <a:ext uri="{FF2B5EF4-FFF2-40B4-BE49-F238E27FC236}">
+                <a16:creationId xmlns:a16="http://schemas.microsoft.com/office/drawing/2014/main" id="{1B9371A9-7985-4750-8984-3FEAD62EF375}"/>
+              </a:ext>
+            </a:extLst>
+          </p:cNvPr>
+          <p:cNvSpPr>
+            <a:spLocks noGrp="1"/>
+          </p:cNvSpPr>
+          <p:nvPr>
+            <p:ph type="title"/>
+          </p:nvPr>
+        </p:nvSpPr>
+        <p:spPr/>
+        <p:txBody>
+          <a:bodyPr/>
+          <a:lstStyle/>
+          <a:p>
+            <a:r>
+              <a:rPr lang="en-US" dirty="0"/>
+              <a:t>Motivation</a:t>
+            </a:r>
+          </a:p>
+        </p:txBody>
+      </p:sp>
+      <p:sp>
+        <p:nvSpPr>
+          <p:cNvPr id="3" name="Content Placeholder 2">
+            <a:extLst>
+              <a:ext uri="{FF2B5EF4-FFF2-40B4-BE49-F238E27FC236}">
+                <a16:creationId xmlns:a16="http://schemas.microsoft.com/office/drawing/2014/main" id="{B7976685-BBF1-4727-9FAB-7FB81D1B5139}"/>
+              </a:ext>
+            </a:extLst>
+          </p:cNvPr>
+          <p:cNvSpPr>
+            <a:spLocks noGrp="1"/>
+          </p:cNvSpPr>
+          <p:nvPr>
+            <p:ph idx="1"/>
+          </p:nvPr>
+        </p:nvSpPr>
+        <p:spPr/>
+        <p:txBody>
+          <a:bodyPr/>
+          <a:lstStyle/>
+          <a:p>
+            <a:r>
+              <a:rPr lang="en-US" dirty="0"/>
+              <a:t>Provide a set of functions that allow users to manage data flexibly, rigorously, and easy to verify the results. </a:t>
+            </a:r>
+          </a:p>
+          <a:p>
+            <a:r>
+              <a:rPr lang="en-US" dirty="0"/>
+              <a:t>This helps the users avoid spending time on</a:t>
+            </a:r>
+          </a:p>
+          <a:p>
+            <a:pPr lvl="1"/>
+            <a:r>
+              <a:rPr lang="en-US" dirty="0"/>
+              <a:t>Verifying basic properties (e.g., alignment on the trigger) of PSTHs</a:t>
+            </a:r>
+          </a:p>
+          <a:p>
+            <a:pPr lvl="1"/>
+            <a:r>
+              <a:rPr lang="en-US" dirty="0"/>
+              <a:t>Combining PSTHs and aligning time series across different PSTHs</a:t>
+            </a:r>
+          </a:p>
+          <a:p>
+            <a:pPr lvl="1"/>
+            <a:r>
+              <a:rPr lang="en-US" dirty="0"/>
+              <a:t>Checking whether some experimental groups are missing</a:t>
+            </a:r>
+          </a:p>
+          <a:p>
+            <a:pPr lvl="1"/>
+            <a:r>
+              <a:rPr lang="en-US" dirty="0"/>
+              <a:t>Dealing with errors in ‘basic but essential’ data processing parts.</a:t>
+            </a:r>
+          </a:p>
+          <a:p>
+            <a:r>
+              <a:rPr lang="en-US" dirty="0"/>
+              <a:t>Users can focus on their own scientific questions</a:t>
+            </a:r>
+          </a:p>
+          <a:p>
+            <a:pPr lvl="1"/>
+            <a:r>
+              <a:rPr lang="en-US" dirty="0"/>
+              <a:t>E.g., what does the multi-dimensional population activity mean?</a:t>
+            </a:r>
+          </a:p>
+        </p:txBody>
+      </p:sp>
+    </p:spTree>
+    <p:extLst>
+      <p:ext uri="{BB962C8B-B14F-4D97-AF65-F5344CB8AC3E}">
+        <p14:creationId xmlns:p14="http://schemas.microsoft.com/office/powerpoint/2010/main" val="341603501"/>
       </p:ext>
     </p:extLst>
   </p:cSld>
@@ -6355,7 +9037,7 @@
           <p:cNvPr id="2" name="Title 1">
             <a:extLst>
               <a:ext uri="{FF2B5EF4-FFF2-40B4-BE49-F238E27FC236}">
-                <a16:creationId xmlns:a16="http://schemas.microsoft.com/office/drawing/2014/main" id="{99751610-01BC-4ACB-A346-965B931649E0}"/>
+                <a16:creationId xmlns:a16="http://schemas.microsoft.com/office/drawing/2014/main" id="{597FBE67-F76F-4500-835E-29D745036B00}"/>
               </a:ext>
             </a:extLst>
           </p:cNvPr>
@@ -6366,145 +9048,300 @@
             <p:ph type="title"/>
           </p:nvPr>
         </p:nvSpPr>
-        <p:spPr/>
+        <p:spPr>
+          <a:xfrm>
+            <a:off x="838200" y="207958"/>
+            <a:ext cx="10515600" cy="977900"/>
+          </a:xfrm>
+        </p:spPr>
         <p:txBody>
           <a:bodyPr/>
           <a:lstStyle/>
           <a:p>
             <a:r>
               <a:rPr lang="en-US" dirty="0"/>
-              <a:t>PSTH (peri-stimulus time histogram)</a:t>
+              <a:t>Design principle</a:t>
             </a:r>
           </a:p>
         </p:txBody>
       </p:sp>
       <p:sp>
         <p:nvSpPr>
-          <p:cNvPr id="3" name="Content Placeholder 2">
-            <a:extLst>
-              <a:ext uri="{FF2B5EF4-FFF2-40B4-BE49-F238E27FC236}">
-                <a16:creationId xmlns:a16="http://schemas.microsoft.com/office/drawing/2014/main" id="{37684F67-F8AE-4610-88C1-7949CC5F396F}"/>
-              </a:ext>
-            </a:extLst>
-          </p:cNvPr>
-          <p:cNvSpPr>
-            <a:spLocks noGrp="1"/>
+          <p:cNvPr id="4" name="Content Placeholder 2">
+            <a:extLst>
+              <a:ext uri="{FF2B5EF4-FFF2-40B4-BE49-F238E27FC236}">
+                <a16:creationId xmlns:a16="http://schemas.microsoft.com/office/drawing/2014/main" id="{1346E93F-A961-42D5-BCA1-0E36E27DCC04}"/>
+              </a:ext>
+            </a:extLst>
+          </p:cNvPr>
+          <p:cNvSpPr txBox="1">
+            <a:spLocks/>
           </p:cNvSpPr>
-          <p:nvPr>
-            <p:ph idx="1"/>
-          </p:nvPr>
+          <p:nvPr/>
         </p:nvSpPr>
-        <p:spPr/>
+        <p:spPr>
+          <a:xfrm>
+            <a:off x="671512" y="1357313"/>
+            <a:ext cx="10515600" cy="4819650"/>
+          </a:xfrm>
+          <a:prstGeom prst="rect">
+            <a:avLst/>
+          </a:prstGeom>
+        </p:spPr>
         <p:txBody>
-          <a:bodyPr>
-            <a:normAutofit fontScale="92500" lnSpcReduction="20000"/>
+          <a:bodyPr vert="horz" lIns="91440" tIns="45720" rIns="91440" bIns="45720" rtlCol="0">
+            <a:normAutofit/>
           </a:bodyPr>
-          <a:lstStyle/>
-          <a:p>
-            <a:pPr marL="0" indent="0">
-              <a:buNone/>
-            </a:pPr>
+          <a:lstStyle>
+            <a:lvl1pPr marL="228600" indent="-228600" algn="l" defTabSz="914400" rtl="0" eaLnBrk="1" latinLnBrk="0" hangingPunct="1">
+              <a:lnSpc>
+                <a:spcPct val="90000"/>
+              </a:lnSpc>
+              <a:spcBef>
+                <a:spcPts val="1000"/>
+              </a:spcBef>
+              <a:buFont typeface="Arial" panose="020B0604020202020204" pitchFamily="34" charset="0"/>
+              <a:buChar char="•"/>
+              <a:defRPr sz="2800" kern="1200">
+                <a:solidFill>
+                  <a:schemeClr val="tx1"/>
+                </a:solidFill>
+                <a:latin typeface="+mn-lt"/>
+                <a:ea typeface="+mn-ea"/>
+                <a:cs typeface="+mn-cs"/>
+              </a:defRPr>
+            </a:lvl1pPr>
+            <a:lvl2pPr marL="685800" indent="-228600" algn="l" defTabSz="914400" rtl="0" eaLnBrk="1" latinLnBrk="0" hangingPunct="1">
+              <a:lnSpc>
+                <a:spcPct val="90000"/>
+              </a:lnSpc>
+              <a:spcBef>
+                <a:spcPts val="500"/>
+              </a:spcBef>
+              <a:buFont typeface="Arial" panose="020B0604020202020204" pitchFamily="34" charset="0"/>
+              <a:buChar char="•"/>
+              <a:defRPr sz="2400" kern="1200">
+                <a:solidFill>
+                  <a:schemeClr val="tx1"/>
+                </a:solidFill>
+                <a:latin typeface="+mn-lt"/>
+                <a:ea typeface="+mn-ea"/>
+                <a:cs typeface="+mn-cs"/>
+              </a:defRPr>
+            </a:lvl2pPr>
+            <a:lvl3pPr marL="1143000" indent="-228600" algn="l" defTabSz="914400" rtl="0" eaLnBrk="1" latinLnBrk="0" hangingPunct="1">
+              <a:lnSpc>
+                <a:spcPct val="90000"/>
+              </a:lnSpc>
+              <a:spcBef>
+                <a:spcPts val="500"/>
+              </a:spcBef>
+              <a:buFont typeface="Arial" panose="020B0604020202020204" pitchFamily="34" charset="0"/>
+              <a:buChar char="•"/>
+              <a:defRPr sz="2000" kern="1200">
+                <a:solidFill>
+                  <a:schemeClr val="tx1"/>
+                </a:solidFill>
+                <a:latin typeface="+mn-lt"/>
+                <a:ea typeface="+mn-ea"/>
+                <a:cs typeface="+mn-cs"/>
+              </a:defRPr>
+            </a:lvl3pPr>
+            <a:lvl4pPr marL="1600200" indent="-228600" algn="l" defTabSz="914400" rtl="0" eaLnBrk="1" latinLnBrk="0" hangingPunct="1">
+              <a:lnSpc>
+                <a:spcPct val="90000"/>
+              </a:lnSpc>
+              <a:spcBef>
+                <a:spcPts val="500"/>
+              </a:spcBef>
+              <a:buFont typeface="Arial" panose="020B0604020202020204" pitchFamily="34" charset="0"/>
+              <a:buChar char="•"/>
+              <a:defRPr sz="1800" kern="1200">
+                <a:solidFill>
+                  <a:schemeClr val="tx1"/>
+                </a:solidFill>
+                <a:latin typeface="+mn-lt"/>
+                <a:ea typeface="+mn-ea"/>
+                <a:cs typeface="+mn-cs"/>
+              </a:defRPr>
+            </a:lvl4pPr>
+            <a:lvl5pPr marL="2057400" indent="-228600" algn="l" defTabSz="914400" rtl="0" eaLnBrk="1" latinLnBrk="0" hangingPunct="1">
+              <a:lnSpc>
+                <a:spcPct val="90000"/>
+              </a:lnSpc>
+              <a:spcBef>
+                <a:spcPts val="500"/>
+              </a:spcBef>
+              <a:buFont typeface="Arial" panose="020B0604020202020204" pitchFamily="34" charset="0"/>
+              <a:buChar char="•"/>
+              <a:defRPr sz="1800" kern="1200">
+                <a:solidFill>
+                  <a:schemeClr val="tx1"/>
+                </a:solidFill>
+                <a:latin typeface="+mn-lt"/>
+                <a:ea typeface="+mn-ea"/>
+                <a:cs typeface="+mn-cs"/>
+              </a:defRPr>
+            </a:lvl5pPr>
+            <a:lvl6pPr marL="2514600" indent="-228600" algn="l" defTabSz="914400" rtl="0" eaLnBrk="1" latinLnBrk="0" hangingPunct="1">
+              <a:lnSpc>
+                <a:spcPct val="90000"/>
+              </a:lnSpc>
+              <a:spcBef>
+                <a:spcPts val="500"/>
+              </a:spcBef>
+              <a:buFont typeface="Arial" panose="020B0604020202020204" pitchFamily="34" charset="0"/>
+              <a:buChar char="•"/>
+              <a:defRPr sz="1800" kern="1200">
+                <a:solidFill>
+                  <a:schemeClr val="tx1"/>
+                </a:solidFill>
+                <a:latin typeface="+mn-lt"/>
+                <a:ea typeface="+mn-ea"/>
+                <a:cs typeface="+mn-cs"/>
+              </a:defRPr>
+            </a:lvl6pPr>
+            <a:lvl7pPr marL="2971800" indent="-228600" algn="l" defTabSz="914400" rtl="0" eaLnBrk="1" latinLnBrk="0" hangingPunct="1">
+              <a:lnSpc>
+                <a:spcPct val="90000"/>
+              </a:lnSpc>
+              <a:spcBef>
+                <a:spcPts val="500"/>
+              </a:spcBef>
+              <a:buFont typeface="Arial" panose="020B0604020202020204" pitchFamily="34" charset="0"/>
+              <a:buChar char="•"/>
+              <a:defRPr sz="1800" kern="1200">
+                <a:solidFill>
+                  <a:schemeClr val="tx1"/>
+                </a:solidFill>
+                <a:latin typeface="+mn-lt"/>
+                <a:ea typeface="+mn-ea"/>
+                <a:cs typeface="+mn-cs"/>
+              </a:defRPr>
+            </a:lvl7pPr>
+            <a:lvl8pPr marL="3429000" indent="-228600" algn="l" defTabSz="914400" rtl="0" eaLnBrk="1" latinLnBrk="0" hangingPunct="1">
+              <a:lnSpc>
+                <a:spcPct val="90000"/>
+              </a:lnSpc>
+              <a:spcBef>
+                <a:spcPts val="500"/>
+              </a:spcBef>
+              <a:buFont typeface="Arial" panose="020B0604020202020204" pitchFamily="34" charset="0"/>
+              <a:buChar char="•"/>
+              <a:defRPr sz="1800" kern="1200">
+                <a:solidFill>
+                  <a:schemeClr val="tx1"/>
+                </a:solidFill>
+                <a:latin typeface="+mn-lt"/>
+                <a:ea typeface="+mn-ea"/>
+                <a:cs typeface="+mn-cs"/>
+              </a:defRPr>
+            </a:lvl8pPr>
+            <a:lvl9pPr marL="3886200" indent="-228600" algn="l" defTabSz="914400" rtl="0" eaLnBrk="1" latinLnBrk="0" hangingPunct="1">
+              <a:lnSpc>
+                <a:spcPct val="90000"/>
+              </a:lnSpc>
+              <a:spcBef>
+                <a:spcPts val="500"/>
+              </a:spcBef>
+              <a:buFont typeface="Arial" panose="020B0604020202020204" pitchFamily="34" charset="0"/>
+              <a:buChar char="•"/>
+              <a:defRPr sz="1800" kern="1200">
+                <a:solidFill>
+                  <a:schemeClr val="tx1"/>
+                </a:solidFill>
+                <a:latin typeface="+mn-lt"/>
+                <a:ea typeface="+mn-ea"/>
+                <a:cs typeface="+mn-cs"/>
+              </a:defRPr>
+            </a:lvl9pPr>
+          </a:lstStyle>
+          <a:p>
+            <a:r>
+              <a:rPr lang="en-US" dirty="0"/>
+              <a:t>Single-session plot</a:t>
+            </a:r>
+          </a:p>
+          <a:p>
+            <a:pPr lvl="1"/>
+            <a:r>
+              <a:rPr lang="en-US" dirty="0"/>
+              <a:t>Show individual trials and average PSTH</a:t>
+            </a:r>
+          </a:p>
+          <a:p>
+            <a:pPr lvl="1"/>
+            <a:r>
+              <a:rPr lang="en-US" dirty="0"/>
+              <a:t>Variable time window (e.g., reaction-time tasks)</a:t>
+            </a:r>
+          </a:p>
+          <a:p>
+            <a:pPr lvl="1"/>
+            <a:r>
+              <a:rPr lang="en-US" dirty="0"/>
+              <a:t>Sort trials by experimental conditions</a:t>
+            </a:r>
+          </a:p>
+          <a:p>
+            <a:pPr lvl="1"/>
+            <a:r>
+              <a:rPr lang="en-US" dirty="0"/>
+              <a:t>Sort trials by an event of interest</a:t>
+            </a:r>
+          </a:p>
+          <a:p>
+            <a:pPr lvl="1"/>
+            <a:r>
+              <a:rPr lang="en-US" dirty="0"/>
+              <a:t>Statistical test</a:t>
+            </a:r>
+          </a:p>
+          <a:p>
+            <a:pPr lvl="1"/>
+            <a:r>
+              <a:rPr lang="en-US" dirty="0"/>
+              <a:t>Save the PSTHs with all the </a:t>
+            </a:r>
             <a:r>
               <a:rPr lang="en-US" dirty="0" err="1"/>
-              <a:t>plot_timecourse</a:t>
+              <a:t>relevent</a:t>
             </a:r>
             <a:r>
               <a:rPr lang="en-US" dirty="0"/>
-              <a:t>(</a:t>
-            </a:r>
-            <a:r>
-              <a:rPr lang="en-US" dirty="0" err="1"/>
-              <a:t>data_type</a:t>
-            </a:r>
+              <a:t> (e.g., group, timing, event) information</a:t>
+            </a:r>
+          </a:p>
+          <a:p>
             <a:r>
               <a:rPr lang="en-US" dirty="0"/>
-              <a:t>, resp, trigger, </a:t>
-            </a:r>
-            <a:r>
-              <a:rPr lang="en-US" dirty="0" err="1"/>
-              <a:t>trial_start</a:t>
-            </a:r>
+              <a:t>Population plot</a:t>
+            </a:r>
+          </a:p>
+          <a:p>
+            <a:pPr lvl="1"/>
             <a:r>
               <a:rPr lang="en-US" dirty="0"/>
-              <a:t>, </a:t>
-            </a:r>
-            <a:r>
-              <a:rPr lang="en-US" dirty="0" err="1"/>
-              <a:t>trial_end</a:t>
-            </a:r>
+              <a:t>Manage multiple PSTHs easily</a:t>
+            </a:r>
+          </a:p>
+          <a:p>
+            <a:pPr lvl="1"/>
             <a:r>
               <a:rPr lang="en-US" dirty="0"/>
-              <a:t>, grp, </a:t>
-            </a:r>
-            <a:r>
-              <a:rPr lang="en-US" dirty="0" err="1"/>
-              <a:t>varargin</a:t>
-            </a:r>
+              <a:t>Combine different time range</a:t>
+            </a:r>
+          </a:p>
+          <a:p>
+            <a:pPr lvl="1"/>
             <a:r>
               <a:rPr lang="en-US" dirty="0"/>
-              <a:t>)</a:t>
-            </a:r>
-          </a:p>
-          <a:p>
+              <a:t>Check integrity of experimental conditions across sessions</a:t>
+            </a:r>
+          </a:p>
+          <a:p>
+            <a:pPr lvl="1"/>
             <a:endParaRPr lang="en-US" dirty="0"/>
-          </a:p>
-          <a:p>
-            <a:r>
-              <a:rPr lang="en-US" dirty="0"/>
-              <a:t>Type-free</a:t>
-            </a:r>
-          </a:p>
-          <a:p>
-            <a:pPr lvl="1"/>
-            <a:r>
-              <a:rPr lang="en-US" dirty="0"/>
-              <a:t>Continuous or timestamp as a function of time</a:t>
-            </a:r>
-          </a:p>
-          <a:p>
-            <a:pPr lvl="1"/>
-            <a:r>
-              <a:rPr lang="en-US" dirty="0"/>
-              <a:t>Continuous or timestamp as a function of distance</a:t>
-            </a:r>
-          </a:p>
-          <a:p>
-            <a:r>
-              <a:rPr lang="en-US" dirty="0"/>
-              <a:t>Flexible</a:t>
-            </a:r>
-          </a:p>
-          <a:p>
-            <a:pPr lvl="1"/>
-            <a:r>
-              <a:rPr lang="en-US" dirty="0"/>
-              <a:t>Constant window or variable window</a:t>
-            </a:r>
-          </a:p>
-          <a:p>
-            <a:r>
-              <a:rPr lang="en-US" dirty="0"/>
-              <a:t>Rigorous</a:t>
-            </a:r>
-          </a:p>
-          <a:p>
-            <a:pPr lvl="1"/>
-            <a:r>
-              <a:rPr lang="en-US" dirty="0"/>
-              <a:t>N</a:t>
-            </a:r>
-          </a:p>
-          <a:p>
-            <a:r>
-              <a:rPr lang="en-US" dirty="0"/>
-              <a:t>Stats</a:t>
-            </a:r>
-          </a:p>
-          <a:p>
-            <a:r>
-              <a:rPr lang="en-US" dirty="0"/>
-              <a:t>Easy to save, load, plot</a:t>
-            </a:r>
           </a:p>
           <a:p>
             <a:endParaRPr lang="en-US" dirty="0"/>
@@ -6514,7 +9351,7 @@
     </p:spTree>
     <p:extLst>
       <p:ext uri="{BB962C8B-B14F-4D97-AF65-F5344CB8AC3E}">
-        <p14:creationId xmlns:p14="http://schemas.microsoft.com/office/powerpoint/2010/main" val="390215011"/>
+        <p14:creationId xmlns:p14="http://schemas.microsoft.com/office/powerpoint/2010/main" val="2494414680"/>
       </p:ext>
     </p:extLst>
   </p:cSld>
@@ -6546,7 +9383,7 @@
           <p:cNvPr id="2" name="Title 1">
             <a:extLst>
               <a:ext uri="{FF2B5EF4-FFF2-40B4-BE49-F238E27FC236}">
-                <a16:creationId xmlns:a16="http://schemas.microsoft.com/office/drawing/2014/main" id="{FFE1E5A7-5416-4D8E-99DD-A54825E28448}"/>
+                <a16:creationId xmlns:a16="http://schemas.microsoft.com/office/drawing/2014/main" id="{99751610-01BC-4ACB-A346-965B931649E0}"/>
               </a:ext>
             </a:extLst>
           </p:cNvPr>
@@ -6557,14 +9394,23 @@
             <p:ph type="title"/>
           </p:nvPr>
         </p:nvSpPr>
-        <p:spPr/>
+        <p:spPr>
+          <a:xfrm>
+            <a:off x="241851" y="-148394"/>
+            <a:ext cx="10515600" cy="1325563"/>
+          </a:xfrm>
+        </p:spPr>
         <p:txBody>
           <a:bodyPr/>
           <a:lstStyle/>
           <a:p>
             <a:r>
+              <a:rPr lang="en-US" dirty="0" err="1"/>
+              <a:t>plot_timecourse</a:t>
+            </a:r>
+            <a:r>
               <a:rPr lang="en-US" dirty="0"/>
-              <a:t>Population analysis</a:t>
+              <a:t>(): plotting PSTH</a:t>
             </a:r>
           </a:p>
         </p:txBody>
@@ -6574,7 +9420,7 @@
           <p:cNvPr id="3" name="Content Placeholder 2">
             <a:extLst>
               <a:ext uri="{FF2B5EF4-FFF2-40B4-BE49-F238E27FC236}">
-                <a16:creationId xmlns:a16="http://schemas.microsoft.com/office/drawing/2014/main" id="{E7D0BC1D-3A23-4982-AF37-9CEA1C46788D}"/>
+                <a16:creationId xmlns:a16="http://schemas.microsoft.com/office/drawing/2014/main" id="{37684F67-F8AE-4610-88C1-7949CC5F396F}"/>
               </a:ext>
             </a:extLst>
           </p:cNvPr>
@@ -6585,56 +9431,193 @@
             <p:ph idx="1"/>
           </p:nvPr>
         </p:nvSpPr>
-        <p:spPr/>
+        <p:spPr>
+          <a:xfrm>
+            <a:off x="6457950" y="971550"/>
+            <a:ext cx="5492198" cy="5524500"/>
+          </a:xfrm>
+        </p:spPr>
         <p:txBody>
-          <a:bodyPr/>
+          <a:bodyPr>
+            <a:normAutofit/>
+          </a:bodyPr>
           <a:lstStyle/>
           <a:p>
+            <a:pPr marL="0" indent="0">
+              <a:buNone/>
+            </a:pPr>
             <a:r>
               <a:rPr lang="en-US" dirty="0"/>
-              <a:t>Extract numbers from PSTHs</a:t>
-            </a:r>
-          </a:p>
-          <a:p>
+              <a:t>Download and install</a:t>
+            </a:r>
+          </a:p>
+          <a:p>
+            <a:pPr>
+              <a:buFontTx/>
+              <a:buChar char="-"/>
+            </a:pPr>
             <a:r>
               <a:rPr lang="en-US" dirty="0"/>
-              <a:t>Within-session analysis (across trials)</a:t>
-            </a:r>
-          </a:p>
-          <a:p>
+              <a:t>Go to http://</a:t>
+            </a:r>
+          </a:p>
+          <a:p>
+            <a:pPr>
+              <a:buFontTx/>
+              <a:buChar char="-"/>
+            </a:pPr>
             <a:r>
               <a:rPr lang="en-US" dirty="0"/>
-              <a:t>Across-session analysis (using session-average, across session)</a:t>
-            </a:r>
-          </a:p>
-          <a:p>
+              <a:t>Click ‘save’</a:t>
+            </a:r>
+          </a:p>
+          <a:p>
+            <a:pPr>
+              <a:buFontTx/>
+              <a:buChar char="-"/>
+            </a:pPr>
             <a:r>
               <a:rPr lang="en-US" dirty="0"/>
-              <a:t>Visualization accompanies stats</a:t>
-            </a:r>
-          </a:p>
-          <a:p>
+              <a:t>Open Matlab</a:t>
+            </a:r>
+          </a:p>
+          <a:p>
+            <a:pPr marL="0" indent="0">
+              <a:buNone/>
+            </a:pPr>
             <a:r>
               <a:rPr lang="en-US" dirty="0"/>
-              <a:t>Rigorous</a:t>
+              <a:t>&gt;&gt; load </a:t>
+            </a:r>
+            <a:r>
+              <a:rPr lang="en-US" dirty="0" err="1"/>
+              <a:t>libtimecourse_demo_data</a:t>
+            </a:r>
+            <a:endParaRPr lang="en-US" dirty="0"/>
+          </a:p>
+          <a:p>
+            <a:pPr marL="0" indent="0">
+              <a:buNone/>
+            </a:pPr>
+            <a:r>
+              <a:rPr lang="en-US" dirty="0"/>
+              <a:t>&gt;&gt; figure;</a:t>
+            </a:r>
+          </a:p>
+          <a:p>
+            <a:pPr marL="0" indent="0">
+              <a:buNone/>
+            </a:pPr>
+            <a:r>
+              <a:rPr lang="en-US" dirty="0"/>
+              <a:t>&gt;&gt; </a:t>
+            </a:r>
+            <a:r>
+              <a:rPr lang="en-US" dirty="0" err="1"/>
+              <a:t>plot_timecourse</a:t>
+            </a:r>
+            <a:r>
+              <a:rPr lang="en-US" dirty="0"/>
+              <a:t>(‘timestamp’, </a:t>
+            </a:r>
+            <a:r>
+              <a:rPr lang="en-US" dirty="0" err="1"/>
+              <a:t>ms_lick</a:t>
+            </a:r>
+            <a:r>
+              <a:rPr lang="en-US" dirty="0"/>
+              <a:t>, </a:t>
+            </a:r>
+            <a:r>
+              <a:rPr lang="en-US" dirty="0" err="1"/>
+              <a:t>ms_reward</a:t>
+            </a:r>
+            <a:r>
+              <a:rPr lang="en-US" dirty="0"/>
+              <a:t>, -2000, 2000);</a:t>
+            </a:r>
+          </a:p>
+          <a:p>
+            <a:endParaRPr lang="en-US" dirty="0"/>
+          </a:p>
+          <a:p>
+            <a:endParaRPr lang="en-US" dirty="0"/>
+          </a:p>
+        </p:txBody>
+      </p:sp>
+      <p:sp>
+        <p:nvSpPr>
+          <p:cNvPr id="5" name="Rectangle 4">
+            <a:extLst>
+              <a:ext uri="{FF2B5EF4-FFF2-40B4-BE49-F238E27FC236}">
+                <a16:creationId xmlns:a16="http://schemas.microsoft.com/office/drawing/2014/main" id="{11DBF8E8-14E3-4B23-A20D-D29DD07F2F1C}"/>
+              </a:ext>
+            </a:extLst>
+          </p:cNvPr>
+          <p:cNvSpPr/>
+          <p:nvPr/>
+        </p:nvSpPr>
+        <p:spPr>
+          <a:xfrm>
+            <a:off x="241851" y="4939427"/>
+            <a:ext cx="5682698" cy="1754326"/>
+          </a:xfrm>
+          <a:prstGeom prst="rect">
+            <a:avLst/>
+          </a:prstGeom>
+        </p:spPr>
+        <p:txBody>
+          <a:bodyPr wrap="square">
+            <a:spAutoFit/>
+          </a:bodyPr>
+          <a:lstStyle/>
+          <a:p>
+            <a:r>
+              <a:rPr lang="en-US" dirty="0"/>
+              <a:t>Features</a:t>
             </a:r>
           </a:p>
           <a:p>
             <a:pPr lvl="1"/>
             <a:r>
               <a:rPr lang="en-US" dirty="0"/>
-              <a:t>N, OL</a:t>
-            </a:r>
-          </a:p>
-          <a:p>
-            <a:endParaRPr lang="en-US" dirty="0"/>
+              <a:t>One function for both timestamp and continuous data</a:t>
+            </a:r>
+          </a:p>
+          <a:p>
+            <a:pPr lvl="1"/>
+            <a:r>
+              <a:rPr lang="en-US" dirty="0"/>
+              <a:t>Time window can be either constant or variable</a:t>
+            </a:r>
+          </a:p>
+          <a:p>
+            <a:pPr lvl="1"/>
+            <a:r>
+              <a:rPr lang="en-US" dirty="0"/>
+              <a:t>Show N for every plot</a:t>
+            </a:r>
+          </a:p>
+          <a:p>
+            <a:pPr lvl="1"/>
+            <a:r>
+              <a:rPr lang="en-US" dirty="0"/>
+              <a:t>Supports simple stats</a:t>
+            </a:r>
+          </a:p>
+          <a:p>
+            <a:pPr lvl="1"/>
+            <a:r>
+              <a:rPr lang="en-US" dirty="0"/>
+              <a:t>easy to save, load, and combine</a:t>
+            </a:r>
           </a:p>
         </p:txBody>
       </p:sp>
     </p:spTree>
     <p:extLst>
       <p:ext uri="{BB962C8B-B14F-4D97-AF65-F5344CB8AC3E}">
-        <p14:creationId xmlns:p14="http://schemas.microsoft.com/office/powerpoint/2010/main" val="3555894964"/>
+        <p14:creationId xmlns:p14="http://schemas.microsoft.com/office/powerpoint/2010/main" val="390215011"/>
       </p:ext>
     </p:extLst>
   </p:cSld>
@@ -6666,7 +9649,417 @@
           <p:cNvPr id="2" name="Title 1">
             <a:extLst>
               <a:ext uri="{FF2B5EF4-FFF2-40B4-BE49-F238E27FC236}">
-                <a16:creationId xmlns:a16="http://schemas.microsoft.com/office/drawing/2014/main" id="{20945CB4-53F1-4DEA-BA93-D6041C4B7289}"/>
+                <a16:creationId xmlns:a16="http://schemas.microsoft.com/office/drawing/2014/main" id="{7C007B39-041B-4E0E-89DC-7FF21BA4844D}"/>
+              </a:ext>
+            </a:extLst>
+          </p:cNvPr>
+          <p:cNvSpPr>
+            <a:spLocks noGrp="1"/>
+          </p:cNvSpPr>
+          <p:nvPr>
+            <p:ph type="title"/>
+          </p:nvPr>
+        </p:nvSpPr>
+        <p:spPr>
+          <a:xfrm>
+            <a:off x="188686" y="118383"/>
+            <a:ext cx="11814628" cy="1325563"/>
+          </a:xfrm>
+        </p:spPr>
+        <p:txBody>
+          <a:bodyPr>
+            <a:normAutofit/>
+          </a:bodyPr>
+          <a:lstStyle/>
+          <a:p>
+            <a:pPr algn="ctr"/>
+            <a:r>
+              <a:rPr lang="en-US" sz="4000" dirty="0"/>
+              <a:t>Data analysis framework</a:t>
+            </a:r>
+          </a:p>
+        </p:txBody>
+      </p:sp>
+      <p:sp>
+        <p:nvSpPr>
+          <p:cNvPr id="3" name="Content Placeholder 2">
+            <a:extLst>
+              <a:ext uri="{FF2B5EF4-FFF2-40B4-BE49-F238E27FC236}">
+                <a16:creationId xmlns:a16="http://schemas.microsoft.com/office/drawing/2014/main" id="{FF44A098-08C1-4911-B229-6500BED3EF06}"/>
+              </a:ext>
+            </a:extLst>
+          </p:cNvPr>
+          <p:cNvSpPr>
+            <a:spLocks noGrp="1"/>
+          </p:cNvSpPr>
+          <p:nvPr>
+            <p:ph idx="1"/>
+          </p:nvPr>
+        </p:nvSpPr>
+        <p:spPr/>
+        <p:txBody>
+          <a:bodyPr/>
+          <a:lstStyle/>
+          <a:p>
+            <a:endParaRPr lang="en-US"/>
+          </a:p>
+        </p:txBody>
+      </p:sp>
+      <p:sp>
+        <p:nvSpPr>
+          <p:cNvPr id="4" name="Rectangle 4">
+            <a:extLst>
+              <a:ext uri="{FF2B5EF4-FFF2-40B4-BE49-F238E27FC236}">
+                <a16:creationId xmlns:a16="http://schemas.microsoft.com/office/drawing/2014/main" id="{895882CD-3993-45FB-A53B-27A7915D049C}"/>
+              </a:ext>
+            </a:extLst>
+          </p:cNvPr>
+          <p:cNvSpPr>
+            <a:spLocks noChangeArrowheads="1"/>
+          </p:cNvSpPr>
+          <p:nvPr/>
+        </p:nvSpPr>
+        <p:spPr bwMode="auto">
+          <a:xfrm>
+            <a:off x="177376" y="2403872"/>
+            <a:ext cx="3505624" cy="2286000"/>
+          </a:xfrm>
+          <a:prstGeom prst="rect">
+            <a:avLst/>
+          </a:prstGeom>
+          <a:solidFill>
+            <a:schemeClr val="accent1">
+              <a:lumMod val="20000"/>
+              <a:lumOff val="80000"/>
+            </a:schemeClr>
+          </a:solidFill>
+          <a:ln w="9525">
+            <a:solidFill>
+              <a:schemeClr val="tx1"/>
+            </a:solidFill>
+            <a:miter lim="800000"/>
+            <a:headEnd/>
+            <a:tailEnd/>
+          </a:ln>
+          <a:effectLst/>
+        </p:spPr>
+        <p:txBody>
+          <a:bodyPr wrap="none" anchor="ctr"/>
+          <a:lstStyle/>
+          <a:p>
+            <a:pPr algn="ctr"/>
+            <a:r>
+              <a:rPr lang="en-US" altLang="en-US" dirty="0"/>
+              <a:t>Batch processing of</a:t>
+            </a:r>
+          </a:p>
+          <a:p>
+            <a:pPr algn="ctr"/>
+            <a:r>
+              <a:rPr lang="en-US" altLang="ko-KR" dirty="0"/>
+              <a:t>One</a:t>
+            </a:r>
+            <a:r>
+              <a:rPr lang="ko-KR" altLang="en-US" dirty="0"/>
+              <a:t> </a:t>
+            </a:r>
+            <a:r>
+              <a:rPr lang="en-US" altLang="ko-KR" dirty="0"/>
+              <a:t>data file</a:t>
+            </a:r>
+            <a:endParaRPr lang="en-US" altLang="en-US" dirty="0"/>
+          </a:p>
+          <a:p>
+            <a:pPr algn="ctr"/>
+            <a:endParaRPr lang="en-US" altLang="en-US" dirty="0"/>
+          </a:p>
+          <a:p>
+            <a:pPr algn="ctr"/>
+            <a:endParaRPr lang="en-US" altLang="en-US" dirty="0"/>
+          </a:p>
+          <a:p>
+            <a:pPr algn="ctr"/>
+            <a:endParaRPr lang="en-US" altLang="en-US" dirty="0"/>
+          </a:p>
+          <a:p>
+            <a:pPr algn="ctr"/>
+            <a:endParaRPr lang="en-US" altLang="en-US" dirty="0"/>
+          </a:p>
+          <a:p>
+            <a:pPr algn="ctr"/>
+            <a:endParaRPr lang="en-US" altLang="en-US" dirty="0"/>
+          </a:p>
+          <a:p>
+            <a:pPr algn="ctr"/>
+            <a:endParaRPr lang="en-US" altLang="en-US" dirty="0"/>
+          </a:p>
+        </p:txBody>
+      </p:sp>
+      <p:sp>
+        <p:nvSpPr>
+          <p:cNvPr id="5" name="AutoShape 6">
+            <a:extLst>
+              <a:ext uri="{FF2B5EF4-FFF2-40B4-BE49-F238E27FC236}">
+                <a16:creationId xmlns:a16="http://schemas.microsoft.com/office/drawing/2014/main" id="{CCF05DCD-B666-4BAC-940F-D313ECD08243}"/>
+              </a:ext>
+            </a:extLst>
+          </p:cNvPr>
+          <p:cNvSpPr>
+            <a:spLocks noChangeArrowheads="1"/>
+          </p:cNvSpPr>
+          <p:nvPr/>
+        </p:nvSpPr>
+        <p:spPr bwMode="auto">
+          <a:xfrm>
+            <a:off x="629920" y="5548908"/>
+            <a:ext cx="2286000" cy="914400"/>
+          </a:xfrm>
+          <a:prstGeom prst="flowChartMultidocument">
+            <a:avLst/>
+          </a:prstGeom>
+          <a:solidFill>
+            <a:schemeClr val="accent1">
+              <a:lumMod val="60000"/>
+              <a:lumOff val="40000"/>
+            </a:schemeClr>
+          </a:solidFill>
+          <a:ln w="9525">
+            <a:solidFill>
+              <a:schemeClr val="tx1"/>
+            </a:solidFill>
+            <a:miter lim="800000"/>
+            <a:headEnd/>
+            <a:tailEnd/>
+          </a:ln>
+          <a:effectLst/>
+        </p:spPr>
+        <p:txBody>
+          <a:bodyPr wrap="none" anchor="ctr"/>
+          <a:lstStyle/>
+          <a:p>
+            <a:pPr algn="ctr"/>
+            <a:r>
+              <a:rPr lang="en-US" altLang="en-US" dirty="0"/>
+              <a:t>Multiple sessions data</a:t>
+            </a:r>
+          </a:p>
+          <a:p>
+            <a:pPr algn="ctr"/>
+            <a:r>
+              <a:rPr lang="en-US" altLang="en-US" dirty="0"/>
+              <a:t>Stored in disk</a:t>
+            </a:r>
+          </a:p>
+        </p:txBody>
+      </p:sp>
+      <p:sp>
+        <p:nvSpPr>
+          <p:cNvPr id="6" name="AutoShape 7">
+            <a:extLst>
+              <a:ext uri="{FF2B5EF4-FFF2-40B4-BE49-F238E27FC236}">
+                <a16:creationId xmlns:a16="http://schemas.microsoft.com/office/drawing/2014/main" id="{131F0B1A-507A-4977-A5B5-B99B672B0306}"/>
+              </a:ext>
+            </a:extLst>
+          </p:cNvPr>
+          <p:cNvSpPr>
+            <a:spLocks noChangeArrowheads="1"/>
+          </p:cNvSpPr>
+          <p:nvPr/>
+        </p:nvSpPr>
+        <p:spPr bwMode="auto">
+          <a:xfrm>
+            <a:off x="4169653" y="3009900"/>
+            <a:ext cx="2133600" cy="838200"/>
+          </a:xfrm>
+          <a:prstGeom prst="flowChartProcess">
+            <a:avLst/>
+          </a:prstGeom>
+          <a:solidFill>
+            <a:schemeClr val="accent1">
+              <a:lumMod val="60000"/>
+              <a:lumOff val="40000"/>
+            </a:schemeClr>
+          </a:solidFill>
+          <a:ln w="9525">
+            <a:solidFill>
+              <a:schemeClr val="tx1"/>
+            </a:solidFill>
+            <a:miter lim="800000"/>
+            <a:headEnd/>
+            <a:tailEnd/>
+          </a:ln>
+          <a:effectLst/>
+        </p:spPr>
+        <p:txBody>
+          <a:bodyPr wrap="none" anchor="ctr"/>
+          <a:lstStyle/>
+          <a:p>
+            <a:pPr algn="ctr"/>
+            <a:r>
+              <a:rPr lang="en-US" altLang="en-US" dirty="0"/>
+              <a:t>Population Analysis</a:t>
+            </a:r>
+          </a:p>
+        </p:txBody>
+      </p:sp>
+      <p:sp>
+        <p:nvSpPr>
+          <p:cNvPr id="8" name="Rectangle 13">
+            <a:extLst>
+              <a:ext uri="{FF2B5EF4-FFF2-40B4-BE49-F238E27FC236}">
+                <a16:creationId xmlns:a16="http://schemas.microsoft.com/office/drawing/2014/main" id="{B8E1165A-9288-488E-BF23-6242BC452469}"/>
+              </a:ext>
+            </a:extLst>
+          </p:cNvPr>
+          <p:cNvSpPr>
+            <a:spLocks noChangeArrowheads="1"/>
+          </p:cNvSpPr>
+          <p:nvPr/>
+        </p:nvSpPr>
+        <p:spPr bwMode="auto">
+          <a:xfrm>
+            <a:off x="351547" y="3181748"/>
+            <a:ext cx="3157282" cy="1279524"/>
+          </a:xfrm>
+          <a:prstGeom prst="rect">
+            <a:avLst/>
+          </a:prstGeom>
+          <a:solidFill>
+            <a:schemeClr val="accent1">
+              <a:lumMod val="60000"/>
+              <a:lumOff val="40000"/>
+            </a:schemeClr>
+          </a:solidFill>
+          <a:ln w="9525">
+            <a:solidFill>
+              <a:schemeClr val="tx1"/>
+            </a:solidFill>
+            <a:miter lim="800000"/>
+            <a:headEnd/>
+            <a:tailEnd/>
+          </a:ln>
+          <a:effectLst/>
+        </p:spPr>
+        <p:txBody>
+          <a:bodyPr wrap="none" anchor="ctr"/>
+          <a:lstStyle/>
+          <a:p>
+            <a:pPr algn="ctr"/>
+            <a:r>
+              <a:rPr lang="en-US" altLang="en-US" dirty="0"/>
+              <a:t>Load data</a:t>
+            </a:r>
+          </a:p>
+          <a:p>
+            <a:pPr algn="ctr"/>
+            <a:r>
+              <a:rPr lang="en-US" altLang="en-US" dirty="0"/>
+              <a:t>Analyze</a:t>
+            </a:r>
+            <a:endParaRPr lang="en-US" altLang="ko-KR" dirty="0">
+              <a:ea typeface="굴림" panose="020B0600000101010101" pitchFamily="34" charset="-127"/>
+            </a:endParaRPr>
+          </a:p>
+          <a:p>
+            <a:pPr algn="ctr"/>
+            <a:r>
+              <a:rPr lang="en-US" altLang="ko-KR" dirty="0">
+                <a:ea typeface="굴림" panose="020B0600000101010101" pitchFamily="34" charset="-127"/>
+              </a:rPr>
+              <a:t>Save PSTHs and quantifications</a:t>
+            </a:r>
+            <a:endParaRPr lang="en-US" altLang="en-US" dirty="0"/>
+          </a:p>
+        </p:txBody>
+      </p:sp>
+      <p:cxnSp>
+        <p:nvCxnSpPr>
+          <p:cNvPr id="9" name="AutoShape 14">
+            <a:extLst>
+              <a:ext uri="{FF2B5EF4-FFF2-40B4-BE49-F238E27FC236}">
+                <a16:creationId xmlns:a16="http://schemas.microsoft.com/office/drawing/2014/main" id="{9BCD660C-FCA4-49E2-8902-AB75AB2EF247}"/>
+              </a:ext>
+            </a:extLst>
+          </p:cNvPr>
+          <p:cNvCxnSpPr>
+            <a:cxnSpLocks noChangeShapeType="1"/>
+            <a:stCxn id="8" idx="2"/>
+            <a:endCxn id="5" idx="0"/>
+          </p:cNvCxnSpPr>
+          <p:nvPr/>
+        </p:nvCxnSpPr>
+        <p:spPr bwMode="auto">
+          <a:xfrm>
+            <a:off x="1930188" y="4461272"/>
+            <a:ext cx="0" cy="1087636"/>
+          </a:xfrm>
+          <a:prstGeom prst="straightConnector1">
+            <a:avLst/>
+          </a:prstGeom>
+          <a:noFill/>
+          <a:ln w="25400">
+            <a:solidFill>
+              <a:schemeClr val="tx1"/>
+            </a:solidFill>
+            <a:round/>
+            <a:headEnd/>
+            <a:tailEnd type="triangle" w="med" len="med"/>
+          </a:ln>
+          <a:effectLst/>
+          <a:extLst>
+            <a:ext uri="{909E8E84-426E-40DD-AFC4-6F175D3DCCD1}">
+              <a14:hiddenFill xmlns:a14="http://schemas.microsoft.com/office/drawing/2010/main">
+                <a:noFill/>
+              </a14:hiddenFill>
+            </a:ext>
+            <a:ext uri="{AF507438-7753-43E0-B8FC-AC1667EBCBE1}">
+              <a14:hiddenEffects xmlns:a14="http://schemas.microsoft.com/office/drawing/2010/main">
+                <a:effectLst>
+                  <a:outerShdw dist="35921" dir="2700000" algn="ctr" rotWithShape="0">
+                    <a:schemeClr val="bg2"/>
+                  </a:outerShdw>
+                </a:effectLst>
+              </a14:hiddenEffects>
+            </a:ext>
+          </a:extLst>
+        </p:spPr>
+      </p:cxnSp>
+    </p:spTree>
+    <p:extLst>
+      <p:ext uri="{BB962C8B-B14F-4D97-AF65-F5344CB8AC3E}">
+        <p14:creationId xmlns:p14="http://schemas.microsoft.com/office/powerpoint/2010/main" val="1806441089"/>
+      </p:ext>
+    </p:extLst>
+  </p:cSld>
+  <p:clrMapOvr>
+    <a:masterClrMapping/>
+  </p:clrMapOvr>
+</p:sld>
+</file>
+
+<file path=ppt/slides/slide8.xml><?xml version="1.0" encoding="utf-8"?>
+<p:sld xmlns:a="http://schemas.openxmlformats.org/drawingml/2006/main" xmlns:r="http://schemas.openxmlformats.org/officeDocument/2006/relationships" xmlns:p="http://schemas.openxmlformats.org/presentationml/2006/main">
+  <p:cSld>
+    <p:spTree>
+      <p:nvGrpSpPr>
+        <p:cNvPr id="1" name=""/>
+        <p:cNvGrpSpPr/>
+        <p:nvPr/>
+      </p:nvGrpSpPr>
+      <p:grpSpPr>
+        <a:xfrm>
+          <a:off x="0" y="0"/>
+          <a:ext cx="0" cy="0"/>
+          <a:chOff x="0" y="0"/>
+          <a:chExt cx="0" cy="0"/>
+        </a:xfrm>
+      </p:grpSpPr>
+      <p:sp>
+        <p:nvSpPr>
+          <p:cNvPr id="2" name="제목 1">
+            <a:extLst>
+              <a:ext uri="{FF2B5EF4-FFF2-40B4-BE49-F238E27FC236}">
+                <a16:creationId xmlns:a16="http://schemas.microsoft.com/office/drawing/2014/main" id="{8666FAB8-7773-4742-8962-EA10589DD7FE}"/>
               </a:ext>
             </a:extLst>
           </p:cNvPr>
@@ -6683,18 +10076,19 @@
           <a:lstStyle/>
           <a:p>
             <a:r>
-              <a:rPr lang="en-US" dirty="0"/>
-              <a:t>Disclaimer</a:t>
-            </a:r>
+              <a:rPr lang="en-US" altLang="ko-KR" sz="4400" dirty="0"/>
+              <a:t>Dynamics in a neural state space</a:t>
+            </a:r>
+            <a:endParaRPr lang="ko-KR" altLang="en-US" dirty="0"/>
           </a:p>
         </p:txBody>
       </p:sp>
       <p:sp>
         <p:nvSpPr>
-          <p:cNvPr id="3" name="Content Placeholder 2">
-            <a:extLst>
-              <a:ext uri="{FF2B5EF4-FFF2-40B4-BE49-F238E27FC236}">
-                <a16:creationId xmlns:a16="http://schemas.microsoft.com/office/drawing/2014/main" id="{20402CE1-1F5E-4456-BF41-38B618E430FB}"/>
+          <p:cNvPr id="3" name="내용 개체 틀 2">
+            <a:extLst>
+              <a:ext uri="{FF2B5EF4-FFF2-40B4-BE49-F238E27FC236}">
+                <a16:creationId xmlns:a16="http://schemas.microsoft.com/office/drawing/2014/main" id="{8111F308-E3FA-4323-9B50-9EEEA3587552}"/>
               </a:ext>
             </a:extLst>
           </p:cNvPr>
@@ -6710,23 +10104,773 @@
           <a:bodyPr/>
           <a:lstStyle/>
           <a:p>
-            <a:r>
-              <a:rPr lang="en-US" dirty="0"/>
-              <a:t>Bugs will happen; suspect the results!</a:t>
-            </a:r>
+            <a:endParaRPr lang="ko-KR" altLang="en-US"/>
           </a:p>
         </p:txBody>
       </p:sp>
+      <p:pic>
+        <p:nvPicPr>
+          <p:cNvPr id="4" name="Picture 4" descr="Image result for neural response manifold dynamics">
+            <a:extLst>
+              <a:ext uri="{FF2B5EF4-FFF2-40B4-BE49-F238E27FC236}">
+                <a16:creationId xmlns:a16="http://schemas.microsoft.com/office/drawing/2014/main" id="{50320907-99D1-4D52-8BAA-6895E8A18D61}"/>
+              </a:ext>
+            </a:extLst>
+          </p:cNvPr>
+          <p:cNvPicPr>
+            <a:picLocks noChangeAspect="1" noChangeArrowheads="1"/>
+          </p:cNvPicPr>
+          <p:nvPr/>
+        </p:nvPicPr>
+        <p:blipFill rotWithShape="1">
+          <a:blip r:embed="rId2">
+            <a:extLst>
+              <a:ext uri="{28A0092B-C50C-407E-A947-70E740481C1C}">
+                <a14:useLocalDpi xmlns:a14="http://schemas.microsoft.com/office/drawing/2010/main" val="0"/>
+              </a:ext>
+            </a:extLst>
+          </a:blip>
+          <a:srcRect l="51602" t="8322"/>
+          <a:stretch/>
+        </p:blipFill>
+        <p:spPr bwMode="auto">
+          <a:xfrm>
+            <a:off x="3965179" y="2092183"/>
+            <a:ext cx="4261642" cy="3458654"/>
+          </a:xfrm>
+          <a:prstGeom prst="rect">
+            <a:avLst/>
+          </a:prstGeom>
+          <a:noFill/>
+          <a:extLst>
+            <a:ext uri="{909E8E84-426E-40DD-AFC4-6F175D3DCCD1}">
+              <a14:hiddenFill xmlns:a14="http://schemas.microsoft.com/office/drawing/2010/main">
+                <a:solidFill>
+                  <a:srgbClr val="FFFFFF"/>
+                </a:solidFill>
+              </a14:hiddenFill>
+            </a:ext>
+          </a:extLst>
+        </p:spPr>
+      </p:pic>
     </p:spTree>
     <p:extLst>
       <p:ext uri="{BB962C8B-B14F-4D97-AF65-F5344CB8AC3E}">
-        <p14:creationId xmlns:p14="http://schemas.microsoft.com/office/powerpoint/2010/main" val="332489415"/>
+        <p14:creationId xmlns:p14="http://schemas.microsoft.com/office/powerpoint/2010/main" val="525451526"/>
       </p:ext>
     </p:extLst>
   </p:cSld>
   <p:clrMapOvr>
     <a:masterClrMapping/>
   </p:clrMapOvr>
+</p:sld>
+</file>
+
+<file path=ppt/slides/slide9.xml><?xml version="1.0" encoding="utf-8"?>
+<p:sld xmlns:a="http://schemas.openxmlformats.org/drawingml/2006/main" xmlns:r="http://schemas.openxmlformats.org/officeDocument/2006/relationships" xmlns:p="http://schemas.openxmlformats.org/presentationml/2006/main">
+  <p:cSld>
+    <p:spTree>
+      <p:nvGrpSpPr>
+        <p:cNvPr id="1" name=""/>
+        <p:cNvGrpSpPr/>
+        <p:nvPr/>
+      </p:nvGrpSpPr>
+      <p:grpSpPr>
+        <a:xfrm>
+          <a:off x="0" y="0"/>
+          <a:ext cx="0" cy="0"/>
+          <a:chOff x="0" y="0"/>
+          <a:chExt cx="0" cy="0"/>
+        </a:xfrm>
+      </p:grpSpPr>
+      <p:sp>
+        <p:nvSpPr>
+          <p:cNvPr id="2" name="Title 1">
+            <a:extLst>
+              <a:ext uri="{FF2B5EF4-FFF2-40B4-BE49-F238E27FC236}">
+                <a16:creationId xmlns:a16="http://schemas.microsoft.com/office/drawing/2014/main" id="{25269B0E-979D-47EA-A959-A6DEA191A616}"/>
+              </a:ext>
+            </a:extLst>
+          </p:cNvPr>
+          <p:cNvSpPr>
+            <a:spLocks noGrp="1"/>
+          </p:cNvSpPr>
+          <p:nvPr>
+            <p:ph type="title"/>
+          </p:nvPr>
+        </p:nvSpPr>
+        <p:spPr/>
+        <p:txBody>
+          <a:bodyPr/>
+          <a:lstStyle/>
+          <a:p>
+            <a:r>
+              <a:rPr lang="en-US" dirty="0"/>
+              <a:t>Cognitive process of single-unit analysis</a:t>
+            </a:r>
+          </a:p>
+        </p:txBody>
+      </p:sp>
+      <p:sp>
+        <p:nvSpPr>
+          <p:cNvPr id="3" name="Content Placeholder 2">
+            <a:extLst>
+              <a:ext uri="{FF2B5EF4-FFF2-40B4-BE49-F238E27FC236}">
+                <a16:creationId xmlns:a16="http://schemas.microsoft.com/office/drawing/2014/main" id="{BB7B34D1-AB99-40C6-83B8-FC858AE83C6D}"/>
+              </a:ext>
+            </a:extLst>
+          </p:cNvPr>
+          <p:cNvSpPr>
+            <a:spLocks noGrp="1"/>
+          </p:cNvSpPr>
+          <p:nvPr>
+            <p:ph idx="1"/>
+          </p:nvPr>
+        </p:nvSpPr>
+        <p:spPr>
+          <a:xfrm>
+            <a:off x="838200" y="1825625"/>
+            <a:ext cx="10515600" cy="4667250"/>
+          </a:xfrm>
+        </p:spPr>
+        <p:txBody>
+          <a:bodyPr>
+            <a:normAutofit lnSpcReduction="10000"/>
+          </a:bodyPr>
+          <a:lstStyle/>
+          <a:p>
+            <a:r>
+              <a:rPr lang="en-US" dirty="0"/>
+              <a:t>Hypothesis (or just do assumption-free experiments)</a:t>
+            </a:r>
+          </a:p>
+          <a:p>
+            <a:r>
+              <a:rPr lang="en-US" dirty="0"/>
+              <a:t>Repeat until you have N conclusions (</a:t>
+            </a:r>
+            <a:r>
+              <a:rPr lang="en-US" dirty="0" err="1"/>
+              <a:t>e.i.</a:t>
+            </a:r>
+            <a:r>
+              <a:rPr lang="en-US" dirty="0"/>
+              <a:t>, figures)</a:t>
+            </a:r>
+          </a:p>
+          <a:p>
+            <a:pPr lvl="1"/>
+            <a:r>
+              <a:rPr lang="en-US" dirty="0"/>
+              <a:t>Plot results by events of interest</a:t>
+            </a:r>
+          </a:p>
+          <a:p>
+            <a:pPr lvl="1"/>
+            <a:r>
+              <a:rPr lang="en-US" dirty="0"/>
+              <a:t>Look at the results carefully</a:t>
+            </a:r>
+          </a:p>
+          <a:p>
+            <a:pPr lvl="1"/>
+            <a:r>
+              <a:rPr lang="en-US" dirty="0"/>
+              <a:t>Make a quantitatively testable hypothesis</a:t>
+            </a:r>
+          </a:p>
+          <a:p>
+            <a:pPr lvl="1"/>
+            <a:r>
+              <a:rPr lang="en-US" dirty="0"/>
+              <a:t>Quantify responses</a:t>
+            </a:r>
+          </a:p>
+          <a:p>
+            <a:pPr lvl="1"/>
+            <a:r>
+              <a:rPr lang="en-US" dirty="0"/>
+              <a:t>Population analysis</a:t>
+            </a:r>
+          </a:p>
+          <a:p>
+            <a:pPr lvl="1"/>
+            <a:r>
+              <a:rPr lang="en-US" dirty="0"/>
+              <a:t>Prove or disprove the hypothesis by statistical tests</a:t>
+            </a:r>
+          </a:p>
+          <a:p>
+            <a:pPr lvl="1"/>
+            <a:r>
+              <a:rPr lang="en-US" dirty="0"/>
+              <a:t>Do modeling if necessary</a:t>
+            </a:r>
+          </a:p>
+          <a:p>
+            <a:r>
+              <a:rPr lang="en-US" dirty="0"/>
+              <a:t>Present</a:t>
+            </a:r>
+          </a:p>
+          <a:p>
+            <a:r>
+              <a:rPr lang="en-US" dirty="0"/>
+              <a:t>Write</a:t>
+            </a:r>
+          </a:p>
+        </p:txBody>
+      </p:sp>
+      <p:sp>
+        <p:nvSpPr>
+          <p:cNvPr id="4" name="Arrow: Curved Right 3">
+            <a:extLst>
+              <a:ext uri="{FF2B5EF4-FFF2-40B4-BE49-F238E27FC236}">
+                <a16:creationId xmlns:a16="http://schemas.microsoft.com/office/drawing/2014/main" id="{C680DE44-4F4C-4760-94E3-A02FD1A58DA5}"/>
+              </a:ext>
+            </a:extLst>
+          </p:cNvPr>
+          <p:cNvSpPr/>
+          <p:nvPr/>
+        </p:nvSpPr>
+        <p:spPr>
+          <a:xfrm rot="10569937">
+            <a:off x="8316845" y="2842962"/>
+            <a:ext cx="1596571" cy="2264229"/>
+          </a:xfrm>
+          <a:prstGeom prst="curvedRightArrow">
+            <a:avLst>
+              <a:gd name="adj1" fmla="val 9897"/>
+              <a:gd name="adj2" fmla="val 19819"/>
+              <a:gd name="adj3" fmla="val 30985"/>
+            </a:avLst>
+          </a:prstGeom>
+        </p:spPr>
+        <p:style>
+          <a:lnRef idx="2">
+            <a:schemeClr val="accent1">
+              <a:shade val="50000"/>
+            </a:schemeClr>
+          </a:lnRef>
+          <a:fillRef idx="1">
+            <a:schemeClr val="accent1"/>
+          </a:fillRef>
+          <a:effectRef idx="0">
+            <a:schemeClr val="accent1"/>
+          </a:effectRef>
+          <a:fontRef idx="minor">
+            <a:schemeClr val="lt1"/>
+          </a:fontRef>
+        </p:style>
+        <p:txBody>
+          <a:bodyPr rtlCol="0" anchor="ctr"/>
+          <a:lstStyle/>
+          <a:p>
+            <a:pPr algn="ctr"/>
+            <a:endParaRPr lang="en-US">
+              <a:solidFill>
+                <a:schemeClr val="tx1"/>
+              </a:solidFill>
+            </a:endParaRPr>
+          </a:p>
+        </p:txBody>
+      </p:sp>
+      <p:sp>
+        <p:nvSpPr>
+          <p:cNvPr id="5" name="TextBox 4">
+            <a:extLst>
+              <a:ext uri="{FF2B5EF4-FFF2-40B4-BE49-F238E27FC236}">
+                <a16:creationId xmlns:a16="http://schemas.microsoft.com/office/drawing/2014/main" id="{044F9722-5BF1-4778-88E6-5FE951C8835A}"/>
+              </a:ext>
+            </a:extLst>
+          </p:cNvPr>
+          <p:cNvSpPr txBox="1"/>
+          <p:nvPr/>
+        </p:nvSpPr>
+        <p:spPr>
+          <a:xfrm>
+            <a:off x="10116377" y="3272505"/>
+            <a:ext cx="1150257" cy="830997"/>
+          </a:xfrm>
+          <a:prstGeom prst="rect">
+            <a:avLst/>
+          </a:prstGeom>
+          <a:noFill/>
+        </p:spPr>
+        <p:txBody>
+          <a:bodyPr wrap="square" rtlCol="0">
+            <a:spAutoFit/>
+          </a:bodyPr>
+          <a:lstStyle/>
+          <a:p>
+            <a:r>
+              <a:rPr lang="en-US" sz="4800" dirty="0"/>
+              <a:t>Fun</a:t>
+            </a:r>
+          </a:p>
+        </p:txBody>
+      </p:sp>
+      <p:sp>
+        <p:nvSpPr>
+          <p:cNvPr id="6" name="TextBox 5">
+            <a:extLst>
+              <a:ext uri="{FF2B5EF4-FFF2-40B4-BE49-F238E27FC236}">
+                <a16:creationId xmlns:a16="http://schemas.microsoft.com/office/drawing/2014/main" id="{A28F80EE-A62C-4C04-A091-3BCF701B7A5F}"/>
+              </a:ext>
+            </a:extLst>
+          </p:cNvPr>
+          <p:cNvSpPr txBox="1"/>
+          <p:nvPr/>
+        </p:nvSpPr>
+        <p:spPr>
+          <a:xfrm>
+            <a:off x="7576458" y="4899641"/>
+            <a:ext cx="5399314" cy="1938992"/>
+          </a:xfrm>
+          <a:prstGeom prst="rect">
+            <a:avLst/>
+          </a:prstGeom>
+          <a:noFill/>
+        </p:spPr>
+        <p:txBody>
+          <a:bodyPr wrap="square" rtlCol="0">
+            <a:spAutoFit/>
+          </a:bodyPr>
+          <a:lstStyle/>
+          <a:p>
+            <a:r>
+              <a:rPr lang="en-US" sz="2000" dirty="0"/>
+              <a:t>     IF </a:t>
+            </a:r>
+          </a:p>
+          <a:p>
+            <a:pPr marL="342900" indent="-342900">
+              <a:buFont typeface="Arial" panose="020B0604020202020204" pitchFamily="34" charset="0"/>
+              <a:buChar char="•"/>
+            </a:pPr>
+            <a:r>
+              <a:rPr lang="en-US" sz="2000" dirty="0"/>
+              <a:t>If you can look at data fast, flexibly</a:t>
+            </a:r>
+          </a:p>
+          <a:p>
+            <a:pPr marL="342900" indent="-342900">
+              <a:buFont typeface="Arial" panose="020B0604020202020204" pitchFamily="34" charset="0"/>
+              <a:buChar char="•"/>
+            </a:pPr>
+            <a:r>
+              <a:rPr lang="en-US" sz="2000" dirty="0"/>
+              <a:t>Examine population easily with stats</a:t>
+            </a:r>
+          </a:p>
+          <a:p>
+            <a:r>
+              <a:rPr lang="en-US" sz="2000" dirty="0"/>
+              <a:t>     Otherwise,</a:t>
+            </a:r>
+          </a:p>
+          <a:p>
+            <a:pPr marL="342900" indent="-342900">
+              <a:buFont typeface="Arial" panose="020B0604020202020204" pitchFamily="34" charset="0"/>
+              <a:buChar char="•"/>
+            </a:pPr>
+            <a:r>
+              <a:rPr lang="en-US" sz="2000" dirty="0"/>
+              <a:t>Projects will be delayed </a:t>
+            </a:r>
+          </a:p>
+          <a:p>
+            <a:pPr marL="342900" indent="-342900">
+              <a:buFont typeface="Arial" panose="020B0604020202020204" pitchFamily="34" charset="0"/>
+              <a:buChar char="•"/>
+            </a:pPr>
+            <a:r>
+              <a:rPr lang="en-US" sz="2000" dirty="0"/>
+              <a:t>Conclusion can be wrong</a:t>
+            </a:r>
+          </a:p>
+        </p:txBody>
+      </p:sp>
+      <p:sp>
+        <p:nvSpPr>
+          <p:cNvPr id="7" name="Star: 5 Points 6">
+            <a:extLst>
+              <a:ext uri="{FF2B5EF4-FFF2-40B4-BE49-F238E27FC236}">
+                <a16:creationId xmlns:a16="http://schemas.microsoft.com/office/drawing/2014/main" id="{BEC13943-763B-4098-A80F-C4C37C4B6E59}"/>
+              </a:ext>
+            </a:extLst>
+          </p:cNvPr>
+          <p:cNvSpPr/>
+          <p:nvPr/>
+        </p:nvSpPr>
+        <p:spPr>
+          <a:xfrm>
+            <a:off x="1290402" y="2705755"/>
+            <a:ext cx="296782" cy="266046"/>
+          </a:xfrm>
+          <a:prstGeom prst="star5">
+            <a:avLst/>
+          </a:prstGeom>
+          <a:solidFill>
+            <a:srgbClr val="FF0000"/>
+          </a:solidFill>
+          <a:ln>
+            <a:noFill/>
+          </a:ln>
+        </p:spPr>
+        <p:style>
+          <a:lnRef idx="2">
+            <a:schemeClr val="accent1">
+              <a:shade val="50000"/>
+            </a:schemeClr>
+          </a:lnRef>
+          <a:fillRef idx="1">
+            <a:schemeClr val="accent1"/>
+          </a:fillRef>
+          <a:effectRef idx="0">
+            <a:schemeClr val="accent1"/>
+          </a:effectRef>
+          <a:fontRef idx="minor">
+            <a:schemeClr val="lt1"/>
+          </a:fontRef>
+        </p:style>
+        <p:txBody>
+          <a:bodyPr rtlCol="0" anchor="ctr"/>
+          <a:lstStyle/>
+          <a:p>
+            <a:pPr algn="ctr"/>
+            <a:endParaRPr lang="en-US"/>
+          </a:p>
+        </p:txBody>
+      </p:sp>
+      <p:sp>
+        <p:nvSpPr>
+          <p:cNvPr id="8" name="Star: 5 Points 7">
+            <a:extLst>
+              <a:ext uri="{FF2B5EF4-FFF2-40B4-BE49-F238E27FC236}">
+                <a16:creationId xmlns:a16="http://schemas.microsoft.com/office/drawing/2014/main" id="{FD31AF89-56DE-4B3F-A260-4E942ABF20C6}"/>
+              </a:ext>
+            </a:extLst>
+          </p:cNvPr>
+          <p:cNvSpPr/>
+          <p:nvPr/>
+        </p:nvSpPr>
+        <p:spPr>
+          <a:xfrm>
+            <a:off x="1290402" y="3803494"/>
+            <a:ext cx="296782" cy="266046"/>
+          </a:xfrm>
+          <a:prstGeom prst="star5">
+            <a:avLst/>
+          </a:prstGeom>
+          <a:solidFill>
+            <a:srgbClr val="FF0000"/>
+          </a:solidFill>
+          <a:ln>
+            <a:noFill/>
+          </a:ln>
+        </p:spPr>
+        <p:style>
+          <a:lnRef idx="2">
+            <a:schemeClr val="accent1">
+              <a:shade val="50000"/>
+            </a:schemeClr>
+          </a:lnRef>
+          <a:fillRef idx="1">
+            <a:schemeClr val="accent1"/>
+          </a:fillRef>
+          <a:effectRef idx="0">
+            <a:schemeClr val="accent1"/>
+          </a:effectRef>
+          <a:fontRef idx="minor">
+            <a:schemeClr val="lt1"/>
+          </a:fontRef>
+        </p:style>
+        <p:txBody>
+          <a:bodyPr rtlCol="0" anchor="ctr"/>
+          <a:lstStyle/>
+          <a:p>
+            <a:pPr algn="ctr"/>
+            <a:endParaRPr lang="en-US"/>
+          </a:p>
+        </p:txBody>
+      </p:sp>
+      <p:sp>
+        <p:nvSpPr>
+          <p:cNvPr id="9" name="Star: 5 Points 8">
+            <a:extLst>
+              <a:ext uri="{FF2B5EF4-FFF2-40B4-BE49-F238E27FC236}">
+                <a16:creationId xmlns:a16="http://schemas.microsoft.com/office/drawing/2014/main" id="{B7344DE4-7748-4304-A747-7FB50A3C26BD}"/>
+              </a:ext>
+            </a:extLst>
+          </p:cNvPr>
+          <p:cNvSpPr/>
+          <p:nvPr/>
+        </p:nvSpPr>
+        <p:spPr>
+          <a:xfrm>
+            <a:off x="1290402" y="4138774"/>
+            <a:ext cx="296782" cy="266046"/>
+          </a:xfrm>
+          <a:prstGeom prst="star5">
+            <a:avLst/>
+          </a:prstGeom>
+          <a:solidFill>
+            <a:srgbClr val="FF0000"/>
+          </a:solidFill>
+          <a:ln>
+            <a:noFill/>
+          </a:ln>
+        </p:spPr>
+        <p:style>
+          <a:lnRef idx="2">
+            <a:schemeClr val="accent1">
+              <a:shade val="50000"/>
+            </a:schemeClr>
+          </a:lnRef>
+          <a:fillRef idx="1">
+            <a:schemeClr val="accent1"/>
+          </a:fillRef>
+          <a:effectRef idx="0">
+            <a:schemeClr val="accent1"/>
+          </a:effectRef>
+          <a:fontRef idx="minor">
+            <a:schemeClr val="lt1"/>
+          </a:fontRef>
+        </p:style>
+        <p:txBody>
+          <a:bodyPr rtlCol="0" anchor="ctr"/>
+          <a:lstStyle/>
+          <a:p>
+            <a:pPr algn="ctr"/>
+            <a:endParaRPr lang="en-US"/>
+          </a:p>
+        </p:txBody>
+      </p:sp>
+      <p:sp>
+        <p:nvSpPr>
+          <p:cNvPr id="10" name="Star: 5 Points 9">
+            <a:extLst>
+              <a:ext uri="{FF2B5EF4-FFF2-40B4-BE49-F238E27FC236}">
+                <a16:creationId xmlns:a16="http://schemas.microsoft.com/office/drawing/2014/main" id="{984A10C3-3AB7-42EB-9B3F-04202F8B539D}"/>
+              </a:ext>
+            </a:extLst>
+          </p:cNvPr>
+          <p:cNvSpPr/>
+          <p:nvPr/>
+        </p:nvSpPr>
+        <p:spPr>
+          <a:xfrm>
+            <a:off x="1290402" y="4496914"/>
+            <a:ext cx="296782" cy="266046"/>
+          </a:xfrm>
+          <a:prstGeom prst="star5">
+            <a:avLst/>
+          </a:prstGeom>
+          <a:solidFill>
+            <a:srgbClr val="FF0000"/>
+          </a:solidFill>
+          <a:ln>
+            <a:noFill/>
+          </a:ln>
+        </p:spPr>
+        <p:style>
+          <a:lnRef idx="2">
+            <a:schemeClr val="accent1">
+              <a:shade val="50000"/>
+            </a:schemeClr>
+          </a:lnRef>
+          <a:fillRef idx="1">
+            <a:schemeClr val="accent1"/>
+          </a:fillRef>
+          <a:effectRef idx="0">
+            <a:schemeClr val="accent1"/>
+          </a:effectRef>
+          <a:fontRef idx="minor">
+            <a:schemeClr val="lt1"/>
+          </a:fontRef>
+        </p:style>
+        <p:txBody>
+          <a:bodyPr rtlCol="0" anchor="ctr"/>
+          <a:lstStyle/>
+          <a:p>
+            <a:pPr algn="ctr"/>
+            <a:endParaRPr lang="en-US"/>
+          </a:p>
+        </p:txBody>
+      </p:sp>
+    </p:spTree>
+    <p:extLst>
+      <p:ext uri="{BB962C8B-B14F-4D97-AF65-F5344CB8AC3E}">
+        <p14:creationId xmlns:p14="http://schemas.microsoft.com/office/powerpoint/2010/main" val="1077310269"/>
+      </p:ext>
+    </p:extLst>
+  </p:cSld>
+  <p:clrMapOvr>
+    <a:masterClrMapping/>
+  </p:clrMapOvr>
+  <p:timing>
+    <p:tnLst>
+      <p:par>
+        <p:cTn id="1" dur="indefinite" restart="never" nodeType="tmRoot">
+          <p:childTnLst>
+            <p:seq concurrent="1" nextAc="seek">
+              <p:cTn id="2" dur="indefinite" nodeType="mainSeq">
+                <p:childTnLst>
+                  <p:par>
+                    <p:cTn id="3" fill="hold">
+                      <p:stCondLst>
+                        <p:cond delay="indefinite"/>
+                      </p:stCondLst>
+                      <p:childTnLst>
+                        <p:par>
+                          <p:cTn id="4" fill="hold">
+                            <p:stCondLst>
+                              <p:cond delay="0"/>
+                            </p:stCondLst>
+                            <p:childTnLst>
+                              <p:par>
+                                <p:cTn id="5" presetID="1" presetClass="entr" presetSubtype="0" fill="hold" grpId="0" nodeType="clickEffect">
+                                  <p:stCondLst>
+                                    <p:cond delay="0"/>
+                                  </p:stCondLst>
+                                  <p:childTnLst>
+                                    <p:set>
+                                      <p:cBhvr>
+                                        <p:cTn id="6" dur="1" fill="hold">
+                                          <p:stCondLst>
+                                            <p:cond delay="0"/>
+                                          </p:stCondLst>
+                                        </p:cTn>
+                                        <p:tgtEl>
+                                          <p:spTgt spid="7"/>
+                                        </p:tgtEl>
+                                        <p:attrNameLst>
+                                          <p:attrName>style.visibility</p:attrName>
+                                        </p:attrNameLst>
+                                      </p:cBhvr>
+                                      <p:to>
+                                        <p:strVal val="visible"/>
+                                      </p:to>
+                                    </p:set>
+                                  </p:childTnLst>
+                                </p:cTn>
+                              </p:par>
+                              <p:par>
+                                <p:cTn id="7" presetID="1" presetClass="entr" presetSubtype="0" fill="hold" grpId="0" nodeType="withEffect">
+                                  <p:stCondLst>
+                                    <p:cond delay="0"/>
+                                  </p:stCondLst>
+                                  <p:childTnLst>
+                                    <p:set>
+                                      <p:cBhvr>
+                                        <p:cTn id="8" dur="1" fill="hold">
+                                          <p:stCondLst>
+                                            <p:cond delay="0"/>
+                                          </p:stCondLst>
+                                        </p:cTn>
+                                        <p:tgtEl>
+                                          <p:spTgt spid="8"/>
+                                        </p:tgtEl>
+                                        <p:attrNameLst>
+                                          <p:attrName>style.visibility</p:attrName>
+                                        </p:attrNameLst>
+                                      </p:cBhvr>
+                                      <p:to>
+                                        <p:strVal val="visible"/>
+                                      </p:to>
+                                    </p:set>
+                                  </p:childTnLst>
+                                </p:cTn>
+                              </p:par>
+                              <p:par>
+                                <p:cTn id="9" presetID="1" presetClass="entr" presetSubtype="0" fill="hold" grpId="0" nodeType="withEffect">
+                                  <p:stCondLst>
+                                    <p:cond delay="0"/>
+                                  </p:stCondLst>
+                                  <p:childTnLst>
+                                    <p:set>
+                                      <p:cBhvr>
+                                        <p:cTn id="10" dur="1" fill="hold">
+                                          <p:stCondLst>
+                                            <p:cond delay="0"/>
+                                          </p:stCondLst>
+                                        </p:cTn>
+                                        <p:tgtEl>
+                                          <p:spTgt spid="9"/>
+                                        </p:tgtEl>
+                                        <p:attrNameLst>
+                                          <p:attrName>style.visibility</p:attrName>
+                                        </p:attrNameLst>
+                                      </p:cBhvr>
+                                      <p:to>
+                                        <p:strVal val="visible"/>
+                                      </p:to>
+                                    </p:set>
+                                  </p:childTnLst>
+                                </p:cTn>
+                              </p:par>
+                              <p:par>
+                                <p:cTn id="11" presetID="1" presetClass="entr" presetSubtype="0" fill="hold" grpId="0" nodeType="withEffect">
+                                  <p:stCondLst>
+                                    <p:cond delay="0"/>
+                                  </p:stCondLst>
+                                  <p:childTnLst>
+                                    <p:set>
+                                      <p:cBhvr>
+                                        <p:cTn id="12" dur="1" fill="hold">
+                                          <p:stCondLst>
+                                            <p:cond delay="0"/>
+                                          </p:stCondLst>
+                                        </p:cTn>
+                                        <p:tgtEl>
+                                          <p:spTgt spid="10"/>
+                                        </p:tgtEl>
+                                        <p:attrNameLst>
+                                          <p:attrName>style.visibility</p:attrName>
+                                        </p:attrNameLst>
+                                      </p:cBhvr>
+                                      <p:to>
+                                        <p:strVal val="visible"/>
+                                      </p:to>
+                                    </p:set>
+                                  </p:childTnLst>
+                                </p:cTn>
+                              </p:par>
+                            </p:childTnLst>
+                          </p:cTn>
+                        </p:par>
+                      </p:childTnLst>
+                    </p:cTn>
+                  </p:par>
+                </p:childTnLst>
+              </p:cTn>
+              <p:prevCondLst>
+                <p:cond evt="onPrev" delay="0">
+                  <p:tgtEl>
+                    <p:sldTgt/>
+                  </p:tgtEl>
+                </p:cond>
+              </p:prevCondLst>
+              <p:nextCondLst>
+                <p:cond evt="onNext" delay="0">
+                  <p:tgtEl>
+                    <p:sldTgt/>
+                  </p:tgtEl>
+                </p:cond>
+              </p:nextCondLst>
+            </p:seq>
+          </p:childTnLst>
+        </p:cTn>
+      </p:par>
+    </p:tnLst>
+    <p:bldLst>
+      <p:bldP spid="7" grpId="0" animBg="1"/>
+      <p:bldP spid="8" grpId="0" animBg="1"/>
+      <p:bldP spid="9" grpId="0" animBg="1"/>
+      <p:bldP spid="10" grpId="0" animBg="1"/>
+    </p:bldLst>
+  </p:timing>
 </p:sld>
 </file>
 
